--- a/ipsj/figure/TINETHierarchyDiagram.pptx
+++ b/ipsj/figure/TINETHierarchyDiagram.pptx
@@ -2,7 +2,7 @@
 <file path=ppt/presentation.xml><?xml version="1.0" encoding="utf-8"?>
 <p:presentation xmlns:a="http://schemas.openxmlformats.org/drawingml/2006/main" xmlns:r="http://schemas.openxmlformats.org/officeDocument/2006/relationships" xmlns:p="http://schemas.openxmlformats.org/presentationml/2006/main" saveSubsetFonts="1">
   <p:sldMasterIdLst>
-    <p:sldMasterId id="2147483648" r:id="rId1"/>
+    <p:sldMasterId id="2147483660" r:id="rId1"/>
   </p:sldMasterIdLst>
   <p:notesMasterIdLst>
     <p:notesMasterId r:id="rId3"/>
@@ -10,14 +10,14 @@
   <p:sldIdLst>
     <p:sldId id="259" r:id="rId2"/>
   </p:sldIdLst>
-  <p:sldSz cx="12192000" cy="6858000"/>
+  <p:sldSz cx="12192000" cy="5400675"/>
   <p:notesSz cx="6451600" cy="9321800"/>
   <p:defaultTextStyle>
     <a:defPPr>
-      <a:defRPr lang="ja-JP"/>
+      <a:defRPr lang="en-US"/>
     </a:defPPr>
-    <a:lvl1pPr marL="0" algn="l" defTabSz="914400" rtl="0" eaLnBrk="1" latinLnBrk="0" hangingPunct="1">
-      <a:defRPr kumimoji="1" sz="1800" kern="1200">
+    <a:lvl1pPr marL="0" algn="l" defTabSz="457200" rtl="0" eaLnBrk="1" latinLnBrk="0" hangingPunct="1">
+      <a:defRPr sz="1800" kern="1200">
         <a:solidFill>
           <a:schemeClr val="tx1"/>
         </a:solidFill>
@@ -26,8 +26,8 @@
         <a:cs typeface="+mn-cs"/>
       </a:defRPr>
     </a:lvl1pPr>
-    <a:lvl2pPr marL="457200" algn="l" defTabSz="914400" rtl="0" eaLnBrk="1" latinLnBrk="0" hangingPunct="1">
-      <a:defRPr kumimoji="1" sz="1800" kern="1200">
+    <a:lvl2pPr marL="457200" algn="l" defTabSz="457200" rtl="0" eaLnBrk="1" latinLnBrk="0" hangingPunct="1">
+      <a:defRPr sz="1800" kern="1200">
         <a:solidFill>
           <a:schemeClr val="tx1"/>
         </a:solidFill>
@@ -36,8 +36,8 @@
         <a:cs typeface="+mn-cs"/>
       </a:defRPr>
     </a:lvl2pPr>
-    <a:lvl3pPr marL="914400" algn="l" defTabSz="914400" rtl="0" eaLnBrk="1" latinLnBrk="0" hangingPunct="1">
-      <a:defRPr kumimoji="1" sz="1800" kern="1200">
+    <a:lvl3pPr marL="914400" algn="l" defTabSz="457200" rtl="0" eaLnBrk="1" latinLnBrk="0" hangingPunct="1">
+      <a:defRPr sz="1800" kern="1200">
         <a:solidFill>
           <a:schemeClr val="tx1"/>
         </a:solidFill>
@@ -46,8 +46,8 @@
         <a:cs typeface="+mn-cs"/>
       </a:defRPr>
     </a:lvl3pPr>
-    <a:lvl4pPr marL="1371600" algn="l" defTabSz="914400" rtl="0" eaLnBrk="1" latinLnBrk="0" hangingPunct="1">
-      <a:defRPr kumimoji="1" sz="1800" kern="1200">
+    <a:lvl4pPr marL="1371600" algn="l" defTabSz="457200" rtl="0" eaLnBrk="1" latinLnBrk="0" hangingPunct="1">
+      <a:defRPr sz="1800" kern="1200">
         <a:solidFill>
           <a:schemeClr val="tx1"/>
         </a:solidFill>
@@ -56,8 +56,8 @@
         <a:cs typeface="+mn-cs"/>
       </a:defRPr>
     </a:lvl4pPr>
-    <a:lvl5pPr marL="1828800" algn="l" defTabSz="914400" rtl="0" eaLnBrk="1" latinLnBrk="0" hangingPunct="1">
-      <a:defRPr kumimoji="1" sz="1800" kern="1200">
+    <a:lvl5pPr marL="1828800" algn="l" defTabSz="457200" rtl="0" eaLnBrk="1" latinLnBrk="0" hangingPunct="1">
+      <a:defRPr sz="1800" kern="1200">
         <a:solidFill>
           <a:schemeClr val="tx1"/>
         </a:solidFill>
@@ -66,8 +66,8 @@
         <a:cs typeface="+mn-cs"/>
       </a:defRPr>
     </a:lvl5pPr>
-    <a:lvl6pPr marL="2286000" algn="l" defTabSz="914400" rtl="0" eaLnBrk="1" latinLnBrk="0" hangingPunct="1">
-      <a:defRPr kumimoji="1" sz="1800" kern="1200">
+    <a:lvl6pPr marL="2286000" algn="l" defTabSz="457200" rtl="0" eaLnBrk="1" latinLnBrk="0" hangingPunct="1">
+      <a:defRPr sz="1800" kern="1200">
         <a:solidFill>
           <a:schemeClr val="tx1"/>
         </a:solidFill>
@@ -76,8 +76,8 @@
         <a:cs typeface="+mn-cs"/>
       </a:defRPr>
     </a:lvl6pPr>
-    <a:lvl7pPr marL="2743200" algn="l" defTabSz="914400" rtl="0" eaLnBrk="1" latinLnBrk="0" hangingPunct="1">
-      <a:defRPr kumimoji="1" sz="1800" kern="1200">
+    <a:lvl7pPr marL="2743200" algn="l" defTabSz="457200" rtl="0" eaLnBrk="1" latinLnBrk="0" hangingPunct="1">
+      <a:defRPr sz="1800" kern="1200">
         <a:solidFill>
           <a:schemeClr val="tx1"/>
         </a:solidFill>
@@ -86,8 +86,8 @@
         <a:cs typeface="+mn-cs"/>
       </a:defRPr>
     </a:lvl7pPr>
-    <a:lvl8pPr marL="3200400" algn="l" defTabSz="914400" rtl="0" eaLnBrk="1" latinLnBrk="0" hangingPunct="1">
-      <a:defRPr kumimoji="1" sz="1800" kern="1200">
+    <a:lvl8pPr marL="3200400" algn="l" defTabSz="457200" rtl="0" eaLnBrk="1" latinLnBrk="0" hangingPunct="1">
+      <a:defRPr sz="1800" kern="1200">
         <a:solidFill>
           <a:schemeClr val="tx1"/>
         </a:solidFill>
@@ -96,8 +96,8 @@
         <a:cs typeface="+mn-cs"/>
       </a:defRPr>
     </a:lvl8pPr>
-    <a:lvl9pPr marL="3657600" algn="l" defTabSz="914400" rtl="0" eaLnBrk="1" latinLnBrk="0" hangingPunct="1">
-      <a:defRPr kumimoji="1" sz="1800" kern="1200">
+    <a:lvl9pPr marL="3657600" algn="l" defTabSz="457200" rtl="0" eaLnBrk="1" latinLnBrk="0" hangingPunct="1">
+      <a:defRPr sz="1800" kern="1200">
         <a:solidFill>
           <a:schemeClr val="tx1"/>
         </a:solidFill>
@@ -197,7 +197,7 @@
           <a:p>
             <a:fld id="{00D06802-B8EF-4FD8-9511-F1F928CF3A55}" type="datetimeFigureOut">
               <a:rPr kumimoji="1" lang="ja-JP" altLang="en-US" smtClean="0"/>
-              <a:t>2017/1/24</a:t>
+              <a:t>2017/11/16</a:t>
             </a:fld>
             <a:endParaRPr kumimoji="1" lang="ja-JP" altLang="en-US"/>
           </a:p>
@@ -215,8 +215,8 @@
         </p:nvSpPr>
         <p:spPr>
           <a:xfrm>
-            <a:off x="430213" y="1165225"/>
-            <a:ext cx="5591175" cy="3146425"/>
+            <a:off x="-325438" y="1165225"/>
+            <a:ext cx="7102476" cy="3146425"/>
           </a:xfrm>
           <a:prstGeom prst="rect">
             <a:avLst/>
@@ -516,7 +516,7 @@
       </p:grpSpPr>
       <p:sp>
         <p:nvSpPr>
-          <p:cNvPr id="2" name="タイトル 1"/>
+          <p:cNvPr id="2" name="Title 1"/>
           <p:cNvSpPr>
             <a:spLocks noGrp="1"/>
           </p:cNvSpPr>
@@ -526,29 +526,29 @@
         </p:nvSpPr>
         <p:spPr>
           <a:xfrm>
-            <a:off x="1524000" y="1122364"/>
-            <a:ext cx="9144000" cy="2387600"/>
+            <a:off x="1524000" y="883861"/>
+            <a:ext cx="9144000" cy="1880235"/>
           </a:xfrm>
         </p:spPr>
         <p:txBody>
           <a:bodyPr anchor="b"/>
           <a:lstStyle>
             <a:lvl1pPr algn="ctr">
-              <a:defRPr sz="6000"/>
+              <a:defRPr sz="4725"/>
             </a:lvl1pPr>
           </a:lstStyle>
           <a:p>
             <a:r>
-              <a:rPr kumimoji="1" lang="ja-JP" altLang="en-US" smtClean="0"/>
+              <a:rPr lang="ja-JP" altLang="en-US" smtClean="0"/>
               <a:t>マスター タイトルの書式設定</a:t>
             </a:r>
-            <a:endParaRPr kumimoji="1" lang="ja-JP" altLang="en-US"/>
-          </a:p>
-        </p:txBody>
-      </p:sp>
-      <p:sp>
-        <p:nvSpPr>
-          <p:cNvPr id="3" name="サブタイトル 2"/>
+            <a:endParaRPr lang="en-US" dirty="0"/>
+          </a:p>
+        </p:txBody>
+      </p:sp>
+      <p:sp>
+        <p:nvSpPr>
+          <p:cNvPr id="3" name="Subtitle 2"/>
           <p:cNvSpPr>
             <a:spLocks noGrp="1"/>
           </p:cNvSpPr>
@@ -558,8 +558,8 @@
         </p:nvSpPr>
         <p:spPr>
           <a:xfrm>
-            <a:off x="1524000" y="3602039"/>
-            <a:ext cx="9144000" cy="1655762"/>
+            <a:off x="1524000" y="2836605"/>
+            <a:ext cx="9144000" cy="1303913"/>
           </a:xfrm>
         </p:spPr>
         <p:txBody>
@@ -567,53 +567,53 @@
           <a:lstStyle>
             <a:lvl1pPr marL="0" indent="0" algn="ctr">
               <a:buNone/>
-              <a:defRPr sz="2400"/>
+              <a:defRPr sz="1890"/>
             </a:lvl1pPr>
-            <a:lvl2pPr marL="457195" indent="0" algn="ctr">
-              <a:buNone/>
-              <a:defRPr sz="2000"/>
+            <a:lvl2pPr marL="360045" indent="0" algn="ctr">
+              <a:buNone/>
+              <a:defRPr sz="1575"/>
             </a:lvl2pPr>
-            <a:lvl3pPr marL="914392" indent="0" algn="ctr">
-              <a:buNone/>
-              <a:defRPr sz="1800"/>
+            <a:lvl3pPr marL="720090" indent="0" algn="ctr">
+              <a:buNone/>
+              <a:defRPr sz="1418"/>
             </a:lvl3pPr>
-            <a:lvl4pPr marL="1371588" indent="0" algn="ctr">
-              <a:buNone/>
-              <a:defRPr sz="1600"/>
+            <a:lvl4pPr marL="1080135" indent="0" algn="ctr">
+              <a:buNone/>
+              <a:defRPr sz="1260"/>
             </a:lvl4pPr>
-            <a:lvl5pPr marL="1828783" indent="0" algn="ctr">
-              <a:buNone/>
-              <a:defRPr sz="1600"/>
+            <a:lvl5pPr marL="1440180" indent="0" algn="ctr">
+              <a:buNone/>
+              <a:defRPr sz="1260"/>
             </a:lvl5pPr>
-            <a:lvl6pPr marL="2285980" indent="0" algn="ctr">
-              <a:buNone/>
-              <a:defRPr sz="1600"/>
+            <a:lvl6pPr marL="1800225" indent="0" algn="ctr">
+              <a:buNone/>
+              <a:defRPr sz="1260"/>
             </a:lvl6pPr>
-            <a:lvl7pPr marL="2743175" indent="0" algn="ctr">
-              <a:buNone/>
-              <a:defRPr sz="1600"/>
+            <a:lvl7pPr marL="2160270" indent="0" algn="ctr">
+              <a:buNone/>
+              <a:defRPr sz="1260"/>
             </a:lvl7pPr>
-            <a:lvl8pPr marL="3200372" indent="0" algn="ctr">
-              <a:buNone/>
-              <a:defRPr sz="1600"/>
+            <a:lvl8pPr marL="2520315" indent="0" algn="ctr">
+              <a:buNone/>
+              <a:defRPr sz="1260"/>
             </a:lvl8pPr>
-            <a:lvl9pPr marL="3657567" indent="0" algn="ctr">
-              <a:buNone/>
-              <a:defRPr sz="1600"/>
+            <a:lvl9pPr marL="2880360" indent="0" algn="ctr">
+              <a:buNone/>
+              <a:defRPr sz="1260"/>
             </a:lvl9pPr>
           </a:lstStyle>
           <a:p>
             <a:r>
-              <a:rPr kumimoji="1" lang="ja-JP" altLang="en-US" smtClean="0"/>
+              <a:rPr lang="ja-JP" altLang="en-US" smtClean="0"/>
               <a:t>マスター サブタイトルの書式設定</a:t>
             </a:r>
-            <a:endParaRPr kumimoji="1" lang="ja-JP" altLang="en-US"/>
-          </a:p>
-        </p:txBody>
-      </p:sp>
-      <p:sp>
-        <p:nvSpPr>
-          <p:cNvPr id="4" name="日付プレースホルダー 3"/>
+            <a:endParaRPr lang="en-US" dirty="0"/>
+          </a:p>
+        </p:txBody>
+      </p:sp>
+      <p:sp>
+        <p:nvSpPr>
+          <p:cNvPr id="4" name="Date Placeholder 3"/>
           <p:cNvSpPr>
             <a:spLocks noGrp="1"/>
           </p:cNvSpPr>
@@ -628,7 +628,7 @@
           <a:p>
             <a:fld id="{AA641DB4-C951-4763-94FC-F650C3AA7E65}" type="datetimeFigureOut">
               <a:rPr kumimoji="1" lang="ja-JP" altLang="en-US" smtClean="0"/>
-              <a:t>2017/1/24</a:t>
+              <a:t>2017/11/16</a:t>
             </a:fld>
             <a:endParaRPr kumimoji="1" lang="ja-JP" altLang="en-US"/>
           </a:p>
@@ -636,7 +636,7 @@
       </p:sp>
       <p:sp>
         <p:nvSpPr>
-          <p:cNvPr id="5" name="フッター プレースホルダー 4"/>
+          <p:cNvPr id="5" name="Footer Placeholder 4"/>
           <p:cNvSpPr>
             <a:spLocks noGrp="1"/>
           </p:cNvSpPr>
@@ -655,7 +655,7 @@
       </p:sp>
       <p:sp>
         <p:nvSpPr>
-          <p:cNvPr id="6" name="スライド番号プレースホルダー 5"/>
+          <p:cNvPr id="6" name="Slide Number Placeholder 5"/>
           <p:cNvSpPr>
             <a:spLocks noGrp="1"/>
           </p:cNvSpPr>
@@ -679,7 +679,7 @@
     </p:spTree>
     <p:extLst>
       <p:ext uri="{BB962C8B-B14F-4D97-AF65-F5344CB8AC3E}">
-        <p14:creationId xmlns:p14="http://schemas.microsoft.com/office/powerpoint/2010/main" val="3805800358"/>
+        <p14:creationId xmlns:p14="http://schemas.microsoft.com/office/powerpoint/2010/main" val="2603805400"/>
       </p:ext>
     </p:extLst>
   </p:cSld>
@@ -708,7 +708,7 @@
       </p:grpSpPr>
       <p:sp>
         <p:nvSpPr>
-          <p:cNvPr id="2" name="タイトル 1"/>
+          <p:cNvPr id="2" name="Title 1"/>
           <p:cNvSpPr>
             <a:spLocks noGrp="1"/>
           </p:cNvSpPr>
@@ -722,16 +722,16 @@
           <a:lstStyle/>
           <a:p>
             <a:r>
-              <a:rPr kumimoji="1" lang="ja-JP" altLang="en-US" smtClean="0"/>
+              <a:rPr lang="ja-JP" altLang="en-US" smtClean="0"/>
               <a:t>マスター タイトルの書式設定</a:t>
             </a:r>
-            <a:endParaRPr kumimoji="1" lang="ja-JP" altLang="en-US"/>
-          </a:p>
-        </p:txBody>
-      </p:sp>
-      <p:sp>
-        <p:nvSpPr>
-          <p:cNvPr id="3" name="縦書きテキスト プレースホルダー 2"/>
+            <a:endParaRPr lang="en-US" dirty="0"/>
+          </a:p>
+        </p:txBody>
+      </p:sp>
+      <p:sp>
+        <p:nvSpPr>
+          <p:cNvPr id="3" name="Vertical Text Placeholder 2"/>
           <p:cNvSpPr>
             <a:spLocks noGrp="1"/>
           </p:cNvSpPr>
@@ -746,76 +746,76 @@
           <a:p>
             <a:pPr lvl="0"/>
             <a:r>
-              <a:rPr kumimoji="1" lang="ja-JP" altLang="en-US" smtClean="0"/>
+              <a:rPr lang="ja-JP" altLang="en-US" smtClean="0"/>
               <a:t>マスター テキストの書式設定</a:t>
             </a:r>
           </a:p>
           <a:p>
             <a:pPr lvl="1"/>
             <a:r>
-              <a:rPr kumimoji="1" lang="ja-JP" altLang="en-US" smtClean="0"/>
+              <a:rPr lang="ja-JP" altLang="en-US" smtClean="0"/>
               <a:t>第 </a:t>
             </a:r>
             <a:r>
-              <a:rPr kumimoji="1" lang="en-US" altLang="ja-JP" smtClean="0"/>
+              <a:rPr lang="en-US" altLang="ja-JP" smtClean="0"/>
               <a:t>2 </a:t>
             </a:r>
             <a:r>
-              <a:rPr kumimoji="1" lang="ja-JP" altLang="en-US" smtClean="0"/>
+              <a:rPr lang="ja-JP" altLang="en-US" smtClean="0"/>
               <a:t>レベル</a:t>
             </a:r>
           </a:p>
           <a:p>
             <a:pPr lvl="2"/>
             <a:r>
-              <a:rPr kumimoji="1" lang="ja-JP" altLang="en-US" smtClean="0"/>
+              <a:rPr lang="ja-JP" altLang="en-US" smtClean="0"/>
               <a:t>第 </a:t>
             </a:r>
             <a:r>
-              <a:rPr kumimoji="1" lang="en-US" altLang="ja-JP" smtClean="0"/>
+              <a:rPr lang="en-US" altLang="ja-JP" smtClean="0"/>
               <a:t>3 </a:t>
             </a:r>
             <a:r>
-              <a:rPr kumimoji="1" lang="ja-JP" altLang="en-US" smtClean="0"/>
+              <a:rPr lang="ja-JP" altLang="en-US" smtClean="0"/>
               <a:t>レベル</a:t>
             </a:r>
           </a:p>
           <a:p>
             <a:pPr lvl="3"/>
             <a:r>
-              <a:rPr kumimoji="1" lang="ja-JP" altLang="en-US" smtClean="0"/>
+              <a:rPr lang="ja-JP" altLang="en-US" smtClean="0"/>
               <a:t>第 </a:t>
             </a:r>
             <a:r>
-              <a:rPr kumimoji="1" lang="en-US" altLang="ja-JP" smtClean="0"/>
+              <a:rPr lang="en-US" altLang="ja-JP" smtClean="0"/>
               <a:t>4 </a:t>
             </a:r>
             <a:r>
-              <a:rPr kumimoji="1" lang="ja-JP" altLang="en-US" smtClean="0"/>
+              <a:rPr lang="ja-JP" altLang="en-US" smtClean="0"/>
               <a:t>レベル</a:t>
             </a:r>
           </a:p>
           <a:p>
             <a:pPr lvl="4"/>
             <a:r>
-              <a:rPr kumimoji="1" lang="ja-JP" altLang="en-US" smtClean="0"/>
+              <a:rPr lang="ja-JP" altLang="en-US" smtClean="0"/>
               <a:t>第 </a:t>
             </a:r>
             <a:r>
-              <a:rPr kumimoji="1" lang="en-US" altLang="ja-JP" smtClean="0"/>
+              <a:rPr lang="en-US" altLang="ja-JP" smtClean="0"/>
               <a:t>5 </a:t>
             </a:r>
             <a:r>
-              <a:rPr kumimoji="1" lang="ja-JP" altLang="en-US" smtClean="0"/>
+              <a:rPr lang="ja-JP" altLang="en-US" smtClean="0"/>
               <a:t>レベル</a:t>
             </a:r>
-            <a:endParaRPr kumimoji="1" lang="ja-JP" altLang="en-US"/>
-          </a:p>
-        </p:txBody>
-      </p:sp>
-      <p:sp>
-        <p:nvSpPr>
-          <p:cNvPr id="4" name="日付プレースホルダー 3"/>
+            <a:endParaRPr lang="en-US" dirty="0"/>
+          </a:p>
+        </p:txBody>
+      </p:sp>
+      <p:sp>
+        <p:nvSpPr>
+          <p:cNvPr id="4" name="Date Placeholder 3"/>
           <p:cNvSpPr>
             <a:spLocks noGrp="1"/>
           </p:cNvSpPr>
@@ -830,7 +830,7 @@
           <a:p>
             <a:fld id="{AA641DB4-C951-4763-94FC-F650C3AA7E65}" type="datetimeFigureOut">
               <a:rPr kumimoji="1" lang="ja-JP" altLang="en-US" smtClean="0"/>
-              <a:t>2017/1/24</a:t>
+              <a:t>2017/11/16</a:t>
             </a:fld>
             <a:endParaRPr kumimoji="1" lang="ja-JP" altLang="en-US"/>
           </a:p>
@@ -838,7 +838,7 @@
       </p:sp>
       <p:sp>
         <p:nvSpPr>
-          <p:cNvPr id="5" name="フッター プレースホルダー 4"/>
+          <p:cNvPr id="5" name="Footer Placeholder 4"/>
           <p:cNvSpPr>
             <a:spLocks noGrp="1"/>
           </p:cNvSpPr>
@@ -857,7 +857,7 @@
       </p:sp>
       <p:sp>
         <p:nvSpPr>
-          <p:cNvPr id="6" name="スライド番号プレースホルダー 5"/>
+          <p:cNvPr id="6" name="Slide Number Placeholder 5"/>
           <p:cNvSpPr>
             <a:spLocks noGrp="1"/>
           </p:cNvSpPr>
@@ -881,7 +881,7 @@
     </p:spTree>
     <p:extLst>
       <p:ext uri="{BB962C8B-B14F-4D97-AF65-F5344CB8AC3E}">
-        <p14:creationId xmlns:p14="http://schemas.microsoft.com/office/powerpoint/2010/main" val="2010152497"/>
+        <p14:creationId xmlns:p14="http://schemas.microsoft.com/office/powerpoint/2010/main" val="3727411633"/>
       </p:ext>
     </p:extLst>
   </p:cSld>
@@ -910,7 +910,7 @@
       </p:grpSpPr>
       <p:sp>
         <p:nvSpPr>
-          <p:cNvPr id="2" name="縦書きタイトル 1"/>
+          <p:cNvPr id="2" name="Vertical Title 1"/>
           <p:cNvSpPr>
             <a:spLocks noGrp="1"/>
           </p:cNvSpPr>
@@ -920,8 +920,8 @@
         </p:nvSpPr>
         <p:spPr>
           <a:xfrm>
-            <a:off x="8724900" y="365126"/>
-            <a:ext cx="2628900" cy="5811838"/>
+            <a:off x="8724900" y="287536"/>
+            <a:ext cx="2628900" cy="4576822"/>
           </a:xfrm>
         </p:spPr>
         <p:txBody>
@@ -929,16 +929,16 @@
           <a:lstStyle/>
           <a:p>
             <a:r>
-              <a:rPr kumimoji="1" lang="ja-JP" altLang="en-US" smtClean="0"/>
+              <a:rPr lang="ja-JP" altLang="en-US" smtClean="0"/>
               <a:t>マスター タイトルの書式設定</a:t>
             </a:r>
-            <a:endParaRPr kumimoji="1" lang="ja-JP" altLang="en-US"/>
-          </a:p>
-        </p:txBody>
-      </p:sp>
-      <p:sp>
-        <p:nvSpPr>
-          <p:cNvPr id="3" name="縦書きテキスト プレースホルダー 2"/>
+            <a:endParaRPr lang="en-US" dirty="0"/>
+          </a:p>
+        </p:txBody>
+      </p:sp>
+      <p:sp>
+        <p:nvSpPr>
+          <p:cNvPr id="3" name="Vertical Text Placeholder 2"/>
           <p:cNvSpPr>
             <a:spLocks noGrp="1"/>
           </p:cNvSpPr>
@@ -948,8 +948,8 @@
         </p:nvSpPr>
         <p:spPr>
           <a:xfrm>
-            <a:off x="838200" y="365126"/>
-            <a:ext cx="7734300" cy="5811838"/>
+            <a:off x="838200" y="287536"/>
+            <a:ext cx="7734300" cy="4576822"/>
           </a:xfrm>
         </p:spPr>
         <p:txBody>
@@ -958,76 +958,76 @@
           <a:p>
             <a:pPr lvl="0"/>
             <a:r>
-              <a:rPr kumimoji="1" lang="ja-JP" altLang="en-US" smtClean="0"/>
+              <a:rPr lang="ja-JP" altLang="en-US" smtClean="0"/>
               <a:t>マスター テキストの書式設定</a:t>
             </a:r>
           </a:p>
           <a:p>
             <a:pPr lvl="1"/>
             <a:r>
-              <a:rPr kumimoji="1" lang="ja-JP" altLang="en-US" smtClean="0"/>
+              <a:rPr lang="ja-JP" altLang="en-US" smtClean="0"/>
               <a:t>第 </a:t>
             </a:r>
             <a:r>
-              <a:rPr kumimoji="1" lang="en-US" altLang="ja-JP" smtClean="0"/>
+              <a:rPr lang="en-US" altLang="ja-JP" smtClean="0"/>
               <a:t>2 </a:t>
             </a:r>
             <a:r>
-              <a:rPr kumimoji="1" lang="ja-JP" altLang="en-US" smtClean="0"/>
+              <a:rPr lang="ja-JP" altLang="en-US" smtClean="0"/>
               <a:t>レベル</a:t>
             </a:r>
           </a:p>
           <a:p>
             <a:pPr lvl="2"/>
             <a:r>
-              <a:rPr kumimoji="1" lang="ja-JP" altLang="en-US" smtClean="0"/>
+              <a:rPr lang="ja-JP" altLang="en-US" smtClean="0"/>
               <a:t>第 </a:t>
             </a:r>
             <a:r>
-              <a:rPr kumimoji="1" lang="en-US" altLang="ja-JP" smtClean="0"/>
+              <a:rPr lang="en-US" altLang="ja-JP" smtClean="0"/>
               <a:t>3 </a:t>
             </a:r>
             <a:r>
-              <a:rPr kumimoji="1" lang="ja-JP" altLang="en-US" smtClean="0"/>
+              <a:rPr lang="ja-JP" altLang="en-US" smtClean="0"/>
               <a:t>レベル</a:t>
             </a:r>
           </a:p>
           <a:p>
             <a:pPr lvl="3"/>
             <a:r>
-              <a:rPr kumimoji="1" lang="ja-JP" altLang="en-US" smtClean="0"/>
+              <a:rPr lang="ja-JP" altLang="en-US" smtClean="0"/>
               <a:t>第 </a:t>
             </a:r>
             <a:r>
-              <a:rPr kumimoji="1" lang="en-US" altLang="ja-JP" smtClean="0"/>
+              <a:rPr lang="en-US" altLang="ja-JP" smtClean="0"/>
               <a:t>4 </a:t>
             </a:r>
             <a:r>
-              <a:rPr kumimoji="1" lang="ja-JP" altLang="en-US" smtClean="0"/>
+              <a:rPr lang="ja-JP" altLang="en-US" smtClean="0"/>
               <a:t>レベル</a:t>
             </a:r>
           </a:p>
           <a:p>
             <a:pPr lvl="4"/>
             <a:r>
-              <a:rPr kumimoji="1" lang="ja-JP" altLang="en-US" smtClean="0"/>
+              <a:rPr lang="ja-JP" altLang="en-US" smtClean="0"/>
               <a:t>第 </a:t>
             </a:r>
             <a:r>
-              <a:rPr kumimoji="1" lang="en-US" altLang="ja-JP" smtClean="0"/>
+              <a:rPr lang="en-US" altLang="ja-JP" smtClean="0"/>
               <a:t>5 </a:t>
             </a:r>
             <a:r>
-              <a:rPr kumimoji="1" lang="ja-JP" altLang="en-US" smtClean="0"/>
+              <a:rPr lang="ja-JP" altLang="en-US" smtClean="0"/>
               <a:t>レベル</a:t>
             </a:r>
-            <a:endParaRPr kumimoji="1" lang="ja-JP" altLang="en-US"/>
-          </a:p>
-        </p:txBody>
-      </p:sp>
-      <p:sp>
-        <p:nvSpPr>
-          <p:cNvPr id="4" name="日付プレースホルダー 3"/>
+            <a:endParaRPr lang="en-US" dirty="0"/>
+          </a:p>
+        </p:txBody>
+      </p:sp>
+      <p:sp>
+        <p:nvSpPr>
+          <p:cNvPr id="4" name="Date Placeholder 3"/>
           <p:cNvSpPr>
             <a:spLocks noGrp="1"/>
           </p:cNvSpPr>
@@ -1042,7 +1042,7 @@
           <a:p>
             <a:fld id="{AA641DB4-C951-4763-94FC-F650C3AA7E65}" type="datetimeFigureOut">
               <a:rPr kumimoji="1" lang="ja-JP" altLang="en-US" smtClean="0"/>
-              <a:t>2017/1/24</a:t>
+              <a:t>2017/11/16</a:t>
             </a:fld>
             <a:endParaRPr kumimoji="1" lang="ja-JP" altLang="en-US"/>
           </a:p>
@@ -1050,7 +1050,7 @@
       </p:sp>
       <p:sp>
         <p:nvSpPr>
-          <p:cNvPr id="5" name="フッター プレースホルダー 4"/>
+          <p:cNvPr id="5" name="Footer Placeholder 4"/>
           <p:cNvSpPr>
             <a:spLocks noGrp="1"/>
           </p:cNvSpPr>
@@ -1069,7 +1069,7 @@
       </p:sp>
       <p:sp>
         <p:nvSpPr>
-          <p:cNvPr id="6" name="スライド番号プレースホルダー 5"/>
+          <p:cNvPr id="6" name="Slide Number Placeholder 5"/>
           <p:cNvSpPr>
             <a:spLocks noGrp="1"/>
           </p:cNvSpPr>
@@ -1093,7 +1093,7 @@
     </p:spTree>
     <p:extLst>
       <p:ext uri="{BB962C8B-B14F-4D97-AF65-F5344CB8AC3E}">
-        <p14:creationId xmlns:p14="http://schemas.microsoft.com/office/powerpoint/2010/main" val="1552220192"/>
+        <p14:creationId xmlns:p14="http://schemas.microsoft.com/office/powerpoint/2010/main" val="2992827629"/>
       </p:ext>
     </p:extLst>
   </p:cSld>
@@ -1122,7 +1122,7 @@
       </p:grpSpPr>
       <p:sp>
         <p:nvSpPr>
-          <p:cNvPr id="2" name="タイトル 1"/>
+          <p:cNvPr id="2" name="Title 1"/>
           <p:cNvSpPr>
             <a:spLocks noGrp="1"/>
           </p:cNvSpPr>
@@ -1136,16 +1136,16 @@
           <a:lstStyle/>
           <a:p>
             <a:r>
-              <a:rPr kumimoji="1" lang="ja-JP" altLang="en-US" smtClean="0"/>
+              <a:rPr lang="ja-JP" altLang="en-US" smtClean="0"/>
               <a:t>マスター タイトルの書式設定</a:t>
             </a:r>
-            <a:endParaRPr kumimoji="1" lang="ja-JP" altLang="en-US"/>
-          </a:p>
-        </p:txBody>
-      </p:sp>
-      <p:sp>
-        <p:nvSpPr>
-          <p:cNvPr id="3" name="コンテンツ プレースホルダー 2"/>
+            <a:endParaRPr lang="en-US" dirty="0"/>
+          </a:p>
+        </p:txBody>
+      </p:sp>
+      <p:sp>
+        <p:nvSpPr>
+          <p:cNvPr id="3" name="Content Placeholder 2"/>
           <p:cNvSpPr>
             <a:spLocks noGrp="1"/>
           </p:cNvSpPr>
@@ -1160,76 +1160,76 @@
           <a:p>
             <a:pPr lvl="0"/>
             <a:r>
-              <a:rPr kumimoji="1" lang="ja-JP" altLang="en-US" smtClean="0"/>
+              <a:rPr lang="ja-JP" altLang="en-US" smtClean="0"/>
               <a:t>マスター テキストの書式設定</a:t>
             </a:r>
           </a:p>
           <a:p>
             <a:pPr lvl="1"/>
             <a:r>
-              <a:rPr kumimoji="1" lang="ja-JP" altLang="en-US" smtClean="0"/>
+              <a:rPr lang="ja-JP" altLang="en-US" smtClean="0"/>
               <a:t>第 </a:t>
             </a:r>
             <a:r>
-              <a:rPr kumimoji="1" lang="en-US" altLang="ja-JP" smtClean="0"/>
+              <a:rPr lang="en-US" altLang="ja-JP" smtClean="0"/>
               <a:t>2 </a:t>
             </a:r>
             <a:r>
-              <a:rPr kumimoji="1" lang="ja-JP" altLang="en-US" smtClean="0"/>
+              <a:rPr lang="ja-JP" altLang="en-US" smtClean="0"/>
               <a:t>レベル</a:t>
             </a:r>
           </a:p>
           <a:p>
             <a:pPr lvl="2"/>
             <a:r>
-              <a:rPr kumimoji="1" lang="ja-JP" altLang="en-US" smtClean="0"/>
+              <a:rPr lang="ja-JP" altLang="en-US" smtClean="0"/>
               <a:t>第 </a:t>
             </a:r>
             <a:r>
-              <a:rPr kumimoji="1" lang="en-US" altLang="ja-JP" smtClean="0"/>
+              <a:rPr lang="en-US" altLang="ja-JP" smtClean="0"/>
               <a:t>3 </a:t>
             </a:r>
             <a:r>
-              <a:rPr kumimoji="1" lang="ja-JP" altLang="en-US" smtClean="0"/>
+              <a:rPr lang="ja-JP" altLang="en-US" smtClean="0"/>
               <a:t>レベル</a:t>
             </a:r>
           </a:p>
           <a:p>
             <a:pPr lvl="3"/>
             <a:r>
-              <a:rPr kumimoji="1" lang="ja-JP" altLang="en-US" smtClean="0"/>
+              <a:rPr lang="ja-JP" altLang="en-US" smtClean="0"/>
               <a:t>第 </a:t>
             </a:r>
             <a:r>
-              <a:rPr kumimoji="1" lang="en-US" altLang="ja-JP" smtClean="0"/>
+              <a:rPr lang="en-US" altLang="ja-JP" smtClean="0"/>
               <a:t>4 </a:t>
             </a:r>
             <a:r>
-              <a:rPr kumimoji="1" lang="ja-JP" altLang="en-US" smtClean="0"/>
+              <a:rPr lang="ja-JP" altLang="en-US" smtClean="0"/>
               <a:t>レベル</a:t>
             </a:r>
           </a:p>
           <a:p>
             <a:pPr lvl="4"/>
             <a:r>
-              <a:rPr kumimoji="1" lang="ja-JP" altLang="en-US" smtClean="0"/>
+              <a:rPr lang="ja-JP" altLang="en-US" smtClean="0"/>
               <a:t>第 </a:t>
             </a:r>
             <a:r>
-              <a:rPr kumimoji="1" lang="en-US" altLang="ja-JP" smtClean="0"/>
+              <a:rPr lang="en-US" altLang="ja-JP" smtClean="0"/>
               <a:t>5 </a:t>
             </a:r>
             <a:r>
-              <a:rPr kumimoji="1" lang="ja-JP" altLang="en-US" smtClean="0"/>
+              <a:rPr lang="ja-JP" altLang="en-US" smtClean="0"/>
               <a:t>レベル</a:t>
             </a:r>
-            <a:endParaRPr kumimoji="1" lang="ja-JP" altLang="en-US"/>
-          </a:p>
-        </p:txBody>
-      </p:sp>
-      <p:sp>
-        <p:nvSpPr>
-          <p:cNvPr id="4" name="日付プレースホルダー 3"/>
+            <a:endParaRPr lang="en-US" dirty="0"/>
+          </a:p>
+        </p:txBody>
+      </p:sp>
+      <p:sp>
+        <p:nvSpPr>
+          <p:cNvPr id="4" name="Date Placeholder 3"/>
           <p:cNvSpPr>
             <a:spLocks noGrp="1"/>
           </p:cNvSpPr>
@@ -1244,7 +1244,7 @@
           <a:p>
             <a:fld id="{AA641DB4-C951-4763-94FC-F650C3AA7E65}" type="datetimeFigureOut">
               <a:rPr kumimoji="1" lang="ja-JP" altLang="en-US" smtClean="0"/>
-              <a:t>2017/1/24</a:t>
+              <a:t>2017/11/16</a:t>
             </a:fld>
             <a:endParaRPr kumimoji="1" lang="ja-JP" altLang="en-US"/>
           </a:p>
@@ -1252,7 +1252,7 @@
       </p:sp>
       <p:sp>
         <p:nvSpPr>
-          <p:cNvPr id="5" name="フッター プレースホルダー 4"/>
+          <p:cNvPr id="5" name="Footer Placeholder 4"/>
           <p:cNvSpPr>
             <a:spLocks noGrp="1"/>
           </p:cNvSpPr>
@@ -1271,7 +1271,7 @@
       </p:sp>
       <p:sp>
         <p:nvSpPr>
-          <p:cNvPr id="6" name="スライド番号プレースホルダー 5"/>
+          <p:cNvPr id="6" name="Slide Number Placeholder 5"/>
           <p:cNvSpPr>
             <a:spLocks noGrp="1"/>
           </p:cNvSpPr>
@@ -1295,7 +1295,7 @@
     </p:spTree>
     <p:extLst>
       <p:ext uri="{BB962C8B-B14F-4D97-AF65-F5344CB8AC3E}">
-        <p14:creationId xmlns:p14="http://schemas.microsoft.com/office/powerpoint/2010/main" val="2655268122"/>
+        <p14:creationId xmlns:p14="http://schemas.microsoft.com/office/powerpoint/2010/main" val="3264091235"/>
       </p:ext>
     </p:extLst>
   </p:cSld>
@@ -1324,7 +1324,7 @@
       </p:grpSpPr>
       <p:sp>
         <p:nvSpPr>
-          <p:cNvPr id="2" name="タイトル 1"/>
+          <p:cNvPr id="2" name="Title 1"/>
           <p:cNvSpPr>
             <a:spLocks noGrp="1"/>
           </p:cNvSpPr>
@@ -1334,29 +1334,29 @@
         </p:nvSpPr>
         <p:spPr>
           <a:xfrm>
-            <a:off x="831850" y="1709739"/>
-            <a:ext cx="10515600" cy="2852737"/>
+            <a:off x="831850" y="1346419"/>
+            <a:ext cx="10515600" cy="2246530"/>
           </a:xfrm>
         </p:spPr>
         <p:txBody>
           <a:bodyPr anchor="b"/>
           <a:lstStyle>
             <a:lvl1pPr>
-              <a:defRPr sz="6000"/>
+              <a:defRPr sz="4725"/>
             </a:lvl1pPr>
           </a:lstStyle>
           <a:p>
             <a:r>
-              <a:rPr kumimoji="1" lang="ja-JP" altLang="en-US" smtClean="0"/>
+              <a:rPr lang="ja-JP" altLang="en-US" smtClean="0"/>
               <a:t>マスター タイトルの書式設定</a:t>
             </a:r>
-            <a:endParaRPr kumimoji="1" lang="ja-JP" altLang="en-US"/>
-          </a:p>
-        </p:txBody>
-      </p:sp>
-      <p:sp>
-        <p:nvSpPr>
-          <p:cNvPr id="3" name="テキスト プレースホルダー 2"/>
+            <a:endParaRPr lang="en-US" dirty="0"/>
+          </a:p>
+        </p:txBody>
+      </p:sp>
+      <p:sp>
+        <p:nvSpPr>
+          <p:cNvPr id="3" name="Text Placeholder 2"/>
           <p:cNvSpPr>
             <a:spLocks noGrp="1"/>
           </p:cNvSpPr>
@@ -1366,8 +1366,8 @@
         </p:nvSpPr>
         <p:spPr>
           <a:xfrm>
-            <a:off x="831850" y="4589464"/>
-            <a:ext cx="10515600" cy="1500187"/>
+            <a:off x="831850" y="3614203"/>
+            <a:ext cx="10515600" cy="1181397"/>
           </a:xfrm>
         </p:spPr>
         <p:txBody>
@@ -1375,7 +1375,7 @@
           <a:lstStyle>
             <a:lvl1pPr marL="0" indent="0">
               <a:buNone/>
-              <a:defRPr sz="2400">
+              <a:defRPr sz="1890">
                 <a:solidFill>
                   <a:schemeClr val="tx1">
                     <a:tint val="75000"/>
@@ -1383,9 +1383,9 @@
                 </a:solidFill>
               </a:defRPr>
             </a:lvl1pPr>
-            <a:lvl2pPr marL="457195" indent="0">
-              <a:buNone/>
-              <a:defRPr sz="2000">
+            <a:lvl2pPr marL="360045" indent="0">
+              <a:buNone/>
+              <a:defRPr sz="1575">
                 <a:solidFill>
                   <a:schemeClr val="tx1">
                     <a:tint val="75000"/>
@@ -1393,9 +1393,9 @@
                 </a:solidFill>
               </a:defRPr>
             </a:lvl2pPr>
-            <a:lvl3pPr marL="914392" indent="0">
-              <a:buNone/>
-              <a:defRPr sz="1800">
+            <a:lvl3pPr marL="720090" indent="0">
+              <a:buNone/>
+              <a:defRPr sz="1418">
                 <a:solidFill>
                   <a:schemeClr val="tx1">
                     <a:tint val="75000"/>
@@ -1403,9 +1403,9 @@
                 </a:solidFill>
               </a:defRPr>
             </a:lvl3pPr>
-            <a:lvl4pPr marL="1371588" indent="0">
-              <a:buNone/>
-              <a:defRPr sz="1600">
+            <a:lvl4pPr marL="1080135" indent="0">
+              <a:buNone/>
+              <a:defRPr sz="1260">
                 <a:solidFill>
                   <a:schemeClr val="tx1">
                     <a:tint val="75000"/>
@@ -1413,9 +1413,9 @@
                 </a:solidFill>
               </a:defRPr>
             </a:lvl4pPr>
-            <a:lvl5pPr marL="1828783" indent="0">
-              <a:buNone/>
-              <a:defRPr sz="1600">
+            <a:lvl5pPr marL="1440180" indent="0">
+              <a:buNone/>
+              <a:defRPr sz="1260">
                 <a:solidFill>
                   <a:schemeClr val="tx1">
                     <a:tint val="75000"/>
@@ -1423,9 +1423,9 @@
                 </a:solidFill>
               </a:defRPr>
             </a:lvl5pPr>
-            <a:lvl6pPr marL="2285980" indent="0">
-              <a:buNone/>
-              <a:defRPr sz="1600">
+            <a:lvl6pPr marL="1800225" indent="0">
+              <a:buNone/>
+              <a:defRPr sz="1260">
                 <a:solidFill>
                   <a:schemeClr val="tx1">
                     <a:tint val="75000"/>
@@ -1433,9 +1433,9 @@
                 </a:solidFill>
               </a:defRPr>
             </a:lvl6pPr>
-            <a:lvl7pPr marL="2743175" indent="0">
-              <a:buNone/>
-              <a:defRPr sz="1600">
+            <a:lvl7pPr marL="2160270" indent="0">
+              <a:buNone/>
+              <a:defRPr sz="1260">
                 <a:solidFill>
                   <a:schemeClr val="tx1">
                     <a:tint val="75000"/>
@@ -1443,9 +1443,9 @@
                 </a:solidFill>
               </a:defRPr>
             </a:lvl7pPr>
-            <a:lvl8pPr marL="3200372" indent="0">
-              <a:buNone/>
-              <a:defRPr sz="1600">
+            <a:lvl8pPr marL="2520315" indent="0">
+              <a:buNone/>
+              <a:defRPr sz="1260">
                 <a:solidFill>
                   <a:schemeClr val="tx1">
                     <a:tint val="75000"/>
@@ -1453,9 +1453,9 @@
                 </a:solidFill>
               </a:defRPr>
             </a:lvl8pPr>
-            <a:lvl9pPr marL="3657567" indent="0">
-              <a:buNone/>
-              <a:defRPr sz="1600">
+            <a:lvl9pPr marL="2880360" indent="0">
+              <a:buNone/>
+              <a:defRPr sz="1260">
                 <a:solidFill>
                   <a:schemeClr val="tx1">
                     <a:tint val="75000"/>
@@ -1467,7 +1467,7 @@
           <a:p>
             <a:pPr lvl="0"/>
             <a:r>
-              <a:rPr kumimoji="1" lang="ja-JP" altLang="en-US" smtClean="0"/>
+              <a:rPr lang="ja-JP" altLang="en-US" smtClean="0"/>
               <a:t>マスター テキストの書式設定</a:t>
             </a:r>
           </a:p>
@@ -1475,7 +1475,7 @@
       </p:sp>
       <p:sp>
         <p:nvSpPr>
-          <p:cNvPr id="4" name="日付プレースホルダー 3"/>
+          <p:cNvPr id="4" name="Date Placeholder 3"/>
           <p:cNvSpPr>
             <a:spLocks noGrp="1"/>
           </p:cNvSpPr>
@@ -1490,7 +1490,7 @@
           <a:p>
             <a:fld id="{AA641DB4-C951-4763-94FC-F650C3AA7E65}" type="datetimeFigureOut">
               <a:rPr kumimoji="1" lang="ja-JP" altLang="en-US" smtClean="0"/>
-              <a:t>2017/1/24</a:t>
+              <a:t>2017/11/16</a:t>
             </a:fld>
             <a:endParaRPr kumimoji="1" lang="ja-JP" altLang="en-US"/>
           </a:p>
@@ -1498,7 +1498,7 @@
       </p:sp>
       <p:sp>
         <p:nvSpPr>
-          <p:cNvPr id="5" name="フッター プレースホルダー 4"/>
+          <p:cNvPr id="5" name="Footer Placeholder 4"/>
           <p:cNvSpPr>
             <a:spLocks noGrp="1"/>
           </p:cNvSpPr>
@@ -1517,7 +1517,7 @@
       </p:sp>
       <p:sp>
         <p:nvSpPr>
-          <p:cNvPr id="6" name="スライド番号プレースホルダー 5"/>
+          <p:cNvPr id="6" name="Slide Number Placeholder 5"/>
           <p:cNvSpPr>
             <a:spLocks noGrp="1"/>
           </p:cNvSpPr>
@@ -1541,7 +1541,7 @@
     </p:spTree>
     <p:extLst>
       <p:ext uri="{BB962C8B-B14F-4D97-AF65-F5344CB8AC3E}">
-        <p14:creationId xmlns:p14="http://schemas.microsoft.com/office/powerpoint/2010/main" val="395054707"/>
+        <p14:creationId xmlns:p14="http://schemas.microsoft.com/office/powerpoint/2010/main" val="2416118959"/>
       </p:ext>
     </p:extLst>
   </p:cSld>
@@ -1570,7 +1570,7 @@
       </p:grpSpPr>
       <p:sp>
         <p:nvSpPr>
-          <p:cNvPr id="2" name="タイトル 1"/>
+          <p:cNvPr id="2" name="Title 1"/>
           <p:cNvSpPr>
             <a:spLocks noGrp="1"/>
           </p:cNvSpPr>
@@ -1584,16 +1584,16 @@
           <a:lstStyle/>
           <a:p>
             <a:r>
-              <a:rPr kumimoji="1" lang="ja-JP" altLang="en-US" smtClean="0"/>
+              <a:rPr lang="ja-JP" altLang="en-US" smtClean="0"/>
               <a:t>マスター タイトルの書式設定</a:t>
             </a:r>
-            <a:endParaRPr kumimoji="1" lang="ja-JP" altLang="en-US"/>
-          </a:p>
-        </p:txBody>
-      </p:sp>
-      <p:sp>
-        <p:nvSpPr>
-          <p:cNvPr id="3" name="コンテンツ プレースホルダー 2"/>
+            <a:endParaRPr lang="en-US" dirty="0"/>
+          </a:p>
+        </p:txBody>
+      </p:sp>
+      <p:sp>
+        <p:nvSpPr>
+          <p:cNvPr id="3" name="Content Placeholder 2"/>
           <p:cNvSpPr>
             <a:spLocks noGrp="1"/>
           </p:cNvSpPr>
@@ -1603,8 +1603,8 @@
         </p:nvSpPr>
         <p:spPr>
           <a:xfrm>
-            <a:off x="838200" y="1825625"/>
-            <a:ext cx="5181600" cy="4351338"/>
+            <a:off x="838200" y="1437680"/>
+            <a:ext cx="5181600" cy="3426679"/>
           </a:xfrm>
         </p:spPr>
         <p:txBody>
@@ -1613,76 +1613,76 @@
           <a:p>
             <a:pPr lvl="0"/>
             <a:r>
-              <a:rPr kumimoji="1" lang="ja-JP" altLang="en-US" smtClean="0"/>
+              <a:rPr lang="ja-JP" altLang="en-US" smtClean="0"/>
               <a:t>マスター テキストの書式設定</a:t>
             </a:r>
           </a:p>
           <a:p>
             <a:pPr lvl="1"/>
             <a:r>
-              <a:rPr kumimoji="1" lang="ja-JP" altLang="en-US" smtClean="0"/>
+              <a:rPr lang="ja-JP" altLang="en-US" smtClean="0"/>
               <a:t>第 </a:t>
             </a:r>
             <a:r>
-              <a:rPr kumimoji="1" lang="en-US" altLang="ja-JP" smtClean="0"/>
+              <a:rPr lang="en-US" altLang="ja-JP" smtClean="0"/>
               <a:t>2 </a:t>
             </a:r>
             <a:r>
-              <a:rPr kumimoji="1" lang="ja-JP" altLang="en-US" smtClean="0"/>
+              <a:rPr lang="ja-JP" altLang="en-US" smtClean="0"/>
               <a:t>レベル</a:t>
             </a:r>
           </a:p>
           <a:p>
             <a:pPr lvl="2"/>
             <a:r>
-              <a:rPr kumimoji="1" lang="ja-JP" altLang="en-US" smtClean="0"/>
+              <a:rPr lang="ja-JP" altLang="en-US" smtClean="0"/>
               <a:t>第 </a:t>
             </a:r>
             <a:r>
-              <a:rPr kumimoji="1" lang="en-US" altLang="ja-JP" smtClean="0"/>
+              <a:rPr lang="en-US" altLang="ja-JP" smtClean="0"/>
               <a:t>3 </a:t>
             </a:r>
             <a:r>
-              <a:rPr kumimoji="1" lang="ja-JP" altLang="en-US" smtClean="0"/>
+              <a:rPr lang="ja-JP" altLang="en-US" smtClean="0"/>
               <a:t>レベル</a:t>
             </a:r>
           </a:p>
           <a:p>
             <a:pPr lvl="3"/>
             <a:r>
-              <a:rPr kumimoji="1" lang="ja-JP" altLang="en-US" smtClean="0"/>
+              <a:rPr lang="ja-JP" altLang="en-US" smtClean="0"/>
               <a:t>第 </a:t>
             </a:r>
             <a:r>
-              <a:rPr kumimoji="1" lang="en-US" altLang="ja-JP" smtClean="0"/>
+              <a:rPr lang="en-US" altLang="ja-JP" smtClean="0"/>
               <a:t>4 </a:t>
             </a:r>
             <a:r>
-              <a:rPr kumimoji="1" lang="ja-JP" altLang="en-US" smtClean="0"/>
+              <a:rPr lang="ja-JP" altLang="en-US" smtClean="0"/>
               <a:t>レベル</a:t>
             </a:r>
           </a:p>
           <a:p>
             <a:pPr lvl="4"/>
             <a:r>
-              <a:rPr kumimoji="1" lang="ja-JP" altLang="en-US" smtClean="0"/>
+              <a:rPr lang="ja-JP" altLang="en-US" smtClean="0"/>
               <a:t>第 </a:t>
             </a:r>
             <a:r>
-              <a:rPr kumimoji="1" lang="en-US" altLang="ja-JP" smtClean="0"/>
+              <a:rPr lang="en-US" altLang="ja-JP" smtClean="0"/>
               <a:t>5 </a:t>
             </a:r>
             <a:r>
-              <a:rPr kumimoji="1" lang="ja-JP" altLang="en-US" smtClean="0"/>
+              <a:rPr lang="ja-JP" altLang="en-US" smtClean="0"/>
               <a:t>レベル</a:t>
             </a:r>
-            <a:endParaRPr kumimoji="1" lang="ja-JP" altLang="en-US"/>
-          </a:p>
-        </p:txBody>
-      </p:sp>
-      <p:sp>
-        <p:nvSpPr>
-          <p:cNvPr id="4" name="コンテンツ プレースホルダー 3"/>
+            <a:endParaRPr lang="en-US" dirty="0"/>
+          </a:p>
+        </p:txBody>
+      </p:sp>
+      <p:sp>
+        <p:nvSpPr>
+          <p:cNvPr id="4" name="Content Placeholder 3"/>
           <p:cNvSpPr>
             <a:spLocks noGrp="1"/>
           </p:cNvSpPr>
@@ -1692,8 +1692,8 @@
         </p:nvSpPr>
         <p:spPr>
           <a:xfrm>
-            <a:off x="6172200" y="1825625"/>
-            <a:ext cx="5181600" cy="4351338"/>
+            <a:off x="6172200" y="1437680"/>
+            <a:ext cx="5181600" cy="3426679"/>
           </a:xfrm>
         </p:spPr>
         <p:txBody>
@@ -1702,76 +1702,76 @@
           <a:p>
             <a:pPr lvl="0"/>
             <a:r>
-              <a:rPr kumimoji="1" lang="ja-JP" altLang="en-US" smtClean="0"/>
+              <a:rPr lang="ja-JP" altLang="en-US" smtClean="0"/>
               <a:t>マスター テキストの書式設定</a:t>
             </a:r>
           </a:p>
           <a:p>
             <a:pPr lvl="1"/>
             <a:r>
-              <a:rPr kumimoji="1" lang="ja-JP" altLang="en-US" smtClean="0"/>
+              <a:rPr lang="ja-JP" altLang="en-US" smtClean="0"/>
               <a:t>第 </a:t>
             </a:r>
             <a:r>
-              <a:rPr kumimoji="1" lang="en-US" altLang="ja-JP" smtClean="0"/>
+              <a:rPr lang="en-US" altLang="ja-JP" smtClean="0"/>
               <a:t>2 </a:t>
             </a:r>
             <a:r>
-              <a:rPr kumimoji="1" lang="ja-JP" altLang="en-US" smtClean="0"/>
+              <a:rPr lang="ja-JP" altLang="en-US" smtClean="0"/>
               <a:t>レベル</a:t>
             </a:r>
           </a:p>
           <a:p>
             <a:pPr lvl="2"/>
             <a:r>
-              <a:rPr kumimoji="1" lang="ja-JP" altLang="en-US" smtClean="0"/>
+              <a:rPr lang="ja-JP" altLang="en-US" smtClean="0"/>
               <a:t>第 </a:t>
             </a:r>
             <a:r>
-              <a:rPr kumimoji="1" lang="en-US" altLang="ja-JP" smtClean="0"/>
+              <a:rPr lang="en-US" altLang="ja-JP" smtClean="0"/>
               <a:t>3 </a:t>
             </a:r>
             <a:r>
-              <a:rPr kumimoji="1" lang="ja-JP" altLang="en-US" smtClean="0"/>
+              <a:rPr lang="ja-JP" altLang="en-US" smtClean="0"/>
               <a:t>レベル</a:t>
             </a:r>
           </a:p>
           <a:p>
             <a:pPr lvl="3"/>
             <a:r>
-              <a:rPr kumimoji="1" lang="ja-JP" altLang="en-US" smtClean="0"/>
+              <a:rPr lang="ja-JP" altLang="en-US" smtClean="0"/>
               <a:t>第 </a:t>
             </a:r>
             <a:r>
-              <a:rPr kumimoji="1" lang="en-US" altLang="ja-JP" smtClean="0"/>
+              <a:rPr lang="en-US" altLang="ja-JP" smtClean="0"/>
               <a:t>4 </a:t>
             </a:r>
             <a:r>
-              <a:rPr kumimoji="1" lang="ja-JP" altLang="en-US" smtClean="0"/>
+              <a:rPr lang="ja-JP" altLang="en-US" smtClean="0"/>
               <a:t>レベル</a:t>
             </a:r>
           </a:p>
           <a:p>
             <a:pPr lvl="4"/>
             <a:r>
-              <a:rPr kumimoji="1" lang="ja-JP" altLang="en-US" smtClean="0"/>
+              <a:rPr lang="ja-JP" altLang="en-US" smtClean="0"/>
               <a:t>第 </a:t>
             </a:r>
             <a:r>
-              <a:rPr kumimoji="1" lang="en-US" altLang="ja-JP" smtClean="0"/>
+              <a:rPr lang="en-US" altLang="ja-JP" smtClean="0"/>
               <a:t>5 </a:t>
             </a:r>
             <a:r>
-              <a:rPr kumimoji="1" lang="ja-JP" altLang="en-US" smtClean="0"/>
+              <a:rPr lang="ja-JP" altLang="en-US" smtClean="0"/>
               <a:t>レベル</a:t>
             </a:r>
-            <a:endParaRPr kumimoji="1" lang="ja-JP" altLang="en-US"/>
-          </a:p>
-        </p:txBody>
-      </p:sp>
-      <p:sp>
-        <p:nvSpPr>
-          <p:cNvPr id="5" name="日付プレースホルダー 4"/>
+            <a:endParaRPr lang="en-US" dirty="0"/>
+          </a:p>
+        </p:txBody>
+      </p:sp>
+      <p:sp>
+        <p:nvSpPr>
+          <p:cNvPr id="5" name="Date Placeholder 4"/>
           <p:cNvSpPr>
             <a:spLocks noGrp="1"/>
           </p:cNvSpPr>
@@ -1786,7 +1786,7 @@
           <a:p>
             <a:fld id="{AA641DB4-C951-4763-94FC-F650C3AA7E65}" type="datetimeFigureOut">
               <a:rPr kumimoji="1" lang="ja-JP" altLang="en-US" smtClean="0"/>
-              <a:t>2017/1/24</a:t>
+              <a:t>2017/11/16</a:t>
             </a:fld>
             <a:endParaRPr kumimoji="1" lang="ja-JP" altLang="en-US"/>
           </a:p>
@@ -1794,7 +1794,7 @@
       </p:sp>
       <p:sp>
         <p:nvSpPr>
-          <p:cNvPr id="6" name="フッター プレースホルダー 5"/>
+          <p:cNvPr id="6" name="Footer Placeholder 5"/>
           <p:cNvSpPr>
             <a:spLocks noGrp="1"/>
           </p:cNvSpPr>
@@ -1813,7 +1813,7 @@
       </p:sp>
       <p:sp>
         <p:nvSpPr>
-          <p:cNvPr id="7" name="スライド番号プレースホルダー 6"/>
+          <p:cNvPr id="7" name="Slide Number Placeholder 6"/>
           <p:cNvSpPr>
             <a:spLocks noGrp="1"/>
           </p:cNvSpPr>
@@ -1837,7 +1837,7 @@
     </p:spTree>
     <p:extLst>
       <p:ext uri="{BB962C8B-B14F-4D97-AF65-F5344CB8AC3E}">
-        <p14:creationId xmlns:p14="http://schemas.microsoft.com/office/powerpoint/2010/main" val="1422103378"/>
+        <p14:creationId xmlns:p14="http://schemas.microsoft.com/office/powerpoint/2010/main" val="1959490344"/>
       </p:ext>
     </p:extLst>
   </p:cSld>
@@ -1866,7 +1866,7 @@
       </p:grpSpPr>
       <p:sp>
         <p:nvSpPr>
-          <p:cNvPr id="2" name="タイトル 1"/>
+          <p:cNvPr id="2" name="Title 1"/>
           <p:cNvSpPr>
             <a:spLocks noGrp="1"/>
           </p:cNvSpPr>
@@ -1876,8 +1876,8 @@
         </p:nvSpPr>
         <p:spPr>
           <a:xfrm>
-            <a:off x="839788" y="365126"/>
-            <a:ext cx="10515600" cy="1325563"/>
+            <a:off x="839788" y="287536"/>
+            <a:ext cx="10515600" cy="1043881"/>
           </a:xfrm>
         </p:spPr>
         <p:txBody>
@@ -1885,16 +1885,16 @@
           <a:lstStyle/>
           <a:p>
             <a:r>
-              <a:rPr kumimoji="1" lang="ja-JP" altLang="en-US" smtClean="0"/>
+              <a:rPr lang="ja-JP" altLang="en-US" smtClean="0"/>
               <a:t>マスター タイトルの書式設定</a:t>
             </a:r>
-            <a:endParaRPr kumimoji="1" lang="ja-JP" altLang="en-US"/>
-          </a:p>
-        </p:txBody>
-      </p:sp>
-      <p:sp>
-        <p:nvSpPr>
-          <p:cNvPr id="3" name="テキスト プレースホルダー 2"/>
+            <a:endParaRPr lang="en-US" dirty="0"/>
+          </a:p>
+        </p:txBody>
+      </p:sp>
+      <p:sp>
+        <p:nvSpPr>
+          <p:cNvPr id="3" name="Text Placeholder 2"/>
           <p:cNvSpPr>
             <a:spLocks noGrp="1"/>
           </p:cNvSpPr>
@@ -1904,8 +1904,8 @@
         </p:nvSpPr>
         <p:spPr>
           <a:xfrm>
-            <a:off x="839790" y="1681164"/>
-            <a:ext cx="5157787" cy="823911"/>
+            <a:off x="839789" y="1323916"/>
+            <a:ext cx="5157787" cy="648831"/>
           </a:xfrm>
         </p:spPr>
         <p:txBody>
@@ -1913,45 +1913,45 @@
           <a:lstStyle>
             <a:lvl1pPr marL="0" indent="0">
               <a:buNone/>
-              <a:defRPr sz="2400" b="1"/>
+              <a:defRPr sz="1890" b="1"/>
             </a:lvl1pPr>
-            <a:lvl2pPr marL="457195" indent="0">
-              <a:buNone/>
-              <a:defRPr sz="2000" b="1"/>
+            <a:lvl2pPr marL="360045" indent="0">
+              <a:buNone/>
+              <a:defRPr sz="1575" b="1"/>
             </a:lvl2pPr>
-            <a:lvl3pPr marL="914392" indent="0">
-              <a:buNone/>
-              <a:defRPr sz="1800" b="1"/>
+            <a:lvl3pPr marL="720090" indent="0">
+              <a:buNone/>
+              <a:defRPr sz="1418" b="1"/>
             </a:lvl3pPr>
-            <a:lvl4pPr marL="1371588" indent="0">
-              <a:buNone/>
-              <a:defRPr sz="1600" b="1"/>
+            <a:lvl4pPr marL="1080135" indent="0">
+              <a:buNone/>
+              <a:defRPr sz="1260" b="1"/>
             </a:lvl4pPr>
-            <a:lvl5pPr marL="1828783" indent="0">
-              <a:buNone/>
-              <a:defRPr sz="1600" b="1"/>
+            <a:lvl5pPr marL="1440180" indent="0">
+              <a:buNone/>
+              <a:defRPr sz="1260" b="1"/>
             </a:lvl5pPr>
-            <a:lvl6pPr marL="2285980" indent="0">
-              <a:buNone/>
-              <a:defRPr sz="1600" b="1"/>
+            <a:lvl6pPr marL="1800225" indent="0">
+              <a:buNone/>
+              <a:defRPr sz="1260" b="1"/>
             </a:lvl6pPr>
-            <a:lvl7pPr marL="2743175" indent="0">
-              <a:buNone/>
-              <a:defRPr sz="1600" b="1"/>
+            <a:lvl7pPr marL="2160270" indent="0">
+              <a:buNone/>
+              <a:defRPr sz="1260" b="1"/>
             </a:lvl7pPr>
-            <a:lvl8pPr marL="3200372" indent="0">
-              <a:buNone/>
-              <a:defRPr sz="1600" b="1"/>
+            <a:lvl8pPr marL="2520315" indent="0">
+              <a:buNone/>
+              <a:defRPr sz="1260" b="1"/>
             </a:lvl8pPr>
-            <a:lvl9pPr marL="3657567" indent="0">
-              <a:buNone/>
-              <a:defRPr sz="1600" b="1"/>
+            <a:lvl9pPr marL="2880360" indent="0">
+              <a:buNone/>
+              <a:defRPr sz="1260" b="1"/>
             </a:lvl9pPr>
           </a:lstStyle>
           <a:p>
             <a:pPr lvl="0"/>
             <a:r>
-              <a:rPr kumimoji="1" lang="ja-JP" altLang="en-US" smtClean="0"/>
+              <a:rPr lang="ja-JP" altLang="en-US" smtClean="0"/>
               <a:t>マスター テキストの書式設定</a:t>
             </a:r>
           </a:p>
@@ -1959,7 +1959,7 @@
       </p:sp>
       <p:sp>
         <p:nvSpPr>
-          <p:cNvPr id="4" name="コンテンツ プレースホルダー 3"/>
+          <p:cNvPr id="4" name="Content Placeholder 3"/>
           <p:cNvSpPr>
             <a:spLocks noGrp="1"/>
           </p:cNvSpPr>
@@ -1969,8 +1969,8 @@
         </p:nvSpPr>
         <p:spPr>
           <a:xfrm>
-            <a:off x="839790" y="2505076"/>
-            <a:ext cx="5157787" cy="3684588"/>
+            <a:off x="839789" y="1972747"/>
+            <a:ext cx="5157787" cy="2901613"/>
           </a:xfrm>
         </p:spPr>
         <p:txBody>
@@ -1979,76 +1979,76 @@
           <a:p>
             <a:pPr lvl="0"/>
             <a:r>
-              <a:rPr kumimoji="1" lang="ja-JP" altLang="en-US" smtClean="0"/>
+              <a:rPr lang="ja-JP" altLang="en-US" smtClean="0"/>
               <a:t>マスター テキストの書式設定</a:t>
             </a:r>
           </a:p>
           <a:p>
             <a:pPr lvl="1"/>
             <a:r>
-              <a:rPr kumimoji="1" lang="ja-JP" altLang="en-US" smtClean="0"/>
+              <a:rPr lang="ja-JP" altLang="en-US" smtClean="0"/>
               <a:t>第 </a:t>
             </a:r>
             <a:r>
-              <a:rPr kumimoji="1" lang="en-US" altLang="ja-JP" smtClean="0"/>
+              <a:rPr lang="en-US" altLang="ja-JP" smtClean="0"/>
               <a:t>2 </a:t>
             </a:r>
             <a:r>
-              <a:rPr kumimoji="1" lang="ja-JP" altLang="en-US" smtClean="0"/>
+              <a:rPr lang="ja-JP" altLang="en-US" smtClean="0"/>
               <a:t>レベル</a:t>
             </a:r>
           </a:p>
           <a:p>
             <a:pPr lvl="2"/>
             <a:r>
-              <a:rPr kumimoji="1" lang="ja-JP" altLang="en-US" smtClean="0"/>
+              <a:rPr lang="ja-JP" altLang="en-US" smtClean="0"/>
               <a:t>第 </a:t>
             </a:r>
             <a:r>
-              <a:rPr kumimoji="1" lang="en-US" altLang="ja-JP" smtClean="0"/>
+              <a:rPr lang="en-US" altLang="ja-JP" smtClean="0"/>
               <a:t>3 </a:t>
             </a:r>
             <a:r>
-              <a:rPr kumimoji="1" lang="ja-JP" altLang="en-US" smtClean="0"/>
+              <a:rPr lang="ja-JP" altLang="en-US" smtClean="0"/>
               <a:t>レベル</a:t>
             </a:r>
           </a:p>
           <a:p>
             <a:pPr lvl="3"/>
             <a:r>
-              <a:rPr kumimoji="1" lang="ja-JP" altLang="en-US" smtClean="0"/>
+              <a:rPr lang="ja-JP" altLang="en-US" smtClean="0"/>
               <a:t>第 </a:t>
             </a:r>
             <a:r>
-              <a:rPr kumimoji="1" lang="en-US" altLang="ja-JP" smtClean="0"/>
+              <a:rPr lang="en-US" altLang="ja-JP" smtClean="0"/>
               <a:t>4 </a:t>
             </a:r>
             <a:r>
-              <a:rPr kumimoji="1" lang="ja-JP" altLang="en-US" smtClean="0"/>
+              <a:rPr lang="ja-JP" altLang="en-US" smtClean="0"/>
               <a:t>レベル</a:t>
             </a:r>
           </a:p>
           <a:p>
             <a:pPr lvl="4"/>
             <a:r>
-              <a:rPr kumimoji="1" lang="ja-JP" altLang="en-US" smtClean="0"/>
+              <a:rPr lang="ja-JP" altLang="en-US" smtClean="0"/>
               <a:t>第 </a:t>
             </a:r>
             <a:r>
-              <a:rPr kumimoji="1" lang="en-US" altLang="ja-JP" smtClean="0"/>
+              <a:rPr lang="en-US" altLang="ja-JP" smtClean="0"/>
               <a:t>5 </a:t>
             </a:r>
             <a:r>
-              <a:rPr kumimoji="1" lang="ja-JP" altLang="en-US" smtClean="0"/>
+              <a:rPr lang="ja-JP" altLang="en-US" smtClean="0"/>
               <a:t>レベル</a:t>
             </a:r>
-            <a:endParaRPr kumimoji="1" lang="ja-JP" altLang="en-US"/>
-          </a:p>
-        </p:txBody>
-      </p:sp>
-      <p:sp>
-        <p:nvSpPr>
-          <p:cNvPr id="5" name="テキスト プレースホルダー 4"/>
+            <a:endParaRPr lang="en-US" dirty="0"/>
+          </a:p>
+        </p:txBody>
+      </p:sp>
+      <p:sp>
+        <p:nvSpPr>
+          <p:cNvPr id="5" name="Text Placeholder 4"/>
           <p:cNvSpPr>
             <a:spLocks noGrp="1"/>
           </p:cNvSpPr>
@@ -2058,8 +2058,8 @@
         </p:nvSpPr>
         <p:spPr>
           <a:xfrm>
-            <a:off x="6172200" y="1681164"/>
-            <a:ext cx="5183188" cy="823911"/>
+            <a:off x="6172200" y="1323916"/>
+            <a:ext cx="5183188" cy="648831"/>
           </a:xfrm>
         </p:spPr>
         <p:txBody>
@@ -2067,45 +2067,45 @@
           <a:lstStyle>
             <a:lvl1pPr marL="0" indent="0">
               <a:buNone/>
-              <a:defRPr sz="2400" b="1"/>
+              <a:defRPr sz="1890" b="1"/>
             </a:lvl1pPr>
-            <a:lvl2pPr marL="457195" indent="0">
-              <a:buNone/>
-              <a:defRPr sz="2000" b="1"/>
+            <a:lvl2pPr marL="360045" indent="0">
+              <a:buNone/>
+              <a:defRPr sz="1575" b="1"/>
             </a:lvl2pPr>
-            <a:lvl3pPr marL="914392" indent="0">
-              <a:buNone/>
-              <a:defRPr sz="1800" b="1"/>
+            <a:lvl3pPr marL="720090" indent="0">
+              <a:buNone/>
+              <a:defRPr sz="1418" b="1"/>
             </a:lvl3pPr>
-            <a:lvl4pPr marL="1371588" indent="0">
-              <a:buNone/>
-              <a:defRPr sz="1600" b="1"/>
+            <a:lvl4pPr marL="1080135" indent="0">
+              <a:buNone/>
+              <a:defRPr sz="1260" b="1"/>
             </a:lvl4pPr>
-            <a:lvl5pPr marL="1828783" indent="0">
-              <a:buNone/>
-              <a:defRPr sz="1600" b="1"/>
+            <a:lvl5pPr marL="1440180" indent="0">
+              <a:buNone/>
+              <a:defRPr sz="1260" b="1"/>
             </a:lvl5pPr>
-            <a:lvl6pPr marL="2285980" indent="0">
-              <a:buNone/>
-              <a:defRPr sz="1600" b="1"/>
+            <a:lvl6pPr marL="1800225" indent="0">
+              <a:buNone/>
+              <a:defRPr sz="1260" b="1"/>
             </a:lvl6pPr>
-            <a:lvl7pPr marL="2743175" indent="0">
-              <a:buNone/>
-              <a:defRPr sz="1600" b="1"/>
+            <a:lvl7pPr marL="2160270" indent="0">
+              <a:buNone/>
+              <a:defRPr sz="1260" b="1"/>
             </a:lvl7pPr>
-            <a:lvl8pPr marL="3200372" indent="0">
-              <a:buNone/>
-              <a:defRPr sz="1600" b="1"/>
+            <a:lvl8pPr marL="2520315" indent="0">
+              <a:buNone/>
+              <a:defRPr sz="1260" b="1"/>
             </a:lvl8pPr>
-            <a:lvl9pPr marL="3657567" indent="0">
-              <a:buNone/>
-              <a:defRPr sz="1600" b="1"/>
+            <a:lvl9pPr marL="2880360" indent="0">
+              <a:buNone/>
+              <a:defRPr sz="1260" b="1"/>
             </a:lvl9pPr>
           </a:lstStyle>
           <a:p>
             <a:pPr lvl="0"/>
             <a:r>
-              <a:rPr kumimoji="1" lang="ja-JP" altLang="en-US" smtClean="0"/>
+              <a:rPr lang="ja-JP" altLang="en-US" smtClean="0"/>
               <a:t>マスター テキストの書式設定</a:t>
             </a:r>
           </a:p>
@@ -2113,7 +2113,7 @@
       </p:sp>
       <p:sp>
         <p:nvSpPr>
-          <p:cNvPr id="6" name="コンテンツ プレースホルダー 5"/>
+          <p:cNvPr id="6" name="Content Placeholder 5"/>
           <p:cNvSpPr>
             <a:spLocks noGrp="1"/>
           </p:cNvSpPr>
@@ -2123,8 +2123,8 @@
         </p:nvSpPr>
         <p:spPr>
           <a:xfrm>
-            <a:off x="6172200" y="2505076"/>
-            <a:ext cx="5183188" cy="3684588"/>
+            <a:off x="6172200" y="1972747"/>
+            <a:ext cx="5183188" cy="2901613"/>
           </a:xfrm>
         </p:spPr>
         <p:txBody>
@@ -2133,76 +2133,76 @@
           <a:p>
             <a:pPr lvl="0"/>
             <a:r>
-              <a:rPr kumimoji="1" lang="ja-JP" altLang="en-US" smtClean="0"/>
+              <a:rPr lang="ja-JP" altLang="en-US" smtClean="0"/>
               <a:t>マスター テキストの書式設定</a:t>
             </a:r>
           </a:p>
           <a:p>
             <a:pPr lvl="1"/>
             <a:r>
-              <a:rPr kumimoji="1" lang="ja-JP" altLang="en-US" smtClean="0"/>
+              <a:rPr lang="ja-JP" altLang="en-US" smtClean="0"/>
               <a:t>第 </a:t>
             </a:r>
             <a:r>
-              <a:rPr kumimoji="1" lang="en-US" altLang="ja-JP" smtClean="0"/>
+              <a:rPr lang="en-US" altLang="ja-JP" smtClean="0"/>
               <a:t>2 </a:t>
             </a:r>
             <a:r>
-              <a:rPr kumimoji="1" lang="ja-JP" altLang="en-US" smtClean="0"/>
+              <a:rPr lang="ja-JP" altLang="en-US" smtClean="0"/>
               <a:t>レベル</a:t>
             </a:r>
           </a:p>
           <a:p>
             <a:pPr lvl="2"/>
             <a:r>
-              <a:rPr kumimoji="1" lang="ja-JP" altLang="en-US" smtClean="0"/>
+              <a:rPr lang="ja-JP" altLang="en-US" smtClean="0"/>
               <a:t>第 </a:t>
             </a:r>
             <a:r>
-              <a:rPr kumimoji="1" lang="en-US" altLang="ja-JP" smtClean="0"/>
+              <a:rPr lang="en-US" altLang="ja-JP" smtClean="0"/>
               <a:t>3 </a:t>
             </a:r>
             <a:r>
-              <a:rPr kumimoji="1" lang="ja-JP" altLang="en-US" smtClean="0"/>
+              <a:rPr lang="ja-JP" altLang="en-US" smtClean="0"/>
               <a:t>レベル</a:t>
             </a:r>
           </a:p>
           <a:p>
             <a:pPr lvl="3"/>
             <a:r>
-              <a:rPr kumimoji="1" lang="ja-JP" altLang="en-US" smtClean="0"/>
+              <a:rPr lang="ja-JP" altLang="en-US" smtClean="0"/>
               <a:t>第 </a:t>
             </a:r>
             <a:r>
-              <a:rPr kumimoji="1" lang="en-US" altLang="ja-JP" smtClean="0"/>
+              <a:rPr lang="en-US" altLang="ja-JP" smtClean="0"/>
               <a:t>4 </a:t>
             </a:r>
             <a:r>
-              <a:rPr kumimoji="1" lang="ja-JP" altLang="en-US" smtClean="0"/>
+              <a:rPr lang="ja-JP" altLang="en-US" smtClean="0"/>
               <a:t>レベル</a:t>
             </a:r>
           </a:p>
           <a:p>
             <a:pPr lvl="4"/>
             <a:r>
-              <a:rPr kumimoji="1" lang="ja-JP" altLang="en-US" smtClean="0"/>
+              <a:rPr lang="ja-JP" altLang="en-US" smtClean="0"/>
               <a:t>第 </a:t>
             </a:r>
             <a:r>
-              <a:rPr kumimoji="1" lang="en-US" altLang="ja-JP" smtClean="0"/>
+              <a:rPr lang="en-US" altLang="ja-JP" smtClean="0"/>
               <a:t>5 </a:t>
             </a:r>
             <a:r>
-              <a:rPr kumimoji="1" lang="ja-JP" altLang="en-US" smtClean="0"/>
+              <a:rPr lang="ja-JP" altLang="en-US" smtClean="0"/>
               <a:t>レベル</a:t>
             </a:r>
-            <a:endParaRPr kumimoji="1" lang="ja-JP" altLang="en-US"/>
-          </a:p>
-        </p:txBody>
-      </p:sp>
-      <p:sp>
-        <p:nvSpPr>
-          <p:cNvPr id="7" name="日付プレースホルダー 6"/>
+            <a:endParaRPr lang="en-US" dirty="0"/>
+          </a:p>
+        </p:txBody>
+      </p:sp>
+      <p:sp>
+        <p:nvSpPr>
+          <p:cNvPr id="7" name="Date Placeholder 6"/>
           <p:cNvSpPr>
             <a:spLocks noGrp="1"/>
           </p:cNvSpPr>
@@ -2217,7 +2217,7 @@
           <a:p>
             <a:fld id="{AA641DB4-C951-4763-94FC-F650C3AA7E65}" type="datetimeFigureOut">
               <a:rPr kumimoji="1" lang="ja-JP" altLang="en-US" smtClean="0"/>
-              <a:t>2017/1/24</a:t>
+              <a:t>2017/11/16</a:t>
             </a:fld>
             <a:endParaRPr kumimoji="1" lang="ja-JP" altLang="en-US"/>
           </a:p>
@@ -2225,7 +2225,7 @@
       </p:sp>
       <p:sp>
         <p:nvSpPr>
-          <p:cNvPr id="8" name="フッター プレースホルダー 7"/>
+          <p:cNvPr id="8" name="Footer Placeholder 7"/>
           <p:cNvSpPr>
             <a:spLocks noGrp="1"/>
           </p:cNvSpPr>
@@ -2244,7 +2244,7 @@
       </p:sp>
       <p:sp>
         <p:nvSpPr>
-          <p:cNvPr id="9" name="スライド番号プレースホルダー 8"/>
+          <p:cNvPr id="9" name="Slide Number Placeholder 8"/>
           <p:cNvSpPr>
             <a:spLocks noGrp="1"/>
           </p:cNvSpPr>
@@ -2268,7 +2268,7 @@
     </p:spTree>
     <p:extLst>
       <p:ext uri="{BB962C8B-B14F-4D97-AF65-F5344CB8AC3E}">
-        <p14:creationId xmlns:p14="http://schemas.microsoft.com/office/powerpoint/2010/main" val="1967088265"/>
+        <p14:creationId xmlns:p14="http://schemas.microsoft.com/office/powerpoint/2010/main" val="3028034709"/>
       </p:ext>
     </p:extLst>
   </p:cSld>
@@ -2297,7 +2297,7 @@
       </p:grpSpPr>
       <p:sp>
         <p:nvSpPr>
-          <p:cNvPr id="2" name="タイトル 1"/>
+          <p:cNvPr id="2" name="Title 1"/>
           <p:cNvSpPr>
             <a:spLocks noGrp="1"/>
           </p:cNvSpPr>
@@ -2311,16 +2311,16 @@
           <a:lstStyle/>
           <a:p>
             <a:r>
-              <a:rPr kumimoji="1" lang="ja-JP" altLang="en-US" smtClean="0"/>
+              <a:rPr lang="ja-JP" altLang="en-US" smtClean="0"/>
               <a:t>マスター タイトルの書式設定</a:t>
             </a:r>
-            <a:endParaRPr kumimoji="1" lang="ja-JP" altLang="en-US"/>
-          </a:p>
-        </p:txBody>
-      </p:sp>
-      <p:sp>
-        <p:nvSpPr>
-          <p:cNvPr id="3" name="日付プレースホルダー 2"/>
+            <a:endParaRPr lang="en-US" dirty="0"/>
+          </a:p>
+        </p:txBody>
+      </p:sp>
+      <p:sp>
+        <p:nvSpPr>
+          <p:cNvPr id="3" name="Date Placeholder 2"/>
           <p:cNvSpPr>
             <a:spLocks noGrp="1"/>
           </p:cNvSpPr>
@@ -2335,7 +2335,7 @@
           <a:p>
             <a:fld id="{AA641DB4-C951-4763-94FC-F650C3AA7E65}" type="datetimeFigureOut">
               <a:rPr kumimoji="1" lang="ja-JP" altLang="en-US" smtClean="0"/>
-              <a:t>2017/1/24</a:t>
+              <a:t>2017/11/16</a:t>
             </a:fld>
             <a:endParaRPr kumimoji="1" lang="ja-JP" altLang="en-US"/>
           </a:p>
@@ -2343,7 +2343,7 @@
       </p:sp>
       <p:sp>
         <p:nvSpPr>
-          <p:cNvPr id="4" name="フッター プレースホルダー 3"/>
+          <p:cNvPr id="4" name="Footer Placeholder 3"/>
           <p:cNvSpPr>
             <a:spLocks noGrp="1"/>
           </p:cNvSpPr>
@@ -2362,7 +2362,7 @@
       </p:sp>
       <p:sp>
         <p:nvSpPr>
-          <p:cNvPr id="5" name="スライド番号プレースホルダー 4"/>
+          <p:cNvPr id="5" name="Slide Number Placeholder 4"/>
           <p:cNvSpPr>
             <a:spLocks noGrp="1"/>
           </p:cNvSpPr>
@@ -2386,7 +2386,7 @@
     </p:spTree>
     <p:extLst>
       <p:ext uri="{BB962C8B-B14F-4D97-AF65-F5344CB8AC3E}">
-        <p14:creationId xmlns:p14="http://schemas.microsoft.com/office/powerpoint/2010/main" val="2110663203"/>
+        <p14:creationId xmlns:p14="http://schemas.microsoft.com/office/powerpoint/2010/main" val="4060003648"/>
       </p:ext>
     </p:extLst>
   </p:cSld>
@@ -2415,7 +2415,7 @@
       </p:grpSpPr>
       <p:sp>
         <p:nvSpPr>
-          <p:cNvPr id="2" name="日付プレースホルダー 1"/>
+          <p:cNvPr id="2" name="Date Placeholder 1"/>
           <p:cNvSpPr>
             <a:spLocks noGrp="1"/>
           </p:cNvSpPr>
@@ -2430,7 +2430,7 @@
           <a:p>
             <a:fld id="{AA641DB4-C951-4763-94FC-F650C3AA7E65}" type="datetimeFigureOut">
               <a:rPr kumimoji="1" lang="ja-JP" altLang="en-US" smtClean="0"/>
-              <a:t>2017/1/24</a:t>
+              <a:t>2017/11/16</a:t>
             </a:fld>
             <a:endParaRPr kumimoji="1" lang="ja-JP" altLang="en-US"/>
           </a:p>
@@ -2438,7 +2438,7 @@
       </p:sp>
       <p:sp>
         <p:nvSpPr>
-          <p:cNvPr id="3" name="フッター プレースホルダー 2"/>
+          <p:cNvPr id="3" name="Footer Placeholder 2"/>
           <p:cNvSpPr>
             <a:spLocks noGrp="1"/>
           </p:cNvSpPr>
@@ -2457,7 +2457,7 @@
       </p:sp>
       <p:sp>
         <p:nvSpPr>
-          <p:cNvPr id="4" name="スライド番号プレースホルダー 3"/>
+          <p:cNvPr id="4" name="Slide Number Placeholder 3"/>
           <p:cNvSpPr>
             <a:spLocks noGrp="1"/>
           </p:cNvSpPr>
@@ -2481,7 +2481,7 @@
     </p:spTree>
     <p:extLst>
       <p:ext uri="{BB962C8B-B14F-4D97-AF65-F5344CB8AC3E}">
-        <p14:creationId xmlns:p14="http://schemas.microsoft.com/office/powerpoint/2010/main" val="2514589980"/>
+        <p14:creationId xmlns:p14="http://schemas.microsoft.com/office/powerpoint/2010/main" val="229059999"/>
       </p:ext>
     </p:extLst>
   </p:cSld>
@@ -2510,7 +2510,7 @@
       </p:grpSpPr>
       <p:sp>
         <p:nvSpPr>
-          <p:cNvPr id="2" name="タイトル 1"/>
+          <p:cNvPr id="2" name="Title 1"/>
           <p:cNvSpPr>
             <a:spLocks noGrp="1"/>
           </p:cNvSpPr>
@@ -2520,29 +2520,29 @@
         </p:nvSpPr>
         <p:spPr>
           <a:xfrm>
-            <a:off x="839790" y="457200"/>
-            <a:ext cx="3932237" cy="1600200"/>
+            <a:off x="839789" y="360045"/>
+            <a:ext cx="3932237" cy="1260158"/>
           </a:xfrm>
         </p:spPr>
         <p:txBody>
           <a:bodyPr anchor="b"/>
           <a:lstStyle>
             <a:lvl1pPr>
-              <a:defRPr sz="3200"/>
+              <a:defRPr sz="2520"/>
             </a:lvl1pPr>
           </a:lstStyle>
           <a:p>
             <a:r>
-              <a:rPr kumimoji="1" lang="ja-JP" altLang="en-US" smtClean="0"/>
+              <a:rPr lang="ja-JP" altLang="en-US" smtClean="0"/>
               <a:t>マスター タイトルの書式設定</a:t>
             </a:r>
-            <a:endParaRPr kumimoji="1" lang="ja-JP" altLang="en-US"/>
-          </a:p>
-        </p:txBody>
-      </p:sp>
-      <p:sp>
-        <p:nvSpPr>
-          <p:cNvPr id="3" name="コンテンツ プレースホルダー 2"/>
+            <a:endParaRPr lang="en-US" dirty="0"/>
+          </a:p>
+        </p:txBody>
+      </p:sp>
+      <p:sp>
+        <p:nvSpPr>
+          <p:cNvPr id="3" name="Content Placeholder 2"/>
           <p:cNvSpPr>
             <a:spLocks noGrp="1"/>
           </p:cNvSpPr>
@@ -2552,114 +2552,114 @@
         </p:nvSpPr>
         <p:spPr>
           <a:xfrm>
-            <a:off x="5183188" y="987426"/>
-            <a:ext cx="6172200" cy="4873625"/>
+            <a:off x="5183188" y="777597"/>
+            <a:ext cx="6172200" cy="3837980"/>
           </a:xfrm>
         </p:spPr>
         <p:txBody>
           <a:bodyPr/>
           <a:lstStyle>
             <a:lvl1pPr>
-              <a:defRPr sz="3200"/>
+              <a:defRPr sz="2520"/>
             </a:lvl1pPr>
             <a:lvl2pPr>
-              <a:defRPr sz="2800"/>
+              <a:defRPr sz="2205"/>
             </a:lvl2pPr>
             <a:lvl3pPr>
-              <a:defRPr sz="2400"/>
+              <a:defRPr sz="1890"/>
             </a:lvl3pPr>
             <a:lvl4pPr>
-              <a:defRPr sz="2000"/>
+              <a:defRPr sz="1575"/>
             </a:lvl4pPr>
             <a:lvl5pPr>
-              <a:defRPr sz="2000"/>
+              <a:defRPr sz="1575"/>
             </a:lvl5pPr>
             <a:lvl6pPr>
-              <a:defRPr sz="2000"/>
+              <a:defRPr sz="1575"/>
             </a:lvl6pPr>
             <a:lvl7pPr>
-              <a:defRPr sz="2000"/>
+              <a:defRPr sz="1575"/>
             </a:lvl7pPr>
             <a:lvl8pPr>
-              <a:defRPr sz="2000"/>
+              <a:defRPr sz="1575"/>
             </a:lvl8pPr>
             <a:lvl9pPr>
-              <a:defRPr sz="2000"/>
+              <a:defRPr sz="1575"/>
             </a:lvl9pPr>
           </a:lstStyle>
           <a:p>
             <a:pPr lvl="0"/>
             <a:r>
-              <a:rPr kumimoji="1" lang="ja-JP" altLang="en-US" smtClean="0"/>
+              <a:rPr lang="ja-JP" altLang="en-US" smtClean="0"/>
               <a:t>マスター テキストの書式設定</a:t>
             </a:r>
           </a:p>
           <a:p>
             <a:pPr lvl="1"/>
             <a:r>
-              <a:rPr kumimoji="1" lang="ja-JP" altLang="en-US" smtClean="0"/>
+              <a:rPr lang="ja-JP" altLang="en-US" smtClean="0"/>
               <a:t>第 </a:t>
             </a:r>
             <a:r>
-              <a:rPr kumimoji="1" lang="en-US" altLang="ja-JP" smtClean="0"/>
+              <a:rPr lang="en-US" altLang="ja-JP" smtClean="0"/>
               <a:t>2 </a:t>
             </a:r>
             <a:r>
-              <a:rPr kumimoji="1" lang="ja-JP" altLang="en-US" smtClean="0"/>
+              <a:rPr lang="ja-JP" altLang="en-US" smtClean="0"/>
               <a:t>レベル</a:t>
             </a:r>
           </a:p>
           <a:p>
             <a:pPr lvl="2"/>
             <a:r>
-              <a:rPr kumimoji="1" lang="ja-JP" altLang="en-US" smtClean="0"/>
+              <a:rPr lang="ja-JP" altLang="en-US" smtClean="0"/>
               <a:t>第 </a:t>
             </a:r>
             <a:r>
-              <a:rPr kumimoji="1" lang="en-US" altLang="ja-JP" smtClean="0"/>
+              <a:rPr lang="en-US" altLang="ja-JP" smtClean="0"/>
               <a:t>3 </a:t>
             </a:r>
             <a:r>
-              <a:rPr kumimoji="1" lang="ja-JP" altLang="en-US" smtClean="0"/>
+              <a:rPr lang="ja-JP" altLang="en-US" smtClean="0"/>
               <a:t>レベル</a:t>
             </a:r>
           </a:p>
           <a:p>
             <a:pPr lvl="3"/>
             <a:r>
-              <a:rPr kumimoji="1" lang="ja-JP" altLang="en-US" smtClean="0"/>
+              <a:rPr lang="ja-JP" altLang="en-US" smtClean="0"/>
               <a:t>第 </a:t>
             </a:r>
             <a:r>
-              <a:rPr kumimoji="1" lang="en-US" altLang="ja-JP" smtClean="0"/>
+              <a:rPr lang="en-US" altLang="ja-JP" smtClean="0"/>
               <a:t>4 </a:t>
             </a:r>
             <a:r>
-              <a:rPr kumimoji="1" lang="ja-JP" altLang="en-US" smtClean="0"/>
+              <a:rPr lang="ja-JP" altLang="en-US" smtClean="0"/>
               <a:t>レベル</a:t>
             </a:r>
           </a:p>
           <a:p>
             <a:pPr lvl="4"/>
             <a:r>
-              <a:rPr kumimoji="1" lang="ja-JP" altLang="en-US" smtClean="0"/>
+              <a:rPr lang="ja-JP" altLang="en-US" smtClean="0"/>
               <a:t>第 </a:t>
             </a:r>
             <a:r>
-              <a:rPr kumimoji="1" lang="en-US" altLang="ja-JP" smtClean="0"/>
+              <a:rPr lang="en-US" altLang="ja-JP" smtClean="0"/>
               <a:t>5 </a:t>
             </a:r>
             <a:r>
-              <a:rPr kumimoji="1" lang="ja-JP" altLang="en-US" smtClean="0"/>
+              <a:rPr lang="ja-JP" altLang="en-US" smtClean="0"/>
               <a:t>レベル</a:t>
             </a:r>
-            <a:endParaRPr kumimoji="1" lang="ja-JP" altLang="en-US"/>
-          </a:p>
-        </p:txBody>
-      </p:sp>
-      <p:sp>
-        <p:nvSpPr>
-          <p:cNvPr id="4" name="テキスト プレースホルダー 3"/>
+            <a:endParaRPr lang="en-US" dirty="0"/>
+          </a:p>
+        </p:txBody>
+      </p:sp>
+      <p:sp>
+        <p:nvSpPr>
+          <p:cNvPr id="4" name="Text Placeholder 3"/>
           <p:cNvSpPr>
             <a:spLocks noGrp="1"/>
           </p:cNvSpPr>
@@ -2669,8 +2669,8 @@
         </p:nvSpPr>
         <p:spPr>
           <a:xfrm>
-            <a:off x="839790" y="2057400"/>
-            <a:ext cx="3932237" cy="3811589"/>
+            <a:off x="839789" y="1620202"/>
+            <a:ext cx="3932237" cy="3001626"/>
           </a:xfrm>
         </p:spPr>
         <p:txBody>
@@ -2678,45 +2678,45 @@
           <a:lstStyle>
             <a:lvl1pPr marL="0" indent="0">
               <a:buNone/>
-              <a:defRPr sz="1600"/>
+              <a:defRPr sz="1260"/>
             </a:lvl1pPr>
-            <a:lvl2pPr marL="457195" indent="0">
-              <a:buNone/>
-              <a:defRPr sz="1400"/>
+            <a:lvl2pPr marL="360045" indent="0">
+              <a:buNone/>
+              <a:defRPr sz="1103"/>
             </a:lvl2pPr>
-            <a:lvl3pPr marL="914392" indent="0">
-              <a:buNone/>
-              <a:defRPr sz="1200"/>
+            <a:lvl3pPr marL="720090" indent="0">
+              <a:buNone/>
+              <a:defRPr sz="945"/>
             </a:lvl3pPr>
-            <a:lvl4pPr marL="1371588" indent="0">
-              <a:buNone/>
-              <a:defRPr sz="1000"/>
+            <a:lvl4pPr marL="1080135" indent="0">
+              <a:buNone/>
+              <a:defRPr sz="788"/>
             </a:lvl4pPr>
-            <a:lvl5pPr marL="1828783" indent="0">
-              <a:buNone/>
-              <a:defRPr sz="1000"/>
+            <a:lvl5pPr marL="1440180" indent="0">
+              <a:buNone/>
+              <a:defRPr sz="788"/>
             </a:lvl5pPr>
-            <a:lvl6pPr marL="2285980" indent="0">
-              <a:buNone/>
-              <a:defRPr sz="1000"/>
+            <a:lvl6pPr marL="1800225" indent="0">
+              <a:buNone/>
+              <a:defRPr sz="788"/>
             </a:lvl6pPr>
-            <a:lvl7pPr marL="2743175" indent="0">
-              <a:buNone/>
-              <a:defRPr sz="1000"/>
+            <a:lvl7pPr marL="2160270" indent="0">
+              <a:buNone/>
+              <a:defRPr sz="788"/>
             </a:lvl7pPr>
-            <a:lvl8pPr marL="3200372" indent="0">
-              <a:buNone/>
-              <a:defRPr sz="1000"/>
+            <a:lvl8pPr marL="2520315" indent="0">
+              <a:buNone/>
+              <a:defRPr sz="788"/>
             </a:lvl8pPr>
-            <a:lvl9pPr marL="3657567" indent="0">
-              <a:buNone/>
-              <a:defRPr sz="1000"/>
+            <a:lvl9pPr marL="2880360" indent="0">
+              <a:buNone/>
+              <a:defRPr sz="788"/>
             </a:lvl9pPr>
           </a:lstStyle>
           <a:p>
             <a:pPr lvl="0"/>
             <a:r>
-              <a:rPr kumimoji="1" lang="ja-JP" altLang="en-US" smtClean="0"/>
+              <a:rPr lang="ja-JP" altLang="en-US" smtClean="0"/>
               <a:t>マスター テキストの書式設定</a:t>
             </a:r>
           </a:p>
@@ -2724,7 +2724,7 @@
       </p:sp>
       <p:sp>
         <p:nvSpPr>
-          <p:cNvPr id="5" name="日付プレースホルダー 4"/>
+          <p:cNvPr id="5" name="Date Placeholder 4"/>
           <p:cNvSpPr>
             <a:spLocks noGrp="1"/>
           </p:cNvSpPr>
@@ -2739,7 +2739,7 @@
           <a:p>
             <a:fld id="{AA641DB4-C951-4763-94FC-F650C3AA7E65}" type="datetimeFigureOut">
               <a:rPr kumimoji="1" lang="ja-JP" altLang="en-US" smtClean="0"/>
-              <a:t>2017/1/24</a:t>
+              <a:t>2017/11/16</a:t>
             </a:fld>
             <a:endParaRPr kumimoji="1" lang="ja-JP" altLang="en-US"/>
           </a:p>
@@ -2747,7 +2747,7 @@
       </p:sp>
       <p:sp>
         <p:nvSpPr>
-          <p:cNvPr id="6" name="フッター プレースホルダー 5"/>
+          <p:cNvPr id="6" name="Footer Placeholder 5"/>
           <p:cNvSpPr>
             <a:spLocks noGrp="1"/>
           </p:cNvSpPr>
@@ -2766,7 +2766,7 @@
       </p:sp>
       <p:sp>
         <p:nvSpPr>
-          <p:cNvPr id="7" name="スライド番号プレースホルダー 6"/>
+          <p:cNvPr id="7" name="Slide Number Placeholder 6"/>
           <p:cNvSpPr>
             <a:spLocks noGrp="1"/>
           </p:cNvSpPr>
@@ -2790,7 +2790,7 @@
     </p:spTree>
     <p:extLst>
       <p:ext uri="{BB962C8B-B14F-4D97-AF65-F5344CB8AC3E}">
-        <p14:creationId xmlns:p14="http://schemas.microsoft.com/office/powerpoint/2010/main" val="347036447"/>
+        <p14:creationId xmlns:p14="http://schemas.microsoft.com/office/powerpoint/2010/main" val="14101773"/>
       </p:ext>
     </p:extLst>
   </p:cSld>
@@ -2819,7 +2819,7 @@
       </p:grpSpPr>
       <p:sp>
         <p:nvSpPr>
-          <p:cNvPr id="2" name="タイトル 1"/>
+          <p:cNvPr id="2" name="Title 1"/>
           <p:cNvSpPr>
             <a:spLocks noGrp="1"/>
           </p:cNvSpPr>
@@ -2829,31 +2829,31 @@
         </p:nvSpPr>
         <p:spPr>
           <a:xfrm>
-            <a:off x="839790" y="457200"/>
-            <a:ext cx="3932237" cy="1600200"/>
+            <a:off x="839789" y="360045"/>
+            <a:ext cx="3932237" cy="1260158"/>
           </a:xfrm>
         </p:spPr>
         <p:txBody>
           <a:bodyPr anchor="b"/>
           <a:lstStyle>
             <a:lvl1pPr>
-              <a:defRPr sz="3200"/>
+              <a:defRPr sz="2520"/>
             </a:lvl1pPr>
           </a:lstStyle>
           <a:p>
             <a:r>
-              <a:rPr kumimoji="1" lang="ja-JP" altLang="en-US" smtClean="0"/>
+              <a:rPr lang="ja-JP" altLang="en-US" smtClean="0"/>
               <a:t>マスター タイトルの書式設定</a:t>
             </a:r>
-            <a:endParaRPr kumimoji="1" lang="ja-JP" altLang="en-US"/>
-          </a:p>
-        </p:txBody>
-      </p:sp>
-      <p:sp>
-        <p:nvSpPr>
-          <p:cNvPr id="3" name="図プレースホルダー 2"/>
-          <p:cNvSpPr>
-            <a:spLocks noGrp="1"/>
+            <a:endParaRPr lang="en-US" dirty="0"/>
+          </a:p>
+        </p:txBody>
+      </p:sp>
+      <p:sp>
+        <p:nvSpPr>
+          <p:cNvPr id="3" name="Picture Placeholder 2"/>
+          <p:cNvSpPr>
+            <a:spLocks noGrp="1" noChangeAspect="1"/>
           </p:cNvSpPr>
           <p:nvPr>
             <p:ph type="pic" idx="1"/>
@@ -2861,8 +2861,73 @@
         </p:nvSpPr>
         <p:spPr>
           <a:xfrm>
-            <a:off x="5183188" y="987426"/>
-            <a:ext cx="6172200" cy="4873625"/>
+            <a:off x="5183188" y="777597"/>
+            <a:ext cx="6172200" cy="3837980"/>
+          </a:xfrm>
+        </p:spPr>
+        <p:txBody>
+          <a:bodyPr anchor="t"/>
+          <a:lstStyle>
+            <a:lvl1pPr marL="0" indent="0">
+              <a:buNone/>
+              <a:defRPr sz="2520"/>
+            </a:lvl1pPr>
+            <a:lvl2pPr marL="360045" indent="0">
+              <a:buNone/>
+              <a:defRPr sz="2205"/>
+            </a:lvl2pPr>
+            <a:lvl3pPr marL="720090" indent="0">
+              <a:buNone/>
+              <a:defRPr sz="1890"/>
+            </a:lvl3pPr>
+            <a:lvl4pPr marL="1080135" indent="0">
+              <a:buNone/>
+              <a:defRPr sz="1575"/>
+            </a:lvl4pPr>
+            <a:lvl5pPr marL="1440180" indent="0">
+              <a:buNone/>
+              <a:defRPr sz="1575"/>
+            </a:lvl5pPr>
+            <a:lvl6pPr marL="1800225" indent="0">
+              <a:buNone/>
+              <a:defRPr sz="1575"/>
+            </a:lvl6pPr>
+            <a:lvl7pPr marL="2160270" indent="0">
+              <a:buNone/>
+              <a:defRPr sz="1575"/>
+            </a:lvl7pPr>
+            <a:lvl8pPr marL="2520315" indent="0">
+              <a:buNone/>
+              <a:defRPr sz="1575"/>
+            </a:lvl8pPr>
+            <a:lvl9pPr marL="2880360" indent="0">
+              <a:buNone/>
+              <a:defRPr sz="1575"/>
+            </a:lvl9pPr>
+          </a:lstStyle>
+          <a:p>
+            <a:r>
+              <a:rPr lang="ja-JP" altLang="en-US" smtClean="0"/>
+              <a:t>図を追加</a:t>
+            </a:r>
+            <a:endParaRPr lang="en-US" dirty="0"/>
+          </a:p>
+        </p:txBody>
+      </p:sp>
+      <p:sp>
+        <p:nvSpPr>
+          <p:cNvPr id="4" name="Text Placeholder 3"/>
+          <p:cNvSpPr>
+            <a:spLocks noGrp="1"/>
+          </p:cNvSpPr>
+          <p:nvPr>
+            <p:ph type="body" sz="half" idx="2"/>
+          </p:nvPr>
+        </p:nvSpPr>
+        <p:spPr>
+          <a:xfrm>
+            <a:off x="839789" y="1620202"/>
+            <a:ext cx="3932237" cy="3001626"/>
           </a:xfrm>
         </p:spPr>
         <p:txBody>
@@ -2870,106 +2935,45 @@
           <a:lstStyle>
             <a:lvl1pPr marL="0" indent="0">
               <a:buNone/>
-              <a:defRPr sz="3200"/>
+              <a:defRPr sz="1260"/>
             </a:lvl1pPr>
-            <a:lvl2pPr marL="457195" indent="0">
-              <a:buNone/>
-              <a:defRPr sz="2800"/>
+            <a:lvl2pPr marL="360045" indent="0">
+              <a:buNone/>
+              <a:defRPr sz="1103"/>
             </a:lvl2pPr>
-            <a:lvl3pPr marL="914392" indent="0">
-              <a:buNone/>
-              <a:defRPr sz="2400"/>
+            <a:lvl3pPr marL="720090" indent="0">
+              <a:buNone/>
+              <a:defRPr sz="945"/>
             </a:lvl3pPr>
-            <a:lvl4pPr marL="1371588" indent="0">
-              <a:buNone/>
-              <a:defRPr sz="2000"/>
+            <a:lvl4pPr marL="1080135" indent="0">
+              <a:buNone/>
+              <a:defRPr sz="788"/>
             </a:lvl4pPr>
-            <a:lvl5pPr marL="1828783" indent="0">
-              <a:buNone/>
-              <a:defRPr sz="2000"/>
+            <a:lvl5pPr marL="1440180" indent="0">
+              <a:buNone/>
+              <a:defRPr sz="788"/>
             </a:lvl5pPr>
-            <a:lvl6pPr marL="2285980" indent="0">
-              <a:buNone/>
-              <a:defRPr sz="2000"/>
+            <a:lvl6pPr marL="1800225" indent="0">
+              <a:buNone/>
+              <a:defRPr sz="788"/>
             </a:lvl6pPr>
-            <a:lvl7pPr marL="2743175" indent="0">
-              <a:buNone/>
-              <a:defRPr sz="2000"/>
+            <a:lvl7pPr marL="2160270" indent="0">
+              <a:buNone/>
+              <a:defRPr sz="788"/>
             </a:lvl7pPr>
-            <a:lvl8pPr marL="3200372" indent="0">
-              <a:buNone/>
-              <a:defRPr sz="2000"/>
+            <a:lvl8pPr marL="2520315" indent="0">
+              <a:buNone/>
+              <a:defRPr sz="788"/>
             </a:lvl8pPr>
-            <a:lvl9pPr marL="3657567" indent="0">
-              <a:buNone/>
-              <a:defRPr sz="2000"/>
+            <a:lvl9pPr marL="2880360" indent="0">
+              <a:buNone/>
+              <a:defRPr sz="788"/>
             </a:lvl9pPr>
           </a:lstStyle>
           <a:p>
-            <a:endParaRPr kumimoji="1" lang="ja-JP" altLang="en-US"/>
-          </a:p>
-        </p:txBody>
-      </p:sp>
-      <p:sp>
-        <p:nvSpPr>
-          <p:cNvPr id="4" name="テキスト プレースホルダー 3"/>
-          <p:cNvSpPr>
-            <a:spLocks noGrp="1"/>
-          </p:cNvSpPr>
-          <p:nvPr>
-            <p:ph type="body" sz="half" idx="2"/>
-          </p:nvPr>
-        </p:nvSpPr>
-        <p:spPr>
-          <a:xfrm>
-            <a:off x="839790" y="2057400"/>
-            <a:ext cx="3932237" cy="3811589"/>
-          </a:xfrm>
-        </p:spPr>
-        <p:txBody>
-          <a:bodyPr/>
-          <a:lstStyle>
-            <a:lvl1pPr marL="0" indent="0">
-              <a:buNone/>
-              <a:defRPr sz="1600"/>
-            </a:lvl1pPr>
-            <a:lvl2pPr marL="457195" indent="0">
-              <a:buNone/>
-              <a:defRPr sz="1400"/>
-            </a:lvl2pPr>
-            <a:lvl3pPr marL="914392" indent="0">
-              <a:buNone/>
-              <a:defRPr sz="1200"/>
-            </a:lvl3pPr>
-            <a:lvl4pPr marL="1371588" indent="0">
-              <a:buNone/>
-              <a:defRPr sz="1000"/>
-            </a:lvl4pPr>
-            <a:lvl5pPr marL="1828783" indent="0">
-              <a:buNone/>
-              <a:defRPr sz="1000"/>
-            </a:lvl5pPr>
-            <a:lvl6pPr marL="2285980" indent="0">
-              <a:buNone/>
-              <a:defRPr sz="1000"/>
-            </a:lvl6pPr>
-            <a:lvl7pPr marL="2743175" indent="0">
-              <a:buNone/>
-              <a:defRPr sz="1000"/>
-            </a:lvl7pPr>
-            <a:lvl8pPr marL="3200372" indent="0">
-              <a:buNone/>
-              <a:defRPr sz="1000"/>
-            </a:lvl8pPr>
-            <a:lvl9pPr marL="3657567" indent="0">
-              <a:buNone/>
-              <a:defRPr sz="1000"/>
-            </a:lvl9pPr>
-          </a:lstStyle>
-          <a:p>
             <a:pPr lvl="0"/>
             <a:r>
-              <a:rPr kumimoji="1" lang="ja-JP" altLang="en-US" smtClean="0"/>
+              <a:rPr lang="ja-JP" altLang="en-US" smtClean="0"/>
               <a:t>マスター テキストの書式設定</a:t>
             </a:r>
           </a:p>
@@ -2977,7 +2981,7 @@
       </p:sp>
       <p:sp>
         <p:nvSpPr>
-          <p:cNvPr id="5" name="日付プレースホルダー 4"/>
+          <p:cNvPr id="5" name="Date Placeholder 4"/>
           <p:cNvSpPr>
             <a:spLocks noGrp="1"/>
           </p:cNvSpPr>
@@ -2992,7 +2996,7 @@
           <a:p>
             <a:fld id="{AA641DB4-C951-4763-94FC-F650C3AA7E65}" type="datetimeFigureOut">
               <a:rPr kumimoji="1" lang="ja-JP" altLang="en-US" smtClean="0"/>
-              <a:t>2017/1/24</a:t>
+              <a:t>2017/11/16</a:t>
             </a:fld>
             <a:endParaRPr kumimoji="1" lang="ja-JP" altLang="en-US"/>
           </a:p>
@@ -3000,7 +3004,7 @@
       </p:sp>
       <p:sp>
         <p:nvSpPr>
-          <p:cNvPr id="6" name="フッター プレースホルダー 5"/>
+          <p:cNvPr id="6" name="Footer Placeholder 5"/>
           <p:cNvSpPr>
             <a:spLocks noGrp="1"/>
           </p:cNvSpPr>
@@ -3019,7 +3023,7 @@
       </p:sp>
       <p:sp>
         <p:nvSpPr>
-          <p:cNvPr id="7" name="スライド番号プレースホルダー 6"/>
+          <p:cNvPr id="7" name="Slide Number Placeholder 6"/>
           <p:cNvSpPr>
             <a:spLocks noGrp="1"/>
           </p:cNvSpPr>
@@ -3043,7 +3047,7 @@
     </p:spTree>
     <p:extLst>
       <p:ext uri="{BB962C8B-B14F-4D97-AF65-F5344CB8AC3E}">
-        <p14:creationId xmlns:p14="http://schemas.microsoft.com/office/powerpoint/2010/main" val="1851267295"/>
+        <p14:creationId xmlns:p14="http://schemas.microsoft.com/office/powerpoint/2010/main" val="1953344710"/>
       </p:ext>
     </p:extLst>
   </p:cSld>
@@ -3077,7 +3081,7 @@
       </p:grpSpPr>
       <p:sp>
         <p:nvSpPr>
-          <p:cNvPr id="2" name="タイトル プレースホルダー 1"/>
+          <p:cNvPr id="2" name="Title Placeholder 1"/>
           <p:cNvSpPr>
             <a:spLocks noGrp="1"/>
           </p:cNvSpPr>
@@ -3087,8 +3091,8 @@
         </p:nvSpPr>
         <p:spPr>
           <a:xfrm>
-            <a:off x="838200" y="365126"/>
-            <a:ext cx="10515600" cy="1325563"/>
+            <a:off x="838200" y="287536"/>
+            <a:ext cx="10515600" cy="1043881"/>
           </a:xfrm>
           <a:prstGeom prst="rect">
             <a:avLst/>
@@ -3101,16 +3105,16 @@
           <a:lstStyle/>
           <a:p>
             <a:r>
-              <a:rPr kumimoji="1" lang="ja-JP" altLang="en-US" smtClean="0"/>
+              <a:rPr lang="ja-JP" altLang="en-US" smtClean="0"/>
               <a:t>マスター タイトルの書式設定</a:t>
             </a:r>
-            <a:endParaRPr kumimoji="1" lang="ja-JP" altLang="en-US"/>
-          </a:p>
-        </p:txBody>
-      </p:sp>
-      <p:sp>
-        <p:nvSpPr>
-          <p:cNvPr id="3" name="テキスト プレースホルダー 2"/>
+            <a:endParaRPr lang="en-US" dirty="0"/>
+          </a:p>
+        </p:txBody>
+      </p:sp>
+      <p:sp>
+        <p:nvSpPr>
+          <p:cNvPr id="3" name="Text Placeholder 2"/>
           <p:cNvSpPr>
             <a:spLocks noGrp="1"/>
           </p:cNvSpPr>
@@ -3120,8 +3124,8 @@
         </p:nvSpPr>
         <p:spPr>
           <a:xfrm>
-            <a:off x="838200" y="1825625"/>
-            <a:ext cx="10515600" cy="4351338"/>
+            <a:off x="838200" y="1437680"/>
+            <a:ext cx="10515600" cy="3426679"/>
           </a:xfrm>
           <a:prstGeom prst="rect">
             <a:avLst/>
@@ -3135,76 +3139,76 @@
           <a:p>
             <a:pPr lvl="0"/>
             <a:r>
-              <a:rPr kumimoji="1" lang="ja-JP" altLang="en-US" smtClean="0"/>
+              <a:rPr lang="ja-JP" altLang="en-US" smtClean="0"/>
               <a:t>マスター テキストの書式設定</a:t>
             </a:r>
           </a:p>
           <a:p>
             <a:pPr lvl="1"/>
             <a:r>
-              <a:rPr kumimoji="1" lang="ja-JP" altLang="en-US" smtClean="0"/>
+              <a:rPr lang="ja-JP" altLang="en-US" smtClean="0"/>
               <a:t>第 </a:t>
             </a:r>
             <a:r>
-              <a:rPr kumimoji="1" lang="en-US" altLang="ja-JP" smtClean="0"/>
+              <a:rPr lang="en-US" altLang="ja-JP" smtClean="0"/>
               <a:t>2 </a:t>
             </a:r>
             <a:r>
-              <a:rPr kumimoji="1" lang="ja-JP" altLang="en-US" smtClean="0"/>
+              <a:rPr lang="ja-JP" altLang="en-US" smtClean="0"/>
               <a:t>レベル</a:t>
             </a:r>
           </a:p>
           <a:p>
             <a:pPr lvl="2"/>
             <a:r>
-              <a:rPr kumimoji="1" lang="ja-JP" altLang="en-US" smtClean="0"/>
+              <a:rPr lang="ja-JP" altLang="en-US" smtClean="0"/>
               <a:t>第 </a:t>
             </a:r>
             <a:r>
-              <a:rPr kumimoji="1" lang="en-US" altLang="ja-JP" smtClean="0"/>
+              <a:rPr lang="en-US" altLang="ja-JP" smtClean="0"/>
               <a:t>3 </a:t>
             </a:r>
             <a:r>
-              <a:rPr kumimoji="1" lang="ja-JP" altLang="en-US" smtClean="0"/>
+              <a:rPr lang="ja-JP" altLang="en-US" smtClean="0"/>
               <a:t>レベル</a:t>
             </a:r>
           </a:p>
           <a:p>
             <a:pPr lvl="3"/>
             <a:r>
-              <a:rPr kumimoji="1" lang="ja-JP" altLang="en-US" smtClean="0"/>
+              <a:rPr lang="ja-JP" altLang="en-US" smtClean="0"/>
               <a:t>第 </a:t>
             </a:r>
             <a:r>
-              <a:rPr kumimoji="1" lang="en-US" altLang="ja-JP" smtClean="0"/>
+              <a:rPr lang="en-US" altLang="ja-JP" smtClean="0"/>
               <a:t>4 </a:t>
             </a:r>
             <a:r>
-              <a:rPr kumimoji="1" lang="ja-JP" altLang="en-US" smtClean="0"/>
+              <a:rPr lang="ja-JP" altLang="en-US" smtClean="0"/>
               <a:t>レベル</a:t>
             </a:r>
           </a:p>
           <a:p>
             <a:pPr lvl="4"/>
             <a:r>
-              <a:rPr kumimoji="1" lang="ja-JP" altLang="en-US" smtClean="0"/>
+              <a:rPr lang="ja-JP" altLang="en-US" smtClean="0"/>
               <a:t>第 </a:t>
             </a:r>
             <a:r>
-              <a:rPr kumimoji="1" lang="en-US" altLang="ja-JP" smtClean="0"/>
+              <a:rPr lang="en-US" altLang="ja-JP" smtClean="0"/>
               <a:t>5 </a:t>
             </a:r>
             <a:r>
-              <a:rPr kumimoji="1" lang="ja-JP" altLang="en-US" smtClean="0"/>
+              <a:rPr lang="ja-JP" altLang="en-US" smtClean="0"/>
               <a:t>レベル</a:t>
             </a:r>
-            <a:endParaRPr kumimoji="1" lang="ja-JP" altLang="en-US"/>
-          </a:p>
-        </p:txBody>
-      </p:sp>
-      <p:sp>
-        <p:nvSpPr>
-          <p:cNvPr id="4" name="日付プレースホルダー 3"/>
+            <a:endParaRPr lang="en-US" dirty="0"/>
+          </a:p>
+        </p:txBody>
+      </p:sp>
+      <p:sp>
+        <p:nvSpPr>
+          <p:cNvPr id="4" name="Date Placeholder 3"/>
           <p:cNvSpPr>
             <a:spLocks noGrp="1"/>
           </p:cNvSpPr>
@@ -3214,8 +3218,8 @@
         </p:nvSpPr>
         <p:spPr>
           <a:xfrm>
-            <a:off x="838200" y="6356351"/>
-            <a:ext cx="2743200" cy="365125"/>
+            <a:off x="838200" y="5005626"/>
+            <a:ext cx="2743200" cy="287536"/>
           </a:xfrm>
           <a:prstGeom prst="rect">
             <a:avLst/>
@@ -3225,7 +3229,7 @@
           <a:bodyPr vert="horz" lIns="91440" tIns="45720" rIns="91440" bIns="45720" rtlCol="0" anchor="ctr"/>
           <a:lstStyle>
             <a:lvl1pPr algn="l">
-              <a:defRPr sz="1200">
+              <a:defRPr sz="945">
                 <a:solidFill>
                   <a:schemeClr val="tx1">
                     <a:tint val="75000"/>
@@ -3237,7 +3241,7 @@
           <a:p>
             <a:fld id="{AA641DB4-C951-4763-94FC-F650C3AA7E65}" type="datetimeFigureOut">
               <a:rPr kumimoji="1" lang="ja-JP" altLang="en-US" smtClean="0"/>
-              <a:t>2017/1/24</a:t>
+              <a:t>2017/11/16</a:t>
             </a:fld>
             <a:endParaRPr kumimoji="1" lang="ja-JP" altLang="en-US"/>
           </a:p>
@@ -3245,7 +3249,7 @@
       </p:sp>
       <p:sp>
         <p:nvSpPr>
-          <p:cNvPr id="5" name="フッター プレースホルダー 4"/>
+          <p:cNvPr id="5" name="Footer Placeholder 4"/>
           <p:cNvSpPr>
             <a:spLocks noGrp="1"/>
           </p:cNvSpPr>
@@ -3255,8 +3259,8 @@
         </p:nvSpPr>
         <p:spPr>
           <a:xfrm>
-            <a:off x="4038600" y="6356351"/>
-            <a:ext cx="4114800" cy="365125"/>
+            <a:off x="4038600" y="5005626"/>
+            <a:ext cx="4114800" cy="287536"/>
           </a:xfrm>
           <a:prstGeom prst="rect">
             <a:avLst/>
@@ -3266,7 +3270,7 @@
           <a:bodyPr vert="horz" lIns="91440" tIns="45720" rIns="91440" bIns="45720" rtlCol="0" anchor="ctr"/>
           <a:lstStyle>
             <a:lvl1pPr algn="ctr">
-              <a:defRPr sz="1200">
+              <a:defRPr sz="945">
                 <a:solidFill>
                   <a:schemeClr val="tx1">
                     <a:tint val="75000"/>
@@ -3282,7 +3286,7 @@
       </p:sp>
       <p:sp>
         <p:nvSpPr>
-          <p:cNvPr id="6" name="スライド番号プレースホルダー 5"/>
+          <p:cNvPr id="6" name="Slide Number Placeholder 5"/>
           <p:cNvSpPr>
             <a:spLocks noGrp="1"/>
           </p:cNvSpPr>
@@ -3292,8 +3296,8 @@
         </p:nvSpPr>
         <p:spPr>
           <a:xfrm>
-            <a:off x="8610600" y="6356351"/>
-            <a:ext cx="2743200" cy="365125"/>
+            <a:off x="8610600" y="5005626"/>
+            <a:ext cx="2743200" cy="287536"/>
           </a:xfrm>
           <a:prstGeom prst="rect">
             <a:avLst/>
@@ -3303,7 +3307,7 @@
           <a:bodyPr vert="horz" lIns="91440" tIns="45720" rIns="91440" bIns="45720" rtlCol="0" anchor="ctr"/>
           <a:lstStyle>
             <a:lvl1pPr algn="r">
-              <a:defRPr sz="1200">
+              <a:defRPr sz="945">
                 <a:solidFill>
                   <a:schemeClr val="tx1">
                     <a:tint val="75000"/>
@@ -3324,27 +3328,27 @@
     </p:spTree>
     <p:extLst>
       <p:ext uri="{BB962C8B-B14F-4D97-AF65-F5344CB8AC3E}">
-        <p14:creationId xmlns:p14="http://schemas.microsoft.com/office/powerpoint/2010/main" val="1848971880"/>
+        <p14:creationId xmlns:p14="http://schemas.microsoft.com/office/powerpoint/2010/main" val="731663594"/>
       </p:ext>
     </p:extLst>
   </p:cSld>
   <p:clrMap bg1="lt1" tx1="dk1" bg2="lt2" tx2="dk2" accent1="accent1" accent2="accent2" accent3="accent3" accent4="accent4" accent5="accent5" accent6="accent6" hlink="hlink" folHlink="folHlink"/>
   <p:sldLayoutIdLst>
-    <p:sldLayoutId id="2147483649" r:id="rId1"/>
-    <p:sldLayoutId id="2147483650" r:id="rId2"/>
-    <p:sldLayoutId id="2147483651" r:id="rId3"/>
-    <p:sldLayoutId id="2147483652" r:id="rId4"/>
-    <p:sldLayoutId id="2147483653" r:id="rId5"/>
-    <p:sldLayoutId id="2147483654" r:id="rId6"/>
-    <p:sldLayoutId id="2147483655" r:id="rId7"/>
-    <p:sldLayoutId id="2147483656" r:id="rId8"/>
-    <p:sldLayoutId id="2147483657" r:id="rId9"/>
-    <p:sldLayoutId id="2147483658" r:id="rId10"/>
-    <p:sldLayoutId id="2147483659" r:id="rId11"/>
+    <p:sldLayoutId id="2147483661" r:id="rId1"/>
+    <p:sldLayoutId id="2147483662" r:id="rId2"/>
+    <p:sldLayoutId id="2147483663" r:id="rId3"/>
+    <p:sldLayoutId id="2147483664" r:id="rId4"/>
+    <p:sldLayoutId id="2147483665" r:id="rId5"/>
+    <p:sldLayoutId id="2147483666" r:id="rId6"/>
+    <p:sldLayoutId id="2147483667" r:id="rId7"/>
+    <p:sldLayoutId id="2147483668" r:id="rId8"/>
+    <p:sldLayoutId id="2147483669" r:id="rId9"/>
+    <p:sldLayoutId id="2147483670" r:id="rId10"/>
+    <p:sldLayoutId id="2147483671" r:id="rId11"/>
   </p:sldLayoutIdLst>
   <p:txStyles>
     <p:titleStyle>
-      <a:lvl1pPr algn="l" defTabSz="914392" rtl="0" eaLnBrk="1" latinLnBrk="0" hangingPunct="1">
+      <a:lvl1pPr algn="l" defTabSz="720090" rtl="0" eaLnBrk="1" latinLnBrk="0" hangingPunct="1">
         <a:lnSpc>
           <a:spcPct val="90000"/>
         </a:lnSpc>
@@ -3352,7 +3356,7 @@
           <a:spcPct val="0"/>
         </a:spcBef>
         <a:buNone/>
-        <a:defRPr kumimoji="1" sz="4400" kern="1200">
+        <a:defRPr kumimoji="1" sz="3465" kern="1200">
           <a:solidFill>
             <a:schemeClr val="tx1"/>
           </a:solidFill>
@@ -3363,16 +3367,16 @@
       </a:lvl1pPr>
     </p:titleStyle>
     <p:bodyStyle>
-      <a:lvl1pPr marL="228598" indent="-228598" algn="l" defTabSz="914392" rtl="0" eaLnBrk="1" latinLnBrk="0" hangingPunct="1">
+      <a:lvl1pPr marL="180023" indent="-180023" algn="l" defTabSz="720090" rtl="0" eaLnBrk="1" latinLnBrk="0" hangingPunct="1">
         <a:lnSpc>
           <a:spcPct val="90000"/>
         </a:lnSpc>
         <a:spcBef>
-          <a:spcPts val="1000"/>
+          <a:spcPts val="788"/>
         </a:spcBef>
         <a:buFont typeface="Arial" panose="020B0604020202020204" pitchFamily="34" charset="0"/>
         <a:buChar char="•"/>
-        <a:defRPr kumimoji="1" sz="2800" kern="1200">
+        <a:defRPr kumimoji="1" sz="2205" kern="1200">
           <a:solidFill>
             <a:schemeClr val="tx1"/>
           </a:solidFill>
@@ -3381,16 +3385,16 @@
           <a:cs typeface="+mn-cs"/>
         </a:defRPr>
       </a:lvl1pPr>
-      <a:lvl2pPr marL="685794" indent="-228598" algn="l" defTabSz="914392" rtl="0" eaLnBrk="1" latinLnBrk="0" hangingPunct="1">
+      <a:lvl2pPr marL="540068" indent="-180023" algn="l" defTabSz="720090" rtl="0" eaLnBrk="1" latinLnBrk="0" hangingPunct="1">
         <a:lnSpc>
           <a:spcPct val="90000"/>
         </a:lnSpc>
         <a:spcBef>
-          <a:spcPts val="500"/>
+          <a:spcPts val="394"/>
         </a:spcBef>
         <a:buFont typeface="Arial" panose="020B0604020202020204" pitchFamily="34" charset="0"/>
         <a:buChar char="•"/>
-        <a:defRPr kumimoji="1" sz="2400" kern="1200">
+        <a:defRPr kumimoji="1" sz="1890" kern="1200">
           <a:solidFill>
             <a:schemeClr val="tx1"/>
           </a:solidFill>
@@ -3399,16 +3403,16 @@
           <a:cs typeface="+mn-cs"/>
         </a:defRPr>
       </a:lvl2pPr>
-      <a:lvl3pPr marL="1142990" indent="-228598" algn="l" defTabSz="914392" rtl="0" eaLnBrk="1" latinLnBrk="0" hangingPunct="1">
+      <a:lvl3pPr marL="900113" indent="-180023" algn="l" defTabSz="720090" rtl="0" eaLnBrk="1" latinLnBrk="0" hangingPunct="1">
         <a:lnSpc>
           <a:spcPct val="90000"/>
         </a:lnSpc>
         <a:spcBef>
-          <a:spcPts val="500"/>
+          <a:spcPts val="394"/>
         </a:spcBef>
         <a:buFont typeface="Arial" panose="020B0604020202020204" pitchFamily="34" charset="0"/>
         <a:buChar char="•"/>
-        <a:defRPr kumimoji="1" sz="2000" kern="1200">
+        <a:defRPr kumimoji="1" sz="1575" kern="1200">
           <a:solidFill>
             <a:schemeClr val="tx1"/>
           </a:solidFill>
@@ -3417,16 +3421,16 @@
           <a:cs typeface="+mn-cs"/>
         </a:defRPr>
       </a:lvl3pPr>
-      <a:lvl4pPr marL="1600185" indent="-228598" algn="l" defTabSz="914392" rtl="0" eaLnBrk="1" latinLnBrk="0" hangingPunct="1">
+      <a:lvl4pPr marL="1260158" indent="-180023" algn="l" defTabSz="720090" rtl="0" eaLnBrk="1" latinLnBrk="0" hangingPunct="1">
         <a:lnSpc>
           <a:spcPct val="90000"/>
         </a:lnSpc>
         <a:spcBef>
-          <a:spcPts val="500"/>
+          <a:spcPts val="394"/>
         </a:spcBef>
         <a:buFont typeface="Arial" panose="020B0604020202020204" pitchFamily="34" charset="0"/>
         <a:buChar char="•"/>
-        <a:defRPr kumimoji="1" sz="1800" kern="1200">
+        <a:defRPr kumimoji="1" sz="1418" kern="1200">
           <a:solidFill>
             <a:schemeClr val="tx1"/>
           </a:solidFill>
@@ -3435,16 +3439,16 @@
           <a:cs typeface="+mn-cs"/>
         </a:defRPr>
       </a:lvl4pPr>
-      <a:lvl5pPr marL="2057382" indent="-228598" algn="l" defTabSz="914392" rtl="0" eaLnBrk="1" latinLnBrk="0" hangingPunct="1">
+      <a:lvl5pPr marL="1620203" indent="-180023" algn="l" defTabSz="720090" rtl="0" eaLnBrk="1" latinLnBrk="0" hangingPunct="1">
         <a:lnSpc>
           <a:spcPct val="90000"/>
         </a:lnSpc>
         <a:spcBef>
-          <a:spcPts val="500"/>
+          <a:spcPts val="394"/>
         </a:spcBef>
         <a:buFont typeface="Arial" panose="020B0604020202020204" pitchFamily="34" charset="0"/>
         <a:buChar char="•"/>
-        <a:defRPr kumimoji="1" sz="1800" kern="1200">
+        <a:defRPr kumimoji="1" sz="1418" kern="1200">
           <a:solidFill>
             <a:schemeClr val="tx1"/>
           </a:solidFill>
@@ -3453,16 +3457,16 @@
           <a:cs typeface="+mn-cs"/>
         </a:defRPr>
       </a:lvl5pPr>
-      <a:lvl6pPr marL="2514577" indent="-228598" algn="l" defTabSz="914392" rtl="0" eaLnBrk="1" latinLnBrk="0" hangingPunct="1">
+      <a:lvl6pPr marL="1980248" indent="-180023" algn="l" defTabSz="720090" rtl="0" eaLnBrk="1" latinLnBrk="0" hangingPunct="1">
         <a:lnSpc>
           <a:spcPct val="90000"/>
         </a:lnSpc>
         <a:spcBef>
-          <a:spcPts val="500"/>
+          <a:spcPts val="394"/>
         </a:spcBef>
         <a:buFont typeface="Arial" panose="020B0604020202020204" pitchFamily="34" charset="0"/>
         <a:buChar char="•"/>
-        <a:defRPr kumimoji="1" sz="1800" kern="1200">
+        <a:defRPr kumimoji="1" sz="1418" kern="1200">
           <a:solidFill>
             <a:schemeClr val="tx1"/>
           </a:solidFill>
@@ -3471,16 +3475,16 @@
           <a:cs typeface="+mn-cs"/>
         </a:defRPr>
       </a:lvl6pPr>
-      <a:lvl7pPr marL="2971773" indent="-228598" algn="l" defTabSz="914392" rtl="0" eaLnBrk="1" latinLnBrk="0" hangingPunct="1">
+      <a:lvl7pPr marL="2340293" indent="-180023" algn="l" defTabSz="720090" rtl="0" eaLnBrk="1" latinLnBrk="0" hangingPunct="1">
         <a:lnSpc>
           <a:spcPct val="90000"/>
         </a:lnSpc>
         <a:spcBef>
-          <a:spcPts val="500"/>
+          <a:spcPts val="394"/>
         </a:spcBef>
         <a:buFont typeface="Arial" panose="020B0604020202020204" pitchFamily="34" charset="0"/>
         <a:buChar char="•"/>
-        <a:defRPr kumimoji="1" sz="1800" kern="1200">
+        <a:defRPr kumimoji="1" sz="1418" kern="1200">
           <a:solidFill>
             <a:schemeClr val="tx1"/>
           </a:solidFill>
@@ -3489,16 +3493,16 @@
           <a:cs typeface="+mn-cs"/>
         </a:defRPr>
       </a:lvl7pPr>
-      <a:lvl8pPr marL="3428970" indent="-228598" algn="l" defTabSz="914392" rtl="0" eaLnBrk="1" latinLnBrk="0" hangingPunct="1">
+      <a:lvl8pPr marL="2700338" indent="-180023" algn="l" defTabSz="720090" rtl="0" eaLnBrk="1" latinLnBrk="0" hangingPunct="1">
         <a:lnSpc>
           <a:spcPct val="90000"/>
         </a:lnSpc>
         <a:spcBef>
-          <a:spcPts val="500"/>
+          <a:spcPts val="394"/>
         </a:spcBef>
         <a:buFont typeface="Arial" panose="020B0604020202020204" pitchFamily="34" charset="0"/>
         <a:buChar char="•"/>
-        <a:defRPr kumimoji="1" sz="1800" kern="1200">
+        <a:defRPr kumimoji="1" sz="1418" kern="1200">
           <a:solidFill>
             <a:schemeClr val="tx1"/>
           </a:solidFill>
@@ -3507,16 +3511,16 @@
           <a:cs typeface="+mn-cs"/>
         </a:defRPr>
       </a:lvl8pPr>
-      <a:lvl9pPr marL="3886165" indent="-228598" algn="l" defTabSz="914392" rtl="0" eaLnBrk="1" latinLnBrk="0" hangingPunct="1">
+      <a:lvl9pPr marL="3060383" indent="-180023" algn="l" defTabSz="720090" rtl="0" eaLnBrk="1" latinLnBrk="0" hangingPunct="1">
         <a:lnSpc>
           <a:spcPct val="90000"/>
         </a:lnSpc>
         <a:spcBef>
-          <a:spcPts val="500"/>
+          <a:spcPts val="394"/>
         </a:spcBef>
         <a:buFont typeface="Arial" panose="020B0604020202020204" pitchFamily="34" charset="0"/>
         <a:buChar char="•"/>
-        <a:defRPr kumimoji="1" sz="1800" kern="1200">
+        <a:defRPr kumimoji="1" sz="1418" kern="1200">
           <a:solidFill>
             <a:schemeClr val="tx1"/>
           </a:solidFill>
@@ -3528,10 +3532,10 @@
     </p:bodyStyle>
     <p:otherStyle>
       <a:defPPr>
-        <a:defRPr lang="ja-JP"/>
+        <a:defRPr lang="en-US"/>
       </a:defPPr>
-      <a:lvl1pPr marL="0" algn="l" defTabSz="914392" rtl="0" eaLnBrk="1" latinLnBrk="0" hangingPunct="1">
-        <a:defRPr kumimoji="1" sz="1800" kern="1200">
+      <a:lvl1pPr marL="0" algn="l" defTabSz="720090" rtl="0" eaLnBrk="1" latinLnBrk="0" hangingPunct="1">
+        <a:defRPr kumimoji="1" sz="1418" kern="1200">
           <a:solidFill>
             <a:schemeClr val="tx1"/>
           </a:solidFill>
@@ -3540,8 +3544,8 @@
           <a:cs typeface="+mn-cs"/>
         </a:defRPr>
       </a:lvl1pPr>
-      <a:lvl2pPr marL="457195" algn="l" defTabSz="914392" rtl="0" eaLnBrk="1" latinLnBrk="0" hangingPunct="1">
-        <a:defRPr kumimoji="1" sz="1800" kern="1200">
+      <a:lvl2pPr marL="360045" algn="l" defTabSz="720090" rtl="0" eaLnBrk="1" latinLnBrk="0" hangingPunct="1">
+        <a:defRPr kumimoji="1" sz="1418" kern="1200">
           <a:solidFill>
             <a:schemeClr val="tx1"/>
           </a:solidFill>
@@ -3550,8 +3554,8 @@
           <a:cs typeface="+mn-cs"/>
         </a:defRPr>
       </a:lvl2pPr>
-      <a:lvl3pPr marL="914392" algn="l" defTabSz="914392" rtl="0" eaLnBrk="1" latinLnBrk="0" hangingPunct="1">
-        <a:defRPr kumimoji="1" sz="1800" kern="1200">
+      <a:lvl3pPr marL="720090" algn="l" defTabSz="720090" rtl="0" eaLnBrk="1" latinLnBrk="0" hangingPunct="1">
+        <a:defRPr kumimoji="1" sz="1418" kern="1200">
           <a:solidFill>
             <a:schemeClr val="tx1"/>
           </a:solidFill>
@@ -3560,8 +3564,8 @@
           <a:cs typeface="+mn-cs"/>
         </a:defRPr>
       </a:lvl3pPr>
-      <a:lvl4pPr marL="1371588" algn="l" defTabSz="914392" rtl="0" eaLnBrk="1" latinLnBrk="0" hangingPunct="1">
-        <a:defRPr kumimoji="1" sz="1800" kern="1200">
+      <a:lvl4pPr marL="1080135" algn="l" defTabSz="720090" rtl="0" eaLnBrk="1" latinLnBrk="0" hangingPunct="1">
+        <a:defRPr kumimoji="1" sz="1418" kern="1200">
           <a:solidFill>
             <a:schemeClr val="tx1"/>
           </a:solidFill>
@@ -3570,8 +3574,8 @@
           <a:cs typeface="+mn-cs"/>
         </a:defRPr>
       </a:lvl4pPr>
-      <a:lvl5pPr marL="1828783" algn="l" defTabSz="914392" rtl="0" eaLnBrk="1" latinLnBrk="0" hangingPunct="1">
-        <a:defRPr kumimoji="1" sz="1800" kern="1200">
+      <a:lvl5pPr marL="1440180" algn="l" defTabSz="720090" rtl="0" eaLnBrk="1" latinLnBrk="0" hangingPunct="1">
+        <a:defRPr kumimoji="1" sz="1418" kern="1200">
           <a:solidFill>
             <a:schemeClr val="tx1"/>
           </a:solidFill>
@@ -3580,8 +3584,8 @@
           <a:cs typeface="+mn-cs"/>
         </a:defRPr>
       </a:lvl5pPr>
-      <a:lvl6pPr marL="2285980" algn="l" defTabSz="914392" rtl="0" eaLnBrk="1" latinLnBrk="0" hangingPunct="1">
-        <a:defRPr kumimoji="1" sz="1800" kern="1200">
+      <a:lvl6pPr marL="1800225" algn="l" defTabSz="720090" rtl="0" eaLnBrk="1" latinLnBrk="0" hangingPunct="1">
+        <a:defRPr kumimoji="1" sz="1418" kern="1200">
           <a:solidFill>
             <a:schemeClr val="tx1"/>
           </a:solidFill>
@@ -3590,8 +3594,8 @@
           <a:cs typeface="+mn-cs"/>
         </a:defRPr>
       </a:lvl6pPr>
-      <a:lvl7pPr marL="2743175" algn="l" defTabSz="914392" rtl="0" eaLnBrk="1" latinLnBrk="0" hangingPunct="1">
-        <a:defRPr kumimoji="1" sz="1800" kern="1200">
+      <a:lvl7pPr marL="2160270" algn="l" defTabSz="720090" rtl="0" eaLnBrk="1" latinLnBrk="0" hangingPunct="1">
+        <a:defRPr kumimoji="1" sz="1418" kern="1200">
           <a:solidFill>
             <a:schemeClr val="tx1"/>
           </a:solidFill>
@@ -3600,8 +3604,8 @@
           <a:cs typeface="+mn-cs"/>
         </a:defRPr>
       </a:lvl7pPr>
-      <a:lvl8pPr marL="3200372" algn="l" defTabSz="914392" rtl="0" eaLnBrk="1" latinLnBrk="0" hangingPunct="1">
-        <a:defRPr kumimoji="1" sz="1800" kern="1200">
+      <a:lvl8pPr marL="2520315" algn="l" defTabSz="720090" rtl="0" eaLnBrk="1" latinLnBrk="0" hangingPunct="1">
+        <a:defRPr kumimoji="1" sz="1418" kern="1200">
           <a:solidFill>
             <a:schemeClr val="tx1"/>
           </a:solidFill>
@@ -3610,8 +3614,8 @@
           <a:cs typeface="+mn-cs"/>
         </a:defRPr>
       </a:lvl8pPr>
-      <a:lvl9pPr marL="3657567" algn="l" defTabSz="914392" rtl="0" eaLnBrk="1" latinLnBrk="0" hangingPunct="1">
-        <a:defRPr kumimoji="1" sz="1800" kern="1200">
+      <a:lvl9pPr marL="2880360" algn="l" defTabSz="720090" rtl="0" eaLnBrk="1" latinLnBrk="0" hangingPunct="1">
+        <a:defRPr kumimoji="1" sz="1418" kern="1200">
           <a:solidFill>
             <a:schemeClr val="tx1"/>
           </a:solidFill>
@@ -3642,1007 +3646,1049 @@
           <a:chExt cx="0" cy="0"/>
         </a:xfrm>
       </p:grpSpPr>
-      <p:sp>
-        <p:nvSpPr>
-          <p:cNvPr id="22" name="正方形/長方形 21"/>
-          <p:cNvSpPr/>
+      <p:grpSp>
+        <p:nvGrpSpPr>
+          <p:cNvPr id="4" name="グループ化 3"/>
+          <p:cNvGrpSpPr/>
           <p:nvPr/>
-        </p:nvSpPr>
-        <p:spPr>
+        </p:nvGrpSpPr>
+        <p:grpSpPr>
           <a:xfrm>
-            <a:off x="277584" y="4252683"/>
-            <a:ext cx="6188531" cy="1614716"/>
+            <a:off x="277585" y="108487"/>
+            <a:ext cx="11602360" cy="5199681"/>
+            <a:chOff x="277585" y="-563563"/>
+            <a:chExt cx="11602360" cy="6509654"/>
           </a:xfrm>
-          <a:prstGeom prst="rect">
-            <a:avLst/>
-          </a:prstGeom>
-          <a:ln>
-            <a:noFill/>
-          </a:ln>
-        </p:spPr>
-        <p:style>
-          <a:lnRef idx="2">
-            <a:schemeClr val="dk1"/>
-          </a:lnRef>
-          <a:fillRef idx="1">
-            <a:schemeClr val="lt1"/>
-          </a:fillRef>
-          <a:effectRef idx="0">
-            <a:schemeClr val="dk1"/>
-          </a:effectRef>
-          <a:fontRef idx="minor">
-            <a:schemeClr val="dk1"/>
-          </a:fontRef>
-        </p:style>
-        <p:txBody>
-          <a:bodyPr rtlCol="0" anchor="ctr"/>
-          <a:lstStyle/>
-          <a:p>
-            <a:pPr algn="ctr"/>
-            <a:r>
-              <a:rPr kumimoji="1" lang="en-US" altLang="ja-JP" sz="3600" dirty="0" smtClean="0">
+        </p:grpSpPr>
+        <p:sp>
+          <p:nvSpPr>
+            <p:cNvPr id="22" name="正方形/長方形 21"/>
+            <p:cNvSpPr/>
+            <p:nvPr/>
+          </p:nvSpPr>
+          <p:spPr>
+            <a:xfrm>
+              <a:off x="277585" y="3524020"/>
+              <a:ext cx="6188531" cy="1614716"/>
+            </a:xfrm>
+            <a:prstGeom prst="rect">
+              <a:avLst/>
+            </a:prstGeom>
+            <a:ln>
+              <a:noFill/>
+            </a:ln>
+          </p:spPr>
+          <p:style>
+            <a:lnRef idx="2">
+              <a:schemeClr val="dk1"/>
+            </a:lnRef>
+            <a:fillRef idx="1">
+              <a:schemeClr val="lt1"/>
+            </a:fillRef>
+            <a:effectRef idx="0">
+              <a:schemeClr val="dk1"/>
+            </a:effectRef>
+            <a:fontRef idx="minor">
+              <a:schemeClr val="dk1"/>
+            </a:fontRef>
+          </p:style>
+          <p:txBody>
+            <a:bodyPr rtlCol="0" anchor="ctr"/>
+            <a:lstStyle/>
+            <a:p>
+              <a:pPr algn="ctr"/>
+              <a:r>
+                <a:rPr lang="en-US" altLang="ja-JP" sz="3600" dirty="0">
+                  <a:latin typeface="メイリオ" panose="020B0604030504040204" pitchFamily="50" charset="-128"/>
+                  <a:ea typeface="メイリオ" panose="020B0604030504040204" pitchFamily="50" charset="-128"/>
+                </a:rPr>
+                <a:t>TOPPERS/ASP3</a:t>
+              </a:r>
+              <a:endParaRPr lang="ja-JP" altLang="en-US" sz="3600" dirty="0">
                 <a:latin typeface="メイリオ" panose="020B0604030504040204" pitchFamily="50" charset="-128"/>
                 <a:ea typeface="メイリオ" panose="020B0604030504040204" pitchFamily="50" charset="-128"/>
-              </a:rPr>
-              <a:t>TOPPERS/ASP3</a:t>
-            </a:r>
-            <a:endParaRPr kumimoji="1" lang="ja-JP" altLang="en-US" sz="3600" dirty="0">
-              <a:latin typeface="メイリオ" panose="020B0604030504040204" pitchFamily="50" charset="-128"/>
-              <a:ea typeface="メイリオ" panose="020B0604030504040204" pitchFamily="50" charset="-128"/>
-            </a:endParaRPr>
-          </a:p>
-        </p:txBody>
-      </p:sp>
-      <p:sp>
-        <p:nvSpPr>
-          <p:cNvPr id="20" name="正方形/長方形 19"/>
-          <p:cNvSpPr/>
-          <p:nvPr/>
-        </p:nvSpPr>
-        <p:spPr>
-          <a:xfrm>
-            <a:off x="277586" y="972457"/>
-            <a:ext cx="11595101" cy="4894941"/>
-          </a:xfrm>
-          <a:prstGeom prst="rect">
-            <a:avLst/>
-          </a:prstGeom>
-          <a:noFill/>
-        </p:spPr>
-        <p:style>
-          <a:lnRef idx="2">
-            <a:schemeClr val="dk1"/>
-          </a:lnRef>
-          <a:fillRef idx="1">
-            <a:schemeClr val="lt1"/>
-          </a:fillRef>
-          <a:effectRef idx="0">
-            <a:schemeClr val="dk1"/>
-          </a:effectRef>
-          <a:fontRef idx="minor">
-            <a:schemeClr val="dk1"/>
-          </a:fontRef>
-        </p:style>
-        <p:txBody>
-          <a:bodyPr rtlCol="0" anchor="ctr"/>
-          <a:lstStyle/>
-          <a:p>
-            <a:pPr algn="ctr"/>
-            <a:endParaRPr kumimoji="1" lang="ja-JP" altLang="en-US" sz="2000" dirty="0">
-              <a:latin typeface="メイリオ" panose="020B0604030504040204" pitchFamily="50" charset="-128"/>
-              <a:ea typeface="メイリオ" panose="020B0604030504040204" pitchFamily="50" charset="-128"/>
-            </a:endParaRPr>
-          </a:p>
-        </p:txBody>
-      </p:sp>
-      <p:sp>
-        <p:nvSpPr>
-          <p:cNvPr id="2" name="正方形/長方形 1"/>
-          <p:cNvSpPr/>
-          <p:nvPr/>
-        </p:nvSpPr>
-        <p:spPr>
-          <a:xfrm>
-            <a:off x="277586" y="165100"/>
-            <a:ext cx="11580586" cy="807357"/>
-          </a:xfrm>
-          <a:prstGeom prst="rect">
-            <a:avLst/>
-          </a:prstGeom>
-        </p:spPr>
-        <p:style>
-          <a:lnRef idx="2">
-            <a:schemeClr val="dk1"/>
-          </a:lnRef>
-          <a:fillRef idx="1">
-            <a:schemeClr val="lt1"/>
-          </a:fillRef>
-          <a:effectRef idx="0">
-            <a:schemeClr val="dk1"/>
-          </a:effectRef>
-          <a:fontRef idx="minor">
-            <a:schemeClr val="dk1"/>
-          </a:fontRef>
-        </p:style>
-        <p:txBody>
-          <a:bodyPr rtlCol="0" anchor="ctr"/>
-          <a:lstStyle/>
-          <a:p>
-            <a:pPr algn="ctr"/>
-            <a:r>
-              <a:rPr kumimoji="1" lang="en-US" altLang="ja-JP" sz="3600" dirty="0" smtClean="0">
+              </a:endParaRPr>
+            </a:p>
+          </p:txBody>
+        </p:sp>
+        <p:sp>
+          <p:nvSpPr>
+            <p:cNvPr id="20" name="正方形/長方形 19"/>
+            <p:cNvSpPr/>
+            <p:nvPr/>
+          </p:nvSpPr>
+          <p:spPr>
+            <a:xfrm>
+              <a:off x="277587" y="243795"/>
+              <a:ext cx="11595101" cy="4894941"/>
+            </a:xfrm>
+            <a:prstGeom prst="rect">
+              <a:avLst/>
+            </a:prstGeom>
+            <a:noFill/>
+          </p:spPr>
+          <p:style>
+            <a:lnRef idx="2">
+              <a:schemeClr val="dk1"/>
+            </a:lnRef>
+            <a:fillRef idx="1">
+              <a:schemeClr val="lt1"/>
+            </a:fillRef>
+            <a:effectRef idx="0">
+              <a:schemeClr val="dk1"/>
+            </a:effectRef>
+            <a:fontRef idx="minor">
+              <a:schemeClr val="dk1"/>
+            </a:fontRef>
+          </p:style>
+          <p:txBody>
+            <a:bodyPr rtlCol="0" anchor="ctr"/>
+            <a:lstStyle/>
+            <a:p>
+              <a:pPr algn="ctr"/>
+              <a:endParaRPr lang="ja-JP" altLang="en-US" sz="2000" dirty="0">
                 <a:latin typeface="メイリオ" panose="020B0604030504040204" pitchFamily="50" charset="-128"/>
                 <a:ea typeface="メイリオ" panose="020B0604030504040204" pitchFamily="50" charset="-128"/>
-              </a:rPr>
-              <a:t>Application</a:t>
-            </a:r>
-            <a:endParaRPr kumimoji="1" lang="ja-JP" altLang="en-US" sz="3600" dirty="0">
-              <a:latin typeface="メイリオ" panose="020B0604030504040204" pitchFamily="50" charset="-128"/>
-              <a:ea typeface="メイリオ" panose="020B0604030504040204" pitchFamily="50" charset="-128"/>
-            </a:endParaRPr>
-          </a:p>
-        </p:txBody>
-      </p:sp>
-      <p:sp>
-        <p:nvSpPr>
-          <p:cNvPr id="12" name="正方形/長方形 11"/>
-          <p:cNvSpPr/>
-          <p:nvPr/>
-        </p:nvSpPr>
-        <p:spPr>
-          <a:xfrm>
-            <a:off x="3222172" y="972457"/>
-            <a:ext cx="8636000" cy="807357"/>
-          </a:xfrm>
-          <a:prstGeom prst="rect">
-            <a:avLst/>
-          </a:prstGeom>
-        </p:spPr>
-        <p:style>
-          <a:lnRef idx="2">
-            <a:schemeClr val="dk1"/>
-          </a:lnRef>
-          <a:fillRef idx="1">
-            <a:schemeClr val="lt1"/>
-          </a:fillRef>
-          <a:effectRef idx="0">
-            <a:schemeClr val="dk1"/>
-          </a:effectRef>
-          <a:fontRef idx="minor">
-            <a:schemeClr val="dk1"/>
-          </a:fontRef>
-        </p:style>
-        <p:txBody>
-          <a:bodyPr rtlCol="0" anchor="ctr"/>
-          <a:lstStyle/>
-          <a:p>
-            <a:pPr algn="ctr"/>
-            <a:r>
-              <a:rPr kumimoji="1" lang="en-US" altLang="ja-JP" sz="3200" dirty="0" smtClean="0">
+              </a:endParaRPr>
+            </a:p>
+          </p:txBody>
+        </p:sp>
+        <p:sp>
+          <p:nvSpPr>
+            <p:cNvPr id="2" name="正方形/長方形 1"/>
+            <p:cNvSpPr/>
+            <p:nvPr/>
+          </p:nvSpPr>
+          <p:spPr>
+            <a:xfrm>
+              <a:off x="277586" y="-563563"/>
+              <a:ext cx="11580586" cy="807357"/>
+            </a:xfrm>
+            <a:prstGeom prst="rect">
+              <a:avLst/>
+            </a:prstGeom>
+          </p:spPr>
+          <p:style>
+            <a:lnRef idx="2">
+              <a:schemeClr val="dk1"/>
+            </a:lnRef>
+            <a:fillRef idx="1">
+              <a:schemeClr val="lt1"/>
+            </a:fillRef>
+            <a:effectRef idx="0">
+              <a:schemeClr val="dk1"/>
+            </a:effectRef>
+            <a:fontRef idx="minor">
+              <a:schemeClr val="dk1"/>
+            </a:fontRef>
+          </p:style>
+          <p:txBody>
+            <a:bodyPr rtlCol="0" anchor="ctr"/>
+            <a:lstStyle/>
+            <a:p>
+              <a:pPr algn="ctr"/>
+              <a:r>
+                <a:rPr lang="en-US" altLang="ja-JP" sz="3600" dirty="0">
+                  <a:latin typeface="メイリオ" panose="020B0604030504040204" pitchFamily="50" charset="-128"/>
+                  <a:ea typeface="メイリオ" panose="020B0604030504040204" pitchFamily="50" charset="-128"/>
+                </a:rPr>
+                <a:t>Application</a:t>
+              </a:r>
+              <a:endParaRPr lang="ja-JP" altLang="en-US" sz="3600" dirty="0">
                 <a:latin typeface="メイリオ" panose="020B0604030504040204" pitchFamily="50" charset="-128"/>
                 <a:ea typeface="メイリオ" panose="020B0604030504040204" pitchFamily="50" charset="-128"/>
-              </a:rPr>
-              <a:t>ITRON TCP/IP API</a:t>
-            </a:r>
-            <a:endParaRPr kumimoji="1" lang="ja-JP" altLang="en-US" sz="3200" dirty="0">
-              <a:latin typeface="メイリオ" panose="020B0604030504040204" pitchFamily="50" charset="-128"/>
-              <a:ea typeface="メイリオ" panose="020B0604030504040204" pitchFamily="50" charset="-128"/>
-            </a:endParaRPr>
-          </a:p>
-        </p:txBody>
-      </p:sp>
-      <p:sp>
-        <p:nvSpPr>
-          <p:cNvPr id="13" name="正方形/長方形 12"/>
-          <p:cNvSpPr/>
-          <p:nvPr/>
-        </p:nvSpPr>
-        <p:spPr>
-          <a:xfrm>
-            <a:off x="7532914" y="1779814"/>
-            <a:ext cx="4325257" cy="807357"/>
-          </a:xfrm>
-          <a:prstGeom prst="rect">
-            <a:avLst/>
-          </a:prstGeom>
-        </p:spPr>
-        <p:style>
-          <a:lnRef idx="2">
-            <a:schemeClr val="dk1"/>
-          </a:lnRef>
-          <a:fillRef idx="1">
-            <a:schemeClr val="lt1"/>
-          </a:fillRef>
-          <a:effectRef idx="0">
-            <a:schemeClr val="dk1"/>
-          </a:effectRef>
-          <a:fontRef idx="minor">
-            <a:schemeClr val="dk1"/>
-          </a:fontRef>
-        </p:style>
-        <p:txBody>
-          <a:bodyPr rtlCol="0" anchor="ctr"/>
-          <a:lstStyle/>
-          <a:p>
-            <a:pPr algn="ctr"/>
-            <a:r>
-              <a:rPr kumimoji="1" lang="en-US" altLang="ja-JP" sz="3600" dirty="0" smtClean="0">
+              </a:endParaRPr>
+            </a:p>
+          </p:txBody>
+        </p:sp>
+        <p:sp>
+          <p:nvSpPr>
+            <p:cNvPr id="12" name="正方形/長方形 11"/>
+            <p:cNvSpPr/>
+            <p:nvPr/>
+          </p:nvSpPr>
+          <p:spPr>
+            <a:xfrm>
+              <a:off x="3222172" y="243795"/>
+              <a:ext cx="8636000" cy="807357"/>
+            </a:xfrm>
+            <a:prstGeom prst="rect">
+              <a:avLst/>
+            </a:prstGeom>
+          </p:spPr>
+          <p:style>
+            <a:lnRef idx="2">
+              <a:schemeClr val="dk1"/>
+            </a:lnRef>
+            <a:fillRef idx="1">
+              <a:schemeClr val="lt1"/>
+            </a:fillRef>
+            <a:effectRef idx="0">
+              <a:schemeClr val="dk1"/>
+            </a:effectRef>
+            <a:fontRef idx="minor">
+              <a:schemeClr val="dk1"/>
+            </a:fontRef>
+          </p:style>
+          <p:txBody>
+            <a:bodyPr rtlCol="0" anchor="ctr"/>
+            <a:lstStyle/>
+            <a:p>
+              <a:pPr algn="ctr"/>
+              <a:r>
+                <a:rPr lang="en-US" altLang="ja-JP" sz="3200" dirty="0">
+                  <a:latin typeface="メイリオ" panose="020B0604030504040204" pitchFamily="50" charset="-128"/>
+                  <a:ea typeface="メイリオ" panose="020B0604030504040204" pitchFamily="50" charset="-128"/>
+                </a:rPr>
+                <a:t>ITRON TCP/IP API</a:t>
+              </a:r>
+              <a:endParaRPr lang="ja-JP" altLang="en-US" sz="3200" dirty="0">
                 <a:latin typeface="メイリオ" panose="020B0604030504040204" pitchFamily="50" charset="-128"/>
                 <a:ea typeface="メイリオ" panose="020B0604030504040204" pitchFamily="50" charset="-128"/>
-              </a:rPr>
-              <a:t>TCP</a:t>
-            </a:r>
-            <a:endParaRPr kumimoji="1" lang="ja-JP" altLang="en-US" sz="2000" dirty="0">
-              <a:latin typeface="メイリオ" panose="020B0604030504040204" pitchFamily="50" charset="-128"/>
-              <a:ea typeface="メイリオ" panose="020B0604030504040204" pitchFamily="50" charset="-128"/>
-            </a:endParaRPr>
-          </a:p>
-        </p:txBody>
-      </p:sp>
-      <p:sp>
-        <p:nvSpPr>
-          <p:cNvPr id="14" name="正方形/長方形 13"/>
-          <p:cNvSpPr/>
-          <p:nvPr/>
-        </p:nvSpPr>
-        <p:spPr>
-          <a:xfrm>
-            <a:off x="3222172" y="1779814"/>
-            <a:ext cx="4325257" cy="807357"/>
-          </a:xfrm>
-          <a:prstGeom prst="rect">
-            <a:avLst/>
-          </a:prstGeom>
-        </p:spPr>
-        <p:style>
-          <a:lnRef idx="2">
-            <a:schemeClr val="dk1"/>
-          </a:lnRef>
-          <a:fillRef idx="1">
-            <a:schemeClr val="lt1"/>
-          </a:fillRef>
-          <a:effectRef idx="0">
-            <a:schemeClr val="dk1"/>
-          </a:effectRef>
-          <a:fontRef idx="minor">
-            <a:schemeClr val="dk1"/>
-          </a:fontRef>
-        </p:style>
-        <p:txBody>
-          <a:bodyPr rtlCol="0" anchor="ctr"/>
-          <a:lstStyle/>
-          <a:p>
-            <a:pPr algn="ctr"/>
-            <a:r>
-              <a:rPr kumimoji="1" lang="en-US" altLang="ja-JP" sz="3600" dirty="0" smtClean="0">
+              </a:endParaRPr>
+            </a:p>
+          </p:txBody>
+        </p:sp>
+        <p:sp>
+          <p:nvSpPr>
+            <p:cNvPr id="13" name="正方形/長方形 12"/>
+            <p:cNvSpPr/>
+            <p:nvPr/>
+          </p:nvSpPr>
+          <p:spPr>
+            <a:xfrm>
+              <a:off x="7532915" y="1051152"/>
+              <a:ext cx="4325257" cy="807357"/>
+            </a:xfrm>
+            <a:prstGeom prst="rect">
+              <a:avLst/>
+            </a:prstGeom>
+          </p:spPr>
+          <p:style>
+            <a:lnRef idx="2">
+              <a:schemeClr val="dk1"/>
+            </a:lnRef>
+            <a:fillRef idx="1">
+              <a:schemeClr val="lt1"/>
+            </a:fillRef>
+            <a:effectRef idx="0">
+              <a:schemeClr val="dk1"/>
+            </a:effectRef>
+            <a:fontRef idx="minor">
+              <a:schemeClr val="dk1"/>
+            </a:fontRef>
+          </p:style>
+          <p:txBody>
+            <a:bodyPr rtlCol="0" anchor="ctr"/>
+            <a:lstStyle/>
+            <a:p>
+              <a:pPr algn="ctr"/>
+              <a:r>
+                <a:rPr lang="en-US" altLang="ja-JP" sz="3600" dirty="0">
+                  <a:latin typeface="メイリオ" panose="020B0604030504040204" pitchFamily="50" charset="-128"/>
+                  <a:ea typeface="メイリオ" panose="020B0604030504040204" pitchFamily="50" charset="-128"/>
+                </a:rPr>
+                <a:t>TCP</a:t>
+              </a:r>
+              <a:endParaRPr lang="ja-JP" altLang="en-US" sz="2000" dirty="0">
                 <a:latin typeface="メイリオ" panose="020B0604030504040204" pitchFamily="50" charset="-128"/>
                 <a:ea typeface="メイリオ" panose="020B0604030504040204" pitchFamily="50" charset="-128"/>
-              </a:rPr>
-              <a:t>UDP</a:t>
-            </a:r>
-            <a:endParaRPr kumimoji="1" lang="ja-JP" altLang="en-US" sz="2000" dirty="0">
-              <a:latin typeface="メイリオ" panose="020B0604030504040204" pitchFamily="50" charset="-128"/>
-              <a:ea typeface="メイリオ" panose="020B0604030504040204" pitchFamily="50" charset="-128"/>
-            </a:endParaRPr>
-          </a:p>
-        </p:txBody>
-      </p:sp>
-      <p:sp>
-        <p:nvSpPr>
-          <p:cNvPr id="15" name="正方形/長方形 14"/>
-          <p:cNvSpPr/>
-          <p:nvPr/>
-        </p:nvSpPr>
-        <p:spPr>
-          <a:xfrm>
-            <a:off x="3222172" y="2587171"/>
-            <a:ext cx="8635999" cy="1665515"/>
-          </a:xfrm>
-          <a:prstGeom prst="rect">
-            <a:avLst/>
-          </a:prstGeom>
-        </p:spPr>
-        <p:style>
-          <a:lnRef idx="2">
-            <a:schemeClr val="dk1"/>
-          </a:lnRef>
-          <a:fillRef idx="1">
-            <a:schemeClr val="lt1"/>
-          </a:fillRef>
-          <a:effectRef idx="0">
-            <a:schemeClr val="dk1"/>
-          </a:effectRef>
-          <a:fontRef idx="minor">
-            <a:schemeClr val="dk1"/>
-          </a:fontRef>
-        </p:style>
-        <p:txBody>
-          <a:bodyPr rtlCol="0" anchor="ctr"/>
-          <a:lstStyle/>
-          <a:p>
-            <a:r>
-              <a:rPr kumimoji="1" lang="en-US" altLang="ja-JP" sz="3600" dirty="0" smtClean="0">
+              </a:endParaRPr>
+            </a:p>
+          </p:txBody>
+        </p:sp>
+        <p:sp>
+          <p:nvSpPr>
+            <p:cNvPr id="14" name="正方形/長方形 13"/>
+            <p:cNvSpPr/>
+            <p:nvPr/>
+          </p:nvSpPr>
+          <p:spPr>
+            <a:xfrm>
+              <a:off x="3222173" y="1051152"/>
+              <a:ext cx="4325257" cy="807357"/>
+            </a:xfrm>
+            <a:prstGeom prst="rect">
+              <a:avLst/>
+            </a:prstGeom>
+          </p:spPr>
+          <p:style>
+            <a:lnRef idx="2">
+              <a:schemeClr val="dk1"/>
+            </a:lnRef>
+            <a:fillRef idx="1">
+              <a:schemeClr val="lt1"/>
+            </a:fillRef>
+            <a:effectRef idx="0">
+              <a:schemeClr val="dk1"/>
+            </a:effectRef>
+            <a:fontRef idx="minor">
+              <a:schemeClr val="dk1"/>
+            </a:fontRef>
+          </p:style>
+          <p:txBody>
+            <a:bodyPr rtlCol="0" anchor="ctr"/>
+            <a:lstStyle/>
+            <a:p>
+              <a:pPr algn="ctr"/>
+              <a:r>
+                <a:rPr lang="en-US" altLang="ja-JP" sz="3600" dirty="0">
+                  <a:latin typeface="メイリオ" panose="020B0604030504040204" pitchFamily="50" charset="-128"/>
+                  <a:ea typeface="メイリオ" panose="020B0604030504040204" pitchFamily="50" charset="-128"/>
+                </a:rPr>
+                <a:t>UDP</a:t>
+              </a:r>
+              <a:endParaRPr lang="ja-JP" altLang="en-US" sz="2000" dirty="0">
                 <a:latin typeface="メイリオ" panose="020B0604030504040204" pitchFamily="50" charset="-128"/>
                 <a:ea typeface="メイリオ" panose="020B0604030504040204" pitchFamily="50" charset="-128"/>
-              </a:rPr>
-              <a:t>		IPv4 or IPv6</a:t>
-            </a:r>
-          </a:p>
-          <a:p>
-            <a:pPr algn="ctr"/>
-            <a:endParaRPr lang="en-US" altLang="ja-JP" sz="2000" dirty="0">
-              <a:latin typeface="メイリオ" panose="020B0604030504040204" pitchFamily="50" charset="-128"/>
-              <a:ea typeface="メイリオ" panose="020B0604030504040204" pitchFamily="50" charset="-128"/>
-            </a:endParaRPr>
-          </a:p>
-          <a:p>
-            <a:pPr algn="ctr"/>
-            <a:endParaRPr kumimoji="1" lang="en-US" altLang="ja-JP" sz="2000" dirty="0" smtClean="0">
-              <a:latin typeface="メイリオ" panose="020B0604030504040204" pitchFamily="50" charset="-128"/>
-              <a:ea typeface="メイリオ" panose="020B0604030504040204" pitchFamily="50" charset="-128"/>
-            </a:endParaRPr>
-          </a:p>
-          <a:p>
-            <a:pPr algn="ctr"/>
-            <a:endParaRPr kumimoji="1" lang="ja-JP" altLang="en-US" sz="2000" dirty="0">
-              <a:latin typeface="メイリオ" panose="020B0604030504040204" pitchFamily="50" charset="-128"/>
-              <a:ea typeface="メイリオ" panose="020B0604030504040204" pitchFamily="50" charset="-128"/>
-            </a:endParaRPr>
-          </a:p>
-        </p:txBody>
-      </p:sp>
-      <p:sp>
-        <p:nvSpPr>
-          <p:cNvPr id="16" name="正方形/長方形 15"/>
-          <p:cNvSpPr/>
-          <p:nvPr/>
-        </p:nvSpPr>
-        <p:spPr>
-          <a:xfrm>
-            <a:off x="8969829" y="2587170"/>
-            <a:ext cx="2888342" cy="807357"/>
-          </a:xfrm>
-          <a:prstGeom prst="rect">
-            <a:avLst/>
-          </a:prstGeom>
-        </p:spPr>
-        <p:style>
-          <a:lnRef idx="2">
-            <a:schemeClr val="dk1"/>
-          </a:lnRef>
-          <a:fillRef idx="1">
-            <a:schemeClr val="lt1"/>
-          </a:fillRef>
-          <a:effectRef idx="0">
-            <a:schemeClr val="dk1"/>
-          </a:effectRef>
-          <a:fontRef idx="minor">
-            <a:schemeClr val="dk1"/>
-          </a:fontRef>
-        </p:style>
-        <p:txBody>
-          <a:bodyPr rtlCol="0" anchor="ctr"/>
-          <a:lstStyle/>
-          <a:p>
-            <a:pPr algn="ctr"/>
-            <a:r>
-              <a:rPr kumimoji="1" lang="en-US" altLang="ja-JP" sz="2400" dirty="0" smtClean="0">
+              </a:endParaRPr>
+            </a:p>
+          </p:txBody>
+        </p:sp>
+        <p:sp>
+          <p:nvSpPr>
+            <p:cNvPr id="15" name="正方形/長方形 14"/>
+            <p:cNvSpPr/>
+            <p:nvPr/>
+          </p:nvSpPr>
+          <p:spPr>
+            <a:xfrm>
+              <a:off x="3222173" y="1858509"/>
+              <a:ext cx="8635999" cy="1665515"/>
+            </a:xfrm>
+            <a:prstGeom prst="rect">
+              <a:avLst/>
+            </a:prstGeom>
+          </p:spPr>
+          <p:style>
+            <a:lnRef idx="2">
+              <a:schemeClr val="dk1"/>
+            </a:lnRef>
+            <a:fillRef idx="1">
+              <a:schemeClr val="lt1"/>
+            </a:fillRef>
+            <a:effectRef idx="0">
+              <a:schemeClr val="dk1"/>
+            </a:effectRef>
+            <a:fontRef idx="minor">
+              <a:schemeClr val="dk1"/>
+            </a:fontRef>
+          </p:style>
+          <p:txBody>
+            <a:bodyPr rtlCol="0" anchor="ctr"/>
+            <a:lstStyle/>
+            <a:p>
+              <a:r>
+                <a:rPr lang="en-US" altLang="ja-JP" sz="3600" dirty="0">
+                  <a:latin typeface="メイリオ" panose="020B0604030504040204" pitchFamily="50" charset="-128"/>
+                  <a:ea typeface="メイリオ" panose="020B0604030504040204" pitchFamily="50" charset="-128"/>
+                </a:rPr>
+                <a:t>		</a:t>
+              </a:r>
+              <a:endParaRPr lang="en-US" altLang="ja-JP" sz="3600" dirty="0" smtClean="0">
                 <a:latin typeface="メイリオ" panose="020B0604030504040204" pitchFamily="50" charset="-128"/>
                 <a:ea typeface="メイリオ" panose="020B0604030504040204" pitchFamily="50" charset="-128"/>
-              </a:rPr>
-              <a:t>ICMP or ICMPv6</a:t>
-            </a:r>
-            <a:endParaRPr kumimoji="1" lang="ja-JP" altLang="en-US" sz="2400" dirty="0">
-              <a:latin typeface="メイリオ" panose="020B0604030504040204" pitchFamily="50" charset="-128"/>
-              <a:ea typeface="メイリオ" panose="020B0604030504040204" pitchFamily="50" charset="-128"/>
-            </a:endParaRPr>
-          </a:p>
-        </p:txBody>
-      </p:sp>
-      <p:sp>
-        <p:nvSpPr>
-          <p:cNvPr id="17" name="正方形/長方形 16"/>
-          <p:cNvSpPr/>
-          <p:nvPr/>
-        </p:nvSpPr>
-        <p:spPr>
-          <a:xfrm>
-            <a:off x="6480631" y="3445328"/>
-            <a:ext cx="2148112" cy="807357"/>
-          </a:xfrm>
-          <a:prstGeom prst="rect">
-            <a:avLst/>
-          </a:prstGeom>
-        </p:spPr>
-        <p:style>
-          <a:lnRef idx="2">
-            <a:schemeClr val="dk1"/>
-          </a:lnRef>
-          <a:fillRef idx="1">
-            <a:schemeClr val="lt1"/>
-          </a:fillRef>
-          <a:effectRef idx="0">
-            <a:schemeClr val="dk1"/>
-          </a:effectRef>
-          <a:fontRef idx="minor">
-            <a:schemeClr val="dk1"/>
-          </a:fontRef>
-        </p:style>
-        <p:txBody>
-          <a:bodyPr rtlCol="0" anchor="ctr"/>
-          <a:lstStyle/>
-          <a:p>
-            <a:pPr algn="ctr"/>
-            <a:r>
-              <a:rPr kumimoji="1" lang="en-US" altLang="ja-JP" sz="3600" dirty="0" smtClean="0">
+              </a:endParaRPr>
+            </a:p>
+            <a:p>
+              <a:r>
+                <a:rPr lang="en-US" altLang="ja-JP" sz="3600" dirty="0">
+                  <a:latin typeface="メイリオ" panose="020B0604030504040204" pitchFamily="50" charset="-128"/>
+                  <a:ea typeface="メイリオ" panose="020B0604030504040204" pitchFamily="50" charset="-128"/>
+                </a:rPr>
+                <a:t>	</a:t>
+              </a:r>
+              <a:r>
+                <a:rPr lang="en-US" altLang="ja-JP" sz="3600" dirty="0" smtClean="0">
+                  <a:latin typeface="メイリオ" panose="020B0604030504040204" pitchFamily="50" charset="-128"/>
+                  <a:ea typeface="メイリオ" panose="020B0604030504040204" pitchFamily="50" charset="-128"/>
+                </a:rPr>
+                <a:t>		IPv4 </a:t>
+              </a:r>
+              <a:r>
+                <a:rPr lang="en-US" altLang="ja-JP" sz="3600" dirty="0">
+                  <a:latin typeface="メイリオ" panose="020B0604030504040204" pitchFamily="50" charset="-128"/>
+                  <a:ea typeface="メイリオ" panose="020B0604030504040204" pitchFamily="50" charset="-128"/>
+                </a:rPr>
+                <a:t>or IPv6</a:t>
+              </a:r>
+            </a:p>
+            <a:p>
+              <a:pPr algn="ctr"/>
+              <a:endParaRPr lang="en-US" altLang="ja-JP" sz="2000" dirty="0">
                 <a:latin typeface="メイリオ" panose="020B0604030504040204" pitchFamily="50" charset="-128"/>
                 <a:ea typeface="メイリオ" panose="020B0604030504040204" pitchFamily="50" charset="-128"/>
-              </a:rPr>
-              <a:t>ARP</a:t>
-            </a:r>
-            <a:endParaRPr kumimoji="1" lang="ja-JP" altLang="en-US" sz="2000" dirty="0">
-              <a:latin typeface="メイリオ" panose="020B0604030504040204" pitchFamily="50" charset="-128"/>
-              <a:ea typeface="メイリオ" panose="020B0604030504040204" pitchFamily="50" charset="-128"/>
-            </a:endParaRPr>
-          </a:p>
-        </p:txBody>
-      </p:sp>
-      <p:sp>
-        <p:nvSpPr>
-          <p:cNvPr id="18" name="正方形/長方形 17"/>
-          <p:cNvSpPr/>
-          <p:nvPr/>
-        </p:nvSpPr>
-        <p:spPr>
-          <a:xfrm>
-            <a:off x="6480631" y="4252686"/>
-            <a:ext cx="5392056" cy="807357"/>
-          </a:xfrm>
-          <a:prstGeom prst="rect">
-            <a:avLst/>
-          </a:prstGeom>
-        </p:spPr>
-        <p:style>
-          <a:lnRef idx="2">
-            <a:schemeClr val="dk1"/>
-          </a:lnRef>
-          <a:fillRef idx="1">
-            <a:schemeClr val="lt1"/>
-          </a:fillRef>
-          <a:effectRef idx="0">
-            <a:schemeClr val="dk1"/>
-          </a:effectRef>
-          <a:fontRef idx="minor">
-            <a:schemeClr val="dk1"/>
-          </a:fontRef>
-        </p:style>
-        <p:txBody>
-          <a:bodyPr rtlCol="0" anchor="ctr"/>
-          <a:lstStyle/>
-          <a:p>
-            <a:pPr algn="ctr"/>
-            <a:r>
-              <a:rPr kumimoji="1" lang="en-US" altLang="ja-JP" sz="3600" dirty="0" smtClean="0">
+              </a:endParaRPr>
+            </a:p>
+            <a:p>
+              <a:pPr algn="ctr"/>
+              <a:endParaRPr lang="en-US" altLang="ja-JP" sz="2000" dirty="0">
                 <a:latin typeface="メイリオ" panose="020B0604030504040204" pitchFamily="50" charset="-128"/>
                 <a:ea typeface="メイリオ" panose="020B0604030504040204" pitchFamily="50" charset="-128"/>
-              </a:rPr>
-              <a:t>Ethernet</a:t>
-            </a:r>
-            <a:endParaRPr kumimoji="1" lang="ja-JP" altLang="en-US" sz="3600" dirty="0">
-              <a:latin typeface="メイリオ" panose="020B0604030504040204" pitchFamily="50" charset="-128"/>
-              <a:ea typeface="メイリオ" panose="020B0604030504040204" pitchFamily="50" charset="-128"/>
-            </a:endParaRPr>
-          </a:p>
-        </p:txBody>
-      </p:sp>
-      <p:sp>
-        <p:nvSpPr>
-          <p:cNvPr id="19" name="正方形/長方形 18"/>
-          <p:cNvSpPr/>
-          <p:nvPr/>
-        </p:nvSpPr>
-        <p:spPr>
-          <a:xfrm>
-            <a:off x="8258629" y="5060042"/>
-            <a:ext cx="3614058" cy="807357"/>
-          </a:xfrm>
-          <a:prstGeom prst="rect">
-            <a:avLst/>
-          </a:prstGeom>
-        </p:spPr>
-        <p:style>
-          <a:lnRef idx="2">
-            <a:schemeClr val="dk1"/>
-          </a:lnRef>
-          <a:fillRef idx="1">
-            <a:schemeClr val="lt1"/>
-          </a:fillRef>
-          <a:effectRef idx="0">
-            <a:schemeClr val="dk1"/>
-          </a:effectRef>
-          <a:fontRef idx="minor">
-            <a:schemeClr val="dk1"/>
-          </a:fontRef>
-        </p:style>
-        <p:txBody>
-          <a:bodyPr rtlCol="0" anchor="ctr"/>
-          <a:lstStyle/>
-          <a:p>
-            <a:pPr algn="ctr"/>
-            <a:r>
-              <a:rPr kumimoji="1" lang="en-US" altLang="ja-JP" sz="3600" dirty="0" smtClean="0">
+              </a:endParaRPr>
+            </a:p>
+            <a:p>
+              <a:pPr algn="ctr"/>
+              <a:endParaRPr lang="ja-JP" altLang="en-US" sz="2000" dirty="0">
                 <a:latin typeface="メイリオ" panose="020B0604030504040204" pitchFamily="50" charset="-128"/>
                 <a:ea typeface="メイリオ" panose="020B0604030504040204" pitchFamily="50" charset="-128"/>
-              </a:rPr>
-              <a:t>NIC Driver</a:t>
-            </a:r>
-            <a:endParaRPr kumimoji="1" lang="ja-JP" altLang="en-US" sz="2000" dirty="0">
-              <a:latin typeface="メイリオ" panose="020B0604030504040204" pitchFamily="50" charset="-128"/>
-              <a:ea typeface="メイリオ" panose="020B0604030504040204" pitchFamily="50" charset="-128"/>
-            </a:endParaRPr>
-          </a:p>
-        </p:txBody>
-      </p:sp>
-      <p:sp>
-        <p:nvSpPr>
-          <p:cNvPr id="21" name="正方形/長方形 20"/>
-          <p:cNvSpPr/>
-          <p:nvPr/>
-        </p:nvSpPr>
-        <p:spPr>
-          <a:xfrm>
-            <a:off x="277585" y="5867396"/>
-            <a:ext cx="11595101" cy="807357"/>
-          </a:xfrm>
-          <a:prstGeom prst="rect">
-            <a:avLst/>
-          </a:prstGeom>
-        </p:spPr>
-        <p:style>
-          <a:lnRef idx="2">
-            <a:schemeClr val="dk1"/>
-          </a:lnRef>
-          <a:fillRef idx="1">
-            <a:schemeClr val="lt1"/>
-          </a:fillRef>
-          <a:effectRef idx="0">
-            <a:schemeClr val="dk1"/>
-          </a:effectRef>
-          <a:fontRef idx="minor">
-            <a:schemeClr val="dk1"/>
-          </a:fontRef>
-        </p:style>
-        <p:txBody>
-          <a:bodyPr rtlCol="0" anchor="ctr"/>
-          <a:lstStyle/>
-          <a:p>
-            <a:pPr algn="ctr"/>
-            <a:r>
-              <a:rPr kumimoji="1" lang="en-US" altLang="ja-JP" sz="3600" dirty="0" smtClean="0">
+              </a:endParaRPr>
+            </a:p>
+          </p:txBody>
+        </p:sp>
+        <p:sp>
+          <p:nvSpPr>
+            <p:cNvPr id="16" name="正方形/長方形 15"/>
+            <p:cNvSpPr/>
+            <p:nvPr/>
+          </p:nvSpPr>
+          <p:spPr>
+            <a:xfrm>
+              <a:off x="8969829" y="1858508"/>
+              <a:ext cx="2888342" cy="807357"/>
+            </a:xfrm>
+            <a:prstGeom prst="rect">
+              <a:avLst/>
+            </a:prstGeom>
+          </p:spPr>
+          <p:style>
+            <a:lnRef idx="2">
+              <a:schemeClr val="dk1"/>
+            </a:lnRef>
+            <a:fillRef idx="1">
+              <a:schemeClr val="lt1"/>
+            </a:fillRef>
+            <a:effectRef idx="0">
+              <a:schemeClr val="dk1"/>
+            </a:effectRef>
+            <a:fontRef idx="minor">
+              <a:schemeClr val="dk1"/>
+            </a:fontRef>
+          </p:style>
+          <p:txBody>
+            <a:bodyPr rtlCol="0" anchor="ctr"/>
+            <a:lstStyle/>
+            <a:p>
+              <a:pPr algn="ctr"/>
+              <a:r>
+                <a:rPr lang="en-US" altLang="ja-JP" sz="2400" dirty="0">
+                  <a:latin typeface="メイリオ" panose="020B0604030504040204" pitchFamily="50" charset="-128"/>
+                  <a:ea typeface="メイリオ" panose="020B0604030504040204" pitchFamily="50" charset="-128"/>
+                </a:rPr>
+                <a:t>ICMP or ICMPv6</a:t>
+              </a:r>
+              <a:endParaRPr lang="ja-JP" altLang="en-US" sz="2400" dirty="0">
                 <a:latin typeface="メイリオ" panose="020B0604030504040204" pitchFamily="50" charset="-128"/>
                 <a:ea typeface="メイリオ" panose="020B0604030504040204" pitchFamily="50" charset="-128"/>
-              </a:rPr>
-              <a:t>Target Hardware</a:t>
-            </a:r>
-            <a:endParaRPr kumimoji="1" lang="ja-JP" altLang="en-US" sz="2000" dirty="0">
-              <a:latin typeface="メイリオ" panose="020B0604030504040204" pitchFamily="50" charset="-128"/>
-              <a:ea typeface="メイリオ" panose="020B0604030504040204" pitchFamily="50" charset="-128"/>
-            </a:endParaRPr>
-          </a:p>
-        </p:txBody>
-      </p:sp>
-      <p:cxnSp>
-        <p:nvCxnSpPr>
-          <p:cNvPr id="23" name="直線コネクタ 22"/>
-          <p:cNvCxnSpPr/>
-          <p:nvPr/>
-        </p:nvCxnSpPr>
-        <p:spPr>
-          <a:xfrm>
-            <a:off x="3222172" y="972456"/>
-            <a:ext cx="8650514" cy="0"/>
-          </a:xfrm>
-          <a:prstGeom prst="line">
-            <a:avLst/>
-          </a:prstGeom>
-          <a:ln w="63500"/>
-        </p:spPr>
-        <p:style>
-          <a:lnRef idx="1">
-            <a:schemeClr val="accent1"/>
-          </a:lnRef>
-          <a:fillRef idx="0">
-            <a:schemeClr val="accent1"/>
-          </a:fillRef>
-          <a:effectRef idx="0">
-            <a:schemeClr val="accent1"/>
-          </a:effectRef>
-          <a:fontRef idx="minor">
-            <a:schemeClr val="tx1"/>
-          </a:fontRef>
-        </p:style>
-      </p:cxnSp>
-      <p:cxnSp>
-        <p:nvCxnSpPr>
-          <p:cNvPr id="27" name="直線コネクタ 26"/>
-          <p:cNvCxnSpPr/>
-          <p:nvPr/>
-        </p:nvCxnSpPr>
-        <p:spPr>
-          <a:xfrm>
-            <a:off x="8258629" y="5867396"/>
-            <a:ext cx="3621315" cy="21770"/>
-          </a:xfrm>
-          <a:prstGeom prst="line">
-            <a:avLst/>
-          </a:prstGeom>
-          <a:ln w="63500"/>
-        </p:spPr>
-        <p:style>
-          <a:lnRef idx="1">
-            <a:schemeClr val="accent1"/>
-          </a:lnRef>
-          <a:fillRef idx="0">
-            <a:schemeClr val="accent1"/>
-          </a:fillRef>
-          <a:effectRef idx="0">
-            <a:schemeClr val="accent1"/>
-          </a:effectRef>
-          <a:fontRef idx="minor">
-            <a:schemeClr val="tx1"/>
-          </a:fontRef>
-        </p:style>
-      </p:cxnSp>
-      <p:cxnSp>
-        <p:nvCxnSpPr>
-          <p:cNvPr id="29" name="直線コネクタ 28"/>
-          <p:cNvCxnSpPr/>
-          <p:nvPr/>
-        </p:nvCxnSpPr>
-        <p:spPr>
-          <a:xfrm>
-            <a:off x="6480631" y="5060038"/>
-            <a:ext cx="1763482" cy="21770"/>
-          </a:xfrm>
-          <a:prstGeom prst="line">
-            <a:avLst/>
-          </a:prstGeom>
-          <a:ln w="63500"/>
-        </p:spPr>
-        <p:style>
-          <a:lnRef idx="1">
-            <a:schemeClr val="accent1"/>
-          </a:lnRef>
-          <a:fillRef idx="0">
-            <a:schemeClr val="accent1"/>
-          </a:fillRef>
-          <a:effectRef idx="0">
-            <a:schemeClr val="accent1"/>
-          </a:effectRef>
-          <a:fontRef idx="minor">
-            <a:schemeClr val="tx1"/>
-          </a:fontRef>
-        </p:style>
-      </p:cxnSp>
-      <p:cxnSp>
-        <p:nvCxnSpPr>
-          <p:cNvPr id="31" name="直線コネクタ 30"/>
-          <p:cNvCxnSpPr/>
-          <p:nvPr/>
-        </p:nvCxnSpPr>
-        <p:spPr>
-          <a:xfrm>
-            <a:off x="3222172" y="4252683"/>
-            <a:ext cx="3258459" cy="10884"/>
-          </a:xfrm>
-          <a:prstGeom prst="line">
-            <a:avLst/>
-          </a:prstGeom>
-          <a:ln w="63500"/>
-        </p:spPr>
-        <p:style>
-          <a:lnRef idx="1">
-            <a:schemeClr val="accent1"/>
-          </a:lnRef>
-          <a:fillRef idx="0">
-            <a:schemeClr val="accent1"/>
-          </a:fillRef>
-          <a:effectRef idx="0">
-            <a:schemeClr val="accent1"/>
-          </a:effectRef>
-          <a:fontRef idx="minor">
-            <a:schemeClr val="tx1"/>
-          </a:fontRef>
-        </p:style>
-      </p:cxnSp>
-      <p:cxnSp>
-        <p:nvCxnSpPr>
-          <p:cNvPr id="33" name="直線コネクタ 32"/>
-          <p:cNvCxnSpPr/>
-          <p:nvPr/>
-        </p:nvCxnSpPr>
-        <p:spPr>
-          <a:xfrm flipV="1">
-            <a:off x="3222171" y="950688"/>
-            <a:ext cx="14516" cy="3331027"/>
-          </a:xfrm>
-          <a:prstGeom prst="line">
-            <a:avLst/>
-          </a:prstGeom>
-          <a:ln w="63500"/>
-        </p:spPr>
-        <p:style>
-          <a:lnRef idx="1">
-            <a:schemeClr val="accent1"/>
-          </a:lnRef>
-          <a:fillRef idx="0">
-            <a:schemeClr val="accent1"/>
-          </a:fillRef>
-          <a:effectRef idx="0">
-            <a:schemeClr val="accent1"/>
-          </a:effectRef>
-          <a:fontRef idx="minor">
-            <a:schemeClr val="tx1"/>
-          </a:fontRef>
-        </p:style>
-      </p:cxnSp>
-      <p:cxnSp>
-        <p:nvCxnSpPr>
-          <p:cNvPr id="39" name="直線コネクタ 38"/>
-          <p:cNvCxnSpPr/>
-          <p:nvPr/>
-        </p:nvCxnSpPr>
-        <p:spPr>
-          <a:xfrm flipV="1">
-            <a:off x="6495147" y="4252683"/>
-            <a:ext cx="0" cy="829126"/>
-          </a:xfrm>
-          <a:prstGeom prst="line">
-            <a:avLst/>
-          </a:prstGeom>
-          <a:ln w="63500"/>
-        </p:spPr>
-        <p:style>
-          <a:lnRef idx="1">
-            <a:schemeClr val="accent1"/>
-          </a:lnRef>
-          <a:fillRef idx="0">
-            <a:schemeClr val="accent1"/>
-          </a:fillRef>
-          <a:effectRef idx="0">
-            <a:schemeClr val="accent1"/>
-          </a:effectRef>
-          <a:fontRef idx="minor">
-            <a:schemeClr val="tx1"/>
-          </a:fontRef>
-        </p:style>
-      </p:cxnSp>
-      <p:cxnSp>
-        <p:nvCxnSpPr>
-          <p:cNvPr id="47" name="直線コネクタ 46"/>
-          <p:cNvCxnSpPr/>
-          <p:nvPr/>
-        </p:nvCxnSpPr>
-        <p:spPr>
-          <a:xfrm flipV="1">
-            <a:off x="8273144" y="5053688"/>
-            <a:ext cx="7258" cy="835478"/>
-          </a:xfrm>
-          <a:prstGeom prst="line">
-            <a:avLst/>
-          </a:prstGeom>
-          <a:ln w="63500"/>
-        </p:spPr>
-        <p:style>
-          <a:lnRef idx="1">
-            <a:schemeClr val="accent1"/>
-          </a:lnRef>
-          <a:fillRef idx="0">
-            <a:schemeClr val="accent1"/>
-          </a:fillRef>
-          <a:effectRef idx="0">
-            <a:schemeClr val="accent1"/>
-          </a:effectRef>
-          <a:fontRef idx="minor">
-            <a:schemeClr val="tx1"/>
-          </a:fontRef>
-        </p:style>
-      </p:cxnSp>
-      <p:cxnSp>
-        <p:nvCxnSpPr>
-          <p:cNvPr id="49" name="直線コネクタ 48"/>
-          <p:cNvCxnSpPr/>
-          <p:nvPr/>
-        </p:nvCxnSpPr>
-        <p:spPr>
-          <a:xfrm flipV="1">
-            <a:off x="11872686" y="947055"/>
-            <a:ext cx="7258" cy="4934854"/>
-          </a:xfrm>
-          <a:prstGeom prst="line">
-            <a:avLst/>
-          </a:prstGeom>
-          <a:ln w="63500"/>
-        </p:spPr>
-        <p:style>
-          <a:lnRef idx="1">
-            <a:schemeClr val="accent1"/>
-          </a:lnRef>
-          <a:fillRef idx="0">
-            <a:schemeClr val="accent1"/>
-          </a:fillRef>
-          <a:effectRef idx="0">
-            <a:schemeClr val="accent1"/>
-          </a:effectRef>
-          <a:fontRef idx="minor">
-            <a:schemeClr val="tx1"/>
-          </a:fontRef>
-        </p:style>
-      </p:cxnSp>
-      <p:sp>
-        <p:nvSpPr>
-          <p:cNvPr id="3" name="円/楕円 2"/>
-          <p:cNvSpPr/>
-          <p:nvPr/>
-        </p:nvSpPr>
-        <p:spPr>
-          <a:xfrm>
-            <a:off x="3584574" y="1141185"/>
-            <a:ext cx="1200151" cy="1153888"/>
-          </a:xfrm>
-          <a:prstGeom prst="ellipse">
-            <a:avLst/>
-          </a:prstGeom>
-        </p:spPr>
-        <p:style>
-          <a:lnRef idx="2">
-            <a:schemeClr val="dk1"/>
-          </a:lnRef>
-          <a:fillRef idx="1">
-            <a:schemeClr val="lt1"/>
-          </a:fillRef>
-          <a:effectRef idx="0">
-            <a:schemeClr val="dk1"/>
-          </a:effectRef>
-          <a:fontRef idx="minor">
-            <a:schemeClr val="dk1"/>
-          </a:fontRef>
-        </p:style>
-        <p:txBody>
-          <a:bodyPr rtlCol="0" anchor="ctr"/>
-          <a:lstStyle/>
-          <a:p>
-            <a:pPr algn="ctr"/>
-            <a:r>
-              <a:rPr kumimoji="1" lang="en-US" altLang="ja-JP" sz="2400" dirty="0" smtClean="0">
+              </a:endParaRPr>
+            </a:p>
+          </p:txBody>
+        </p:sp>
+        <p:sp>
+          <p:nvSpPr>
+            <p:cNvPr id="17" name="正方形/長方形 16"/>
+            <p:cNvSpPr/>
+            <p:nvPr/>
+          </p:nvSpPr>
+          <p:spPr>
+            <a:xfrm>
+              <a:off x="6480631" y="2716666"/>
+              <a:ext cx="2148112" cy="807357"/>
+            </a:xfrm>
+            <a:prstGeom prst="rect">
+              <a:avLst/>
+            </a:prstGeom>
+          </p:spPr>
+          <p:style>
+            <a:lnRef idx="2">
+              <a:schemeClr val="dk1"/>
+            </a:lnRef>
+            <a:fillRef idx="1">
+              <a:schemeClr val="lt1"/>
+            </a:fillRef>
+            <a:effectRef idx="0">
+              <a:schemeClr val="dk1"/>
+            </a:effectRef>
+            <a:fontRef idx="minor">
+              <a:schemeClr val="dk1"/>
+            </a:fontRef>
+          </p:style>
+          <p:txBody>
+            <a:bodyPr rtlCol="0" anchor="ctr"/>
+            <a:lstStyle/>
+            <a:p>
+              <a:pPr algn="ctr"/>
+              <a:r>
+                <a:rPr lang="en-US" altLang="ja-JP" sz="3600" dirty="0">
+                  <a:latin typeface="メイリオ" panose="020B0604030504040204" pitchFamily="50" charset="-128"/>
+                  <a:ea typeface="メイリオ" panose="020B0604030504040204" pitchFamily="50" charset="-128"/>
+                </a:rPr>
+                <a:t>ARP</a:t>
+              </a:r>
+              <a:endParaRPr lang="ja-JP" altLang="en-US" sz="2000" dirty="0">
                 <a:latin typeface="メイリオ" panose="020B0604030504040204" pitchFamily="50" charset="-128"/>
                 <a:ea typeface="メイリオ" panose="020B0604030504040204" pitchFamily="50" charset="-128"/>
-              </a:rPr>
-              <a:t>UDP</a:t>
-            </a:r>
-          </a:p>
-          <a:p>
-            <a:pPr algn="ctr"/>
-            <a:r>
-              <a:rPr kumimoji="1" lang="en-US" altLang="ja-JP" sz="2400" dirty="0" smtClean="0">
+              </a:endParaRPr>
+            </a:p>
+          </p:txBody>
+        </p:sp>
+        <p:sp>
+          <p:nvSpPr>
+            <p:cNvPr id="18" name="正方形/長方形 17"/>
+            <p:cNvSpPr/>
+            <p:nvPr/>
+          </p:nvSpPr>
+          <p:spPr>
+            <a:xfrm>
+              <a:off x="6480631" y="3524024"/>
+              <a:ext cx="5392056" cy="807357"/>
+            </a:xfrm>
+            <a:prstGeom prst="rect">
+              <a:avLst/>
+            </a:prstGeom>
+          </p:spPr>
+          <p:style>
+            <a:lnRef idx="2">
+              <a:schemeClr val="dk1"/>
+            </a:lnRef>
+            <a:fillRef idx="1">
+              <a:schemeClr val="lt1"/>
+            </a:fillRef>
+            <a:effectRef idx="0">
+              <a:schemeClr val="dk1"/>
+            </a:effectRef>
+            <a:fontRef idx="minor">
+              <a:schemeClr val="dk1"/>
+            </a:fontRef>
+          </p:style>
+          <p:txBody>
+            <a:bodyPr rtlCol="0" anchor="ctr"/>
+            <a:lstStyle/>
+            <a:p>
+              <a:pPr algn="ctr"/>
+              <a:r>
+                <a:rPr lang="en-US" altLang="ja-JP" sz="3600" dirty="0">
+                  <a:latin typeface="メイリオ" panose="020B0604030504040204" pitchFamily="50" charset="-128"/>
+                  <a:ea typeface="メイリオ" panose="020B0604030504040204" pitchFamily="50" charset="-128"/>
+                </a:rPr>
+                <a:t>Ethernet</a:t>
+              </a:r>
+              <a:endParaRPr lang="ja-JP" altLang="en-US" sz="3600" dirty="0">
                 <a:latin typeface="メイリオ" panose="020B0604030504040204" pitchFamily="50" charset="-128"/>
                 <a:ea typeface="メイリオ" panose="020B0604030504040204" pitchFamily="50" charset="-128"/>
-              </a:rPr>
-              <a:t>CEP</a:t>
-            </a:r>
-            <a:endParaRPr kumimoji="1" lang="ja-JP" altLang="en-US" sz="2400" dirty="0">
-              <a:latin typeface="メイリオ" panose="020B0604030504040204" pitchFamily="50" charset="-128"/>
-              <a:ea typeface="メイリオ" panose="020B0604030504040204" pitchFamily="50" charset="-128"/>
-            </a:endParaRPr>
-          </a:p>
-        </p:txBody>
-      </p:sp>
-      <p:sp>
-        <p:nvSpPr>
-          <p:cNvPr id="24" name="円/楕円 23"/>
-          <p:cNvSpPr/>
-          <p:nvPr/>
-        </p:nvSpPr>
-        <p:spPr>
-          <a:xfrm>
-            <a:off x="10414000" y="1141185"/>
-            <a:ext cx="1200151" cy="1153888"/>
-          </a:xfrm>
-          <a:prstGeom prst="ellipse">
-            <a:avLst/>
-          </a:prstGeom>
-        </p:spPr>
-        <p:style>
-          <a:lnRef idx="2">
-            <a:schemeClr val="dk1"/>
-          </a:lnRef>
-          <a:fillRef idx="1">
-            <a:schemeClr val="lt1"/>
-          </a:fillRef>
-          <a:effectRef idx="0">
-            <a:schemeClr val="dk1"/>
-          </a:effectRef>
-          <a:fontRef idx="minor">
-            <a:schemeClr val="dk1"/>
-          </a:fontRef>
-        </p:style>
-        <p:txBody>
-          <a:bodyPr rtlCol="0" anchor="ctr"/>
-          <a:lstStyle/>
-          <a:p>
-            <a:pPr algn="ctr"/>
-            <a:r>
-              <a:rPr kumimoji="1" lang="en-US" altLang="ja-JP" sz="2400" dirty="0" smtClean="0">
+              </a:endParaRPr>
+            </a:p>
+          </p:txBody>
+        </p:sp>
+        <p:sp>
+          <p:nvSpPr>
+            <p:cNvPr id="19" name="正方形/長方形 18"/>
+            <p:cNvSpPr/>
+            <p:nvPr/>
+          </p:nvSpPr>
+          <p:spPr>
+            <a:xfrm>
+              <a:off x="8258629" y="4331380"/>
+              <a:ext cx="3614058" cy="807357"/>
+            </a:xfrm>
+            <a:prstGeom prst="rect">
+              <a:avLst/>
+            </a:prstGeom>
+          </p:spPr>
+          <p:style>
+            <a:lnRef idx="2">
+              <a:schemeClr val="dk1"/>
+            </a:lnRef>
+            <a:fillRef idx="1">
+              <a:schemeClr val="lt1"/>
+            </a:fillRef>
+            <a:effectRef idx="0">
+              <a:schemeClr val="dk1"/>
+            </a:effectRef>
+            <a:fontRef idx="minor">
+              <a:schemeClr val="dk1"/>
+            </a:fontRef>
+          </p:style>
+          <p:txBody>
+            <a:bodyPr rtlCol="0" anchor="ctr"/>
+            <a:lstStyle/>
+            <a:p>
+              <a:pPr algn="ctr"/>
+              <a:r>
+                <a:rPr lang="en-US" altLang="ja-JP" sz="3600" dirty="0">
+                  <a:latin typeface="メイリオ" panose="020B0604030504040204" pitchFamily="50" charset="-128"/>
+                  <a:ea typeface="メイリオ" panose="020B0604030504040204" pitchFamily="50" charset="-128"/>
+                </a:rPr>
+                <a:t>NIC Driver</a:t>
+              </a:r>
+              <a:endParaRPr lang="ja-JP" altLang="en-US" sz="2000" dirty="0">
                 <a:latin typeface="メイリオ" panose="020B0604030504040204" pitchFamily="50" charset="-128"/>
                 <a:ea typeface="メイリオ" panose="020B0604030504040204" pitchFamily="50" charset="-128"/>
-              </a:rPr>
-              <a:t>TCP</a:t>
-            </a:r>
-          </a:p>
-          <a:p>
-            <a:pPr algn="ctr"/>
-            <a:r>
-              <a:rPr kumimoji="1" lang="en-US" altLang="ja-JP" sz="2400" dirty="0" smtClean="0">
+              </a:endParaRPr>
+            </a:p>
+          </p:txBody>
+        </p:sp>
+        <p:sp>
+          <p:nvSpPr>
+            <p:cNvPr id="21" name="正方形/長方形 20"/>
+            <p:cNvSpPr/>
+            <p:nvPr/>
+          </p:nvSpPr>
+          <p:spPr>
+            <a:xfrm>
+              <a:off x="277586" y="5138734"/>
+              <a:ext cx="11595101" cy="807357"/>
+            </a:xfrm>
+            <a:prstGeom prst="rect">
+              <a:avLst/>
+            </a:prstGeom>
+          </p:spPr>
+          <p:style>
+            <a:lnRef idx="2">
+              <a:schemeClr val="dk1"/>
+            </a:lnRef>
+            <a:fillRef idx="1">
+              <a:schemeClr val="lt1"/>
+            </a:fillRef>
+            <a:effectRef idx="0">
+              <a:schemeClr val="dk1"/>
+            </a:effectRef>
+            <a:fontRef idx="minor">
+              <a:schemeClr val="dk1"/>
+            </a:fontRef>
+          </p:style>
+          <p:txBody>
+            <a:bodyPr rtlCol="0" anchor="ctr"/>
+            <a:lstStyle/>
+            <a:p>
+              <a:pPr algn="ctr"/>
+              <a:r>
+                <a:rPr lang="en-US" altLang="ja-JP" sz="3600" dirty="0">
+                  <a:latin typeface="メイリオ" panose="020B0604030504040204" pitchFamily="50" charset="-128"/>
+                  <a:ea typeface="メイリオ" panose="020B0604030504040204" pitchFamily="50" charset="-128"/>
+                </a:rPr>
+                <a:t>Target Hardware</a:t>
+              </a:r>
+              <a:endParaRPr lang="ja-JP" altLang="en-US" sz="2000" dirty="0">
                 <a:latin typeface="メイリオ" panose="020B0604030504040204" pitchFamily="50" charset="-128"/>
                 <a:ea typeface="メイリオ" panose="020B0604030504040204" pitchFamily="50" charset="-128"/>
-              </a:rPr>
-              <a:t>CEP</a:t>
-            </a:r>
-            <a:endParaRPr kumimoji="1" lang="ja-JP" altLang="en-US" sz="2400" dirty="0">
-              <a:latin typeface="メイリオ" panose="020B0604030504040204" pitchFamily="50" charset="-128"/>
-              <a:ea typeface="メイリオ" panose="020B0604030504040204" pitchFamily="50" charset="-128"/>
-            </a:endParaRPr>
-          </a:p>
-        </p:txBody>
-      </p:sp>
-      <p:sp>
-        <p:nvSpPr>
-          <p:cNvPr id="25" name="円/楕円 24"/>
-          <p:cNvSpPr/>
-          <p:nvPr/>
-        </p:nvSpPr>
-        <p:spPr>
-          <a:xfrm>
-            <a:off x="6918323" y="1565275"/>
-            <a:ext cx="1200151" cy="559701"/>
-          </a:xfrm>
-          <a:prstGeom prst="ellipse">
-            <a:avLst/>
-          </a:prstGeom>
-        </p:spPr>
-        <p:style>
-          <a:lnRef idx="2">
-            <a:schemeClr val="dk1"/>
-          </a:lnRef>
-          <a:fillRef idx="1">
-            <a:schemeClr val="lt1"/>
-          </a:fillRef>
-          <a:effectRef idx="0">
-            <a:schemeClr val="dk1"/>
-          </a:effectRef>
-          <a:fontRef idx="minor">
-            <a:schemeClr val="dk1"/>
-          </a:fontRef>
-        </p:style>
-        <p:txBody>
-          <a:bodyPr rtlCol="0" anchor="ctr"/>
-          <a:lstStyle/>
-          <a:p>
-            <a:pPr algn="ctr"/>
-            <a:r>
-              <a:rPr kumimoji="1" lang="en-US" altLang="ja-JP" sz="2400" dirty="0" smtClean="0">
+              </a:endParaRPr>
+            </a:p>
+          </p:txBody>
+        </p:sp>
+        <p:cxnSp>
+          <p:nvCxnSpPr>
+            <p:cNvPr id="23" name="直線コネクタ 22"/>
+            <p:cNvCxnSpPr/>
+            <p:nvPr/>
+          </p:nvCxnSpPr>
+          <p:spPr>
+            <a:xfrm>
+              <a:off x="3222172" y="243793"/>
+              <a:ext cx="8650514" cy="0"/>
+            </a:xfrm>
+            <a:prstGeom prst="line">
+              <a:avLst/>
+            </a:prstGeom>
+            <a:ln w="63500"/>
+          </p:spPr>
+          <p:style>
+            <a:lnRef idx="1">
+              <a:schemeClr val="accent1"/>
+            </a:lnRef>
+            <a:fillRef idx="0">
+              <a:schemeClr val="accent1"/>
+            </a:fillRef>
+            <a:effectRef idx="0">
+              <a:schemeClr val="accent1"/>
+            </a:effectRef>
+            <a:fontRef idx="minor">
+              <a:schemeClr val="tx1"/>
+            </a:fontRef>
+          </p:style>
+        </p:cxnSp>
+        <p:cxnSp>
+          <p:nvCxnSpPr>
+            <p:cNvPr id="27" name="直線コネクタ 26"/>
+            <p:cNvCxnSpPr/>
+            <p:nvPr/>
+          </p:nvCxnSpPr>
+          <p:spPr>
+            <a:xfrm>
+              <a:off x="8258630" y="5138733"/>
+              <a:ext cx="3621315" cy="21770"/>
+            </a:xfrm>
+            <a:prstGeom prst="line">
+              <a:avLst/>
+            </a:prstGeom>
+            <a:ln w="63500"/>
+          </p:spPr>
+          <p:style>
+            <a:lnRef idx="1">
+              <a:schemeClr val="accent1"/>
+            </a:lnRef>
+            <a:fillRef idx="0">
+              <a:schemeClr val="accent1"/>
+            </a:fillRef>
+            <a:effectRef idx="0">
+              <a:schemeClr val="accent1"/>
+            </a:effectRef>
+            <a:fontRef idx="minor">
+              <a:schemeClr val="tx1"/>
+            </a:fontRef>
+          </p:style>
+        </p:cxnSp>
+        <p:cxnSp>
+          <p:nvCxnSpPr>
+            <p:cNvPr id="29" name="直線コネクタ 28"/>
+            <p:cNvCxnSpPr/>
+            <p:nvPr/>
+          </p:nvCxnSpPr>
+          <p:spPr>
+            <a:xfrm>
+              <a:off x="6480631" y="4331375"/>
+              <a:ext cx="1763482" cy="21770"/>
+            </a:xfrm>
+            <a:prstGeom prst="line">
+              <a:avLst/>
+            </a:prstGeom>
+            <a:ln w="63500"/>
+          </p:spPr>
+          <p:style>
+            <a:lnRef idx="1">
+              <a:schemeClr val="accent1"/>
+            </a:lnRef>
+            <a:fillRef idx="0">
+              <a:schemeClr val="accent1"/>
+            </a:fillRef>
+            <a:effectRef idx="0">
+              <a:schemeClr val="accent1"/>
+            </a:effectRef>
+            <a:fontRef idx="minor">
+              <a:schemeClr val="tx1"/>
+            </a:fontRef>
+          </p:style>
+        </p:cxnSp>
+        <p:cxnSp>
+          <p:nvCxnSpPr>
+            <p:cNvPr id="31" name="直線コネクタ 30"/>
+            <p:cNvCxnSpPr/>
+            <p:nvPr/>
+          </p:nvCxnSpPr>
+          <p:spPr>
+            <a:xfrm>
+              <a:off x="3222173" y="3524020"/>
+              <a:ext cx="3258459" cy="10884"/>
+            </a:xfrm>
+            <a:prstGeom prst="line">
+              <a:avLst/>
+            </a:prstGeom>
+            <a:ln w="63500"/>
+          </p:spPr>
+          <p:style>
+            <a:lnRef idx="1">
+              <a:schemeClr val="accent1"/>
+            </a:lnRef>
+            <a:fillRef idx="0">
+              <a:schemeClr val="accent1"/>
+            </a:fillRef>
+            <a:effectRef idx="0">
+              <a:schemeClr val="accent1"/>
+            </a:effectRef>
+            <a:fontRef idx="minor">
+              <a:schemeClr val="tx1"/>
+            </a:fontRef>
+          </p:style>
+        </p:cxnSp>
+        <p:cxnSp>
+          <p:nvCxnSpPr>
+            <p:cNvPr id="33" name="直線コネクタ 32"/>
+            <p:cNvCxnSpPr/>
+            <p:nvPr/>
+          </p:nvCxnSpPr>
+          <p:spPr>
+            <a:xfrm flipV="1">
+              <a:off x="3222171" y="222026"/>
+              <a:ext cx="14516" cy="3331027"/>
+            </a:xfrm>
+            <a:prstGeom prst="line">
+              <a:avLst/>
+            </a:prstGeom>
+            <a:ln w="63500"/>
+          </p:spPr>
+          <p:style>
+            <a:lnRef idx="1">
+              <a:schemeClr val="accent1"/>
+            </a:lnRef>
+            <a:fillRef idx="0">
+              <a:schemeClr val="accent1"/>
+            </a:fillRef>
+            <a:effectRef idx="0">
+              <a:schemeClr val="accent1"/>
+            </a:effectRef>
+            <a:fontRef idx="minor">
+              <a:schemeClr val="tx1"/>
+            </a:fontRef>
+          </p:style>
+        </p:cxnSp>
+        <p:cxnSp>
+          <p:nvCxnSpPr>
+            <p:cNvPr id="39" name="直線コネクタ 38"/>
+            <p:cNvCxnSpPr/>
+            <p:nvPr/>
+          </p:nvCxnSpPr>
+          <p:spPr>
+            <a:xfrm flipV="1">
+              <a:off x="6495147" y="3524020"/>
+              <a:ext cx="0" cy="829126"/>
+            </a:xfrm>
+            <a:prstGeom prst="line">
+              <a:avLst/>
+            </a:prstGeom>
+            <a:ln w="63500"/>
+          </p:spPr>
+          <p:style>
+            <a:lnRef idx="1">
+              <a:schemeClr val="accent1"/>
+            </a:lnRef>
+            <a:fillRef idx="0">
+              <a:schemeClr val="accent1"/>
+            </a:fillRef>
+            <a:effectRef idx="0">
+              <a:schemeClr val="accent1"/>
+            </a:effectRef>
+            <a:fontRef idx="minor">
+              <a:schemeClr val="tx1"/>
+            </a:fontRef>
+          </p:style>
+        </p:cxnSp>
+        <p:cxnSp>
+          <p:nvCxnSpPr>
+            <p:cNvPr id="47" name="直線コネクタ 46"/>
+            <p:cNvCxnSpPr/>
+            <p:nvPr/>
+          </p:nvCxnSpPr>
+          <p:spPr>
+            <a:xfrm flipV="1">
+              <a:off x="8273144" y="4325025"/>
+              <a:ext cx="7258" cy="835478"/>
+            </a:xfrm>
+            <a:prstGeom prst="line">
+              <a:avLst/>
+            </a:prstGeom>
+            <a:ln w="63500"/>
+          </p:spPr>
+          <p:style>
+            <a:lnRef idx="1">
+              <a:schemeClr val="accent1"/>
+            </a:lnRef>
+            <a:fillRef idx="0">
+              <a:schemeClr val="accent1"/>
+            </a:fillRef>
+            <a:effectRef idx="0">
+              <a:schemeClr val="accent1"/>
+            </a:effectRef>
+            <a:fontRef idx="minor">
+              <a:schemeClr val="tx1"/>
+            </a:fontRef>
+          </p:style>
+        </p:cxnSp>
+        <p:cxnSp>
+          <p:nvCxnSpPr>
+            <p:cNvPr id="49" name="直線コネクタ 48"/>
+            <p:cNvCxnSpPr/>
+            <p:nvPr/>
+          </p:nvCxnSpPr>
+          <p:spPr>
+            <a:xfrm flipV="1">
+              <a:off x="11872686" y="218392"/>
+              <a:ext cx="7258" cy="4934854"/>
+            </a:xfrm>
+            <a:prstGeom prst="line">
+              <a:avLst/>
+            </a:prstGeom>
+            <a:ln w="63500"/>
+          </p:spPr>
+          <p:style>
+            <a:lnRef idx="1">
+              <a:schemeClr val="accent1"/>
+            </a:lnRef>
+            <a:fillRef idx="0">
+              <a:schemeClr val="accent1"/>
+            </a:fillRef>
+            <a:effectRef idx="0">
+              <a:schemeClr val="accent1"/>
+            </a:effectRef>
+            <a:fontRef idx="minor">
+              <a:schemeClr val="tx1"/>
+            </a:fontRef>
+          </p:style>
+        </p:cxnSp>
+        <p:sp>
+          <p:nvSpPr>
+            <p:cNvPr id="3" name="円/楕円 2"/>
+            <p:cNvSpPr/>
+            <p:nvPr/>
+          </p:nvSpPr>
+          <p:spPr>
+            <a:xfrm>
+              <a:off x="3584575" y="412522"/>
+              <a:ext cx="1200151" cy="1153888"/>
+            </a:xfrm>
+            <a:prstGeom prst="ellipse">
+              <a:avLst/>
+            </a:prstGeom>
+          </p:spPr>
+          <p:style>
+            <a:lnRef idx="2">
+              <a:schemeClr val="dk1"/>
+            </a:lnRef>
+            <a:fillRef idx="1">
+              <a:schemeClr val="lt1"/>
+            </a:fillRef>
+            <a:effectRef idx="0">
+              <a:schemeClr val="dk1"/>
+            </a:effectRef>
+            <a:fontRef idx="minor">
+              <a:schemeClr val="dk1"/>
+            </a:fontRef>
+          </p:style>
+          <p:txBody>
+            <a:bodyPr rtlCol="0" anchor="ctr"/>
+            <a:lstStyle/>
+            <a:p>
+              <a:pPr algn="ctr"/>
+              <a:r>
+                <a:rPr lang="en-US" altLang="ja-JP" sz="2400" dirty="0">
+                  <a:latin typeface="メイリオ" panose="020B0604030504040204" pitchFamily="50" charset="-128"/>
+                  <a:ea typeface="メイリオ" panose="020B0604030504040204" pitchFamily="50" charset="-128"/>
+                </a:rPr>
+                <a:t>UDP</a:t>
+              </a:r>
+            </a:p>
+            <a:p>
+              <a:pPr algn="ctr"/>
+              <a:r>
+                <a:rPr lang="en-US" altLang="ja-JP" sz="2400" dirty="0">
+                  <a:latin typeface="メイリオ" panose="020B0604030504040204" pitchFamily="50" charset="-128"/>
+                  <a:ea typeface="メイリオ" panose="020B0604030504040204" pitchFamily="50" charset="-128"/>
+                </a:rPr>
+                <a:t>CEP</a:t>
+              </a:r>
+              <a:endParaRPr lang="ja-JP" altLang="en-US" sz="2400" dirty="0">
                 <a:latin typeface="メイリオ" panose="020B0604030504040204" pitchFamily="50" charset="-128"/>
                 <a:ea typeface="メイリオ" panose="020B0604030504040204" pitchFamily="50" charset="-128"/>
-              </a:rPr>
-              <a:t>REP</a:t>
-            </a:r>
-            <a:endParaRPr kumimoji="1" lang="ja-JP" altLang="en-US" sz="2400" dirty="0">
-              <a:latin typeface="メイリオ" panose="020B0604030504040204" pitchFamily="50" charset="-128"/>
-              <a:ea typeface="メイリオ" panose="020B0604030504040204" pitchFamily="50" charset="-128"/>
-            </a:endParaRPr>
-          </a:p>
-        </p:txBody>
-      </p:sp>
+              </a:endParaRPr>
+            </a:p>
+          </p:txBody>
+        </p:sp>
+        <p:sp>
+          <p:nvSpPr>
+            <p:cNvPr id="24" name="円/楕円 23"/>
+            <p:cNvSpPr/>
+            <p:nvPr/>
+          </p:nvSpPr>
+          <p:spPr>
+            <a:xfrm>
+              <a:off x="10414001" y="412522"/>
+              <a:ext cx="1200151" cy="1153888"/>
+            </a:xfrm>
+            <a:prstGeom prst="ellipse">
+              <a:avLst/>
+            </a:prstGeom>
+          </p:spPr>
+          <p:style>
+            <a:lnRef idx="2">
+              <a:schemeClr val="dk1"/>
+            </a:lnRef>
+            <a:fillRef idx="1">
+              <a:schemeClr val="lt1"/>
+            </a:fillRef>
+            <a:effectRef idx="0">
+              <a:schemeClr val="dk1"/>
+            </a:effectRef>
+            <a:fontRef idx="minor">
+              <a:schemeClr val="dk1"/>
+            </a:fontRef>
+          </p:style>
+          <p:txBody>
+            <a:bodyPr rtlCol="0" anchor="ctr"/>
+            <a:lstStyle/>
+            <a:p>
+              <a:pPr algn="ctr"/>
+              <a:r>
+                <a:rPr lang="en-US" altLang="ja-JP" sz="2400" dirty="0">
+                  <a:latin typeface="メイリオ" panose="020B0604030504040204" pitchFamily="50" charset="-128"/>
+                  <a:ea typeface="メイリオ" panose="020B0604030504040204" pitchFamily="50" charset="-128"/>
+                </a:rPr>
+                <a:t>TCP</a:t>
+              </a:r>
+            </a:p>
+            <a:p>
+              <a:pPr algn="ctr"/>
+              <a:r>
+                <a:rPr lang="en-US" altLang="ja-JP" sz="2400" dirty="0">
+                  <a:latin typeface="メイリオ" panose="020B0604030504040204" pitchFamily="50" charset="-128"/>
+                  <a:ea typeface="メイリオ" panose="020B0604030504040204" pitchFamily="50" charset="-128"/>
+                </a:rPr>
+                <a:t>CEP</a:t>
+              </a:r>
+              <a:endParaRPr lang="ja-JP" altLang="en-US" sz="2400" dirty="0">
+                <a:latin typeface="メイリオ" panose="020B0604030504040204" pitchFamily="50" charset="-128"/>
+                <a:ea typeface="メイリオ" panose="020B0604030504040204" pitchFamily="50" charset="-128"/>
+              </a:endParaRPr>
+            </a:p>
+          </p:txBody>
+        </p:sp>
+        <p:sp>
+          <p:nvSpPr>
+            <p:cNvPr id="25" name="円/楕円 24"/>
+            <p:cNvSpPr/>
+            <p:nvPr/>
+          </p:nvSpPr>
+          <p:spPr>
+            <a:xfrm>
+              <a:off x="6918324" y="836613"/>
+              <a:ext cx="1200151" cy="559701"/>
+            </a:xfrm>
+            <a:prstGeom prst="ellipse">
+              <a:avLst/>
+            </a:prstGeom>
+          </p:spPr>
+          <p:style>
+            <a:lnRef idx="2">
+              <a:schemeClr val="dk1"/>
+            </a:lnRef>
+            <a:fillRef idx="1">
+              <a:schemeClr val="lt1"/>
+            </a:fillRef>
+            <a:effectRef idx="0">
+              <a:schemeClr val="dk1"/>
+            </a:effectRef>
+            <a:fontRef idx="minor">
+              <a:schemeClr val="dk1"/>
+            </a:fontRef>
+          </p:style>
+          <p:txBody>
+            <a:bodyPr rtlCol="0" anchor="ctr"/>
+            <a:lstStyle/>
+            <a:p>
+              <a:pPr algn="ctr"/>
+              <a:r>
+                <a:rPr lang="en-US" altLang="ja-JP" sz="2400" dirty="0">
+                  <a:latin typeface="メイリオ" panose="020B0604030504040204" pitchFamily="50" charset="-128"/>
+                  <a:ea typeface="メイリオ" panose="020B0604030504040204" pitchFamily="50" charset="-128"/>
+                </a:rPr>
+                <a:t>REP</a:t>
+              </a:r>
+              <a:endParaRPr lang="ja-JP" altLang="en-US" sz="2400" dirty="0">
+                <a:latin typeface="メイリオ" panose="020B0604030504040204" pitchFamily="50" charset="-128"/>
+                <a:ea typeface="メイリオ" panose="020B0604030504040204" pitchFamily="50" charset="-128"/>
+              </a:endParaRPr>
+            </a:p>
+          </p:txBody>
+        </p:sp>
+      </p:grpSp>
     </p:spTree>
     <p:extLst>
       <p:ext uri="{BB962C8B-B14F-4D97-AF65-F5344CB8AC3E}">
@@ -4659,7 +4705,7 @@
 <file path=ppt/theme/theme1.xml><?xml version="1.0" encoding="utf-8"?>
 <a:theme xmlns:a="http://schemas.openxmlformats.org/drawingml/2006/main" name="Office テーマ">
   <a:themeElements>
-    <a:clrScheme name="Office">
+    <a:clrScheme name="Office テーマ">
       <a:dk1>
         <a:sysClr val="windowText" lastClr="000000"/>
       </a:dk1>
@@ -4697,14 +4743,14 @@
         <a:srgbClr val="954F72"/>
       </a:folHlink>
     </a:clrScheme>
-    <a:fontScheme name="Office">
+    <a:fontScheme name="Office テーマ">
       <a:majorFont>
         <a:latin typeface="Calibri Light" panose="020F0302020204030204"/>
         <a:ea typeface=""/>
         <a:cs typeface=""/>
-        <a:font script="Jpan" typeface="ＭＳ Ｐゴシック"/>
+        <a:font script="Jpan" typeface="游ゴシック Light"/>
         <a:font script="Hang" typeface="맑은 고딕"/>
-        <a:font script="Hans" typeface="宋体"/>
+        <a:font script="Hans" typeface="等线 Light"/>
         <a:font script="Hant" typeface="新細明體"/>
         <a:font script="Arab" typeface="Times New Roman"/>
         <a:font script="Hebr" typeface="Times New Roman"/>
@@ -4737,9 +4783,9 @@
         <a:latin typeface="Calibri" panose="020F0502020204030204"/>
         <a:ea typeface=""/>
         <a:cs typeface=""/>
-        <a:font script="Jpan" typeface="ＭＳ Ｐゴシック"/>
+        <a:font script="Jpan" typeface="游ゴシック"/>
         <a:font script="Hang" typeface="맑은 고딕"/>
-        <a:font script="Hans" typeface="宋体"/>
+        <a:font script="Hans" typeface="等线"/>
         <a:font script="Hant" typeface="新細明體"/>
         <a:font script="Arab" typeface="Arial"/>
         <a:font script="Hebr" typeface="Arial"/>
@@ -4769,7 +4815,7 @@
         <a:font script="Geor" typeface="Sylfaen"/>
       </a:minorFont>
     </a:fontScheme>
-    <a:fmtScheme name="Office">
+    <a:fmtScheme name="Office テーマ">
       <a:fillStyleLst>
         <a:solidFill>
           <a:schemeClr val="phClr"/>
